--- a/main/reference/ae2.pptx
+++ b/main/reference/ae2.pptx
@@ -3412,7 +3412,7 @@
           <p:nvPr/>
         </p:nvGraphicFramePr>
         <p:xfrm rot="0">
-          <a:off x="2862526" y="1165860"/>
+          <a:off x="2642489" y="1165860"/>
           <a:ext cx="3657600" cy="2743200"/>
         </p:xfrm>
         <a:graphic>
@@ -3420,10 +3420,11 @@
             <a:tbl>
               <a:tblPr/>
               <a:tblGrid>
-                <a:gridCol w="2977693"/>
-                <a:gridCol w="1163085"/>
-                <a:gridCol w="1163085"/>
-                <a:gridCol w="1163085"/>
+                <a:gridCol w="2780359"/>
+                <a:gridCol w="1031666"/>
+                <a:gridCol w="1031666"/>
+                <a:gridCol w="1031666"/>
+                <a:gridCol w="1031666"/>
               </a:tblGrid>
               <a:tr h="268114">
                 <a:tc>
@@ -3514,6 +3515,17 @@
                         </a:spcAft>
                         <a:buNone/>
                       </a:pPr>
+                      <a:endParaRPr cap="none" sz="1400" i="0" b="1" u="none">
+                        <a:solidFill>
+                          <a:srgbClr val="FFFFFF">
+                            <a:alpha val="100000"/>
+                          </a:srgbClr>
+                        </a:solidFill>
+                        <a:latin typeface="arial"/>
+                        <a:cs typeface="arial"/>
+                        <a:ea typeface="arial"/>
+                        <a:sym typeface="arial"/>
+                      </a:endParaRPr>
                       <a:r>
                         <a:rPr cap="none" sz="1400" i="0" b="1" u="none">
                           <a:solidFill>
@@ -3526,7 +3538,7 @@
                           <a:ea typeface="arial"/>
                           <a:sym typeface="arial"/>
                         </a:rPr>
-                        <a:t>A: Drug X</a:t>
+                        <a:t/>
                       </a:r>
                     </a:p>
                   </a:txBody>
@@ -3571,6 +3583,17 @@
                         </a:spcAft>
                         <a:buNone/>
                       </a:pPr>
+                      <a:endParaRPr cap="none" sz="1400" i="0" b="1" u="none">
+                        <a:solidFill>
+                          <a:srgbClr val="FFFFFF">
+                            <a:alpha val="100000"/>
+                          </a:srgbClr>
+                        </a:solidFill>
+                        <a:latin typeface="arial"/>
+                        <a:cs typeface="arial"/>
+                        <a:ea typeface="arial"/>
+                        <a:sym typeface="arial"/>
+                      </a:endParaRPr>
                       <a:r>
                         <a:rPr cap="none" sz="1400" i="0" b="1" u="none">
                           <a:solidFill>
@@ -3583,7 +3606,7 @@
                           <a:ea typeface="arial"/>
                           <a:sym typeface="arial"/>
                         </a:rPr>
-                        <a:t>B: Placebo</a:t>
+                        <a:t/>
                       </a:r>
                     </a:p>
                   </a:txBody>
@@ -3628,6 +3651,17 @@
                         </a:spcAft>
                         <a:buNone/>
                       </a:pPr>
+                      <a:endParaRPr cap="none" sz="1400" i="0" b="1" u="none">
+                        <a:solidFill>
+                          <a:srgbClr val="FFFFFF">
+                            <a:alpha val="100000"/>
+                          </a:srgbClr>
+                        </a:solidFill>
+                        <a:latin typeface="arial"/>
+                        <a:cs typeface="arial"/>
+                        <a:ea typeface="arial"/>
+                        <a:sym typeface="arial"/>
+                      </a:endParaRPr>
                       <a:r>
                         <a:rPr cap="none" sz="1400" i="0" b="1" u="none">
                           <a:solidFill>
@@ -3640,7 +3674,7 @@
                           <a:ea typeface="arial"/>
                           <a:sym typeface="arial"/>
                         </a:rPr>
-                        <a:t>All Patients</a:t>
+                        <a:t/>
                       </a:r>
                     </a:p>
                   </a:txBody>
@@ -3668,8 +3702,6 @@
                     </a:solidFill>
                   </a:tcPr>
                 </a:tc>
-              </a:tr>
-              <a:tr h="267333">
                 <a:tc>
                   <a:txBody>
                     <a:bodyPr/>
@@ -3687,6 +3719,17 @@
                         </a:spcAft>
                         <a:buNone/>
                       </a:pPr>
+                      <a:endParaRPr cap="none" sz="1400" i="0" b="1" u="none">
+                        <a:solidFill>
+                          <a:srgbClr val="FFFFFF">
+                            <a:alpha val="100000"/>
+                          </a:srgbClr>
+                        </a:solidFill>
+                        <a:latin typeface="arial"/>
+                        <a:cs typeface="arial"/>
+                        <a:ea typeface="arial"/>
+                        <a:sym typeface="arial"/>
+                      </a:endParaRPr>
                       <a:r>
                         <a:rPr cap="none" sz="1400" i="0" b="1" u="none">
                           <a:solidFill>
@@ -3699,7 +3742,7 @@
                           <a:ea typeface="arial"/>
                           <a:sym typeface="arial"/>
                         </a:rPr>
-                        <a:t>   MedDRA Preferred Term N (%)</a:t>
+                        <a:t/>
                       </a:r>
                     </a:p>
                   </a:txBody>
@@ -3727,27 +3770,29 @@
                     </a:solidFill>
                   </a:tcPr>
                 </a:tc>
+              </a:tr>
+              <a:tr h="243582">
                 <a:tc>
                   <a:txBody>
                     <a:bodyPr/>
                     <a:lstStyle/>
                     <a:p>
-                      <a:pPr algn="ctr" marL="63500" marR="63500">
-                        <a:lnSpc>
-                          <a:spcPct val="100000"/>
-                        </a:lnSpc>
-                        <a:spcBef>
-                          <a:spcPts val="300"/>
-                        </a:spcBef>
-                        <a:spcAft>
-                          <a:spcPts val="300"/>
-                        </a:spcAft>
-                        <a:buNone/>
-                      </a:pPr>
-                      <a:r>
-                        <a:rPr cap="none" sz="1400" i="0" b="1" u="none">
-                          <a:solidFill>
-                            <a:srgbClr val="FFFFFF">
+                      <a:pPr algn="l" marL="127000" marR="63500">
+                        <a:lnSpc>
+                          <a:spcPct val="100000"/>
+                        </a:lnSpc>
+                        <a:spcBef>
+                          <a:spcPts val="300"/>
+                        </a:spcBef>
+                        <a:spcAft>
+                          <a:spcPts val="300"/>
+                        </a:spcAft>
+                        <a:buNone/>
+                      </a:pPr>
+                      <a:r>
+                        <a:rPr cap="none" sz="1200" i="0" b="0" u="none">
+                          <a:solidFill>
+                            <a:srgbClr val="000000">
                               <a:alpha val="100000"/>
                             </a:srgbClr>
                           </a:solidFill>
@@ -3756,7 +3801,7 @@
                           <a:ea typeface="arial"/>
                           <a:sym typeface="arial"/>
                         </a:rPr>
-                        <a:t>(N=134)</a:t>
+                        <a:t>   MedDRA Preferred Term N (%)</a:t>
                       </a:r>
                     </a:p>
                   </a:txBody>
@@ -3778,7 +3823,7 @@
                       <a:prstDash val="solid"/>
                     </a:lnB>
                     <a:solidFill>
-                      <a:srgbClr val="ED4A0D">
+                      <a:srgbClr val="FF7D29">
                         <a:alpha val="100000"/>
                       </a:srgbClr>
                     </a:solidFill>
@@ -3802,9 +3847,9 @@
                         <a:buNone/>
                       </a:pPr>
                       <a:r>
-                        <a:rPr cap="none" sz="1400" i="0" b="1" u="none">
-                          <a:solidFill>
-                            <a:srgbClr val="FFFFFF">
+                        <a:rPr cap="none" sz="1200" i="0" b="0" u="none">
+                          <a:solidFill>
+                            <a:srgbClr val="000000">
                               <a:alpha val="100000"/>
                             </a:srgbClr>
                           </a:solidFill>
@@ -3813,7 +3858,7 @@
                           <a:ea typeface="arial"/>
                           <a:sym typeface="arial"/>
                         </a:rPr>
-                        <a:t>(N=134)</a:t>
+                        <a:t>A: Drug X</a:t>
                       </a:r>
                     </a:p>
                   </a:txBody>
@@ -3835,7 +3880,7 @@
                       <a:prstDash val="solid"/>
                     </a:lnB>
                     <a:solidFill>
-                      <a:srgbClr val="ED4A0D">
+                      <a:srgbClr val="FF7D29">
                         <a:alpha val="100000"/>
                       </a:srgbClr>
                     </a:solidFill>
@@ -3859,9 +3904,9 @@
                         <a:buNone/>
                       </a:pPr>
                       <a:r>
-                        <a:rPr cap="none" sz="1400" i="0" b="1" u="none">
-                          <a:solidFill>
-                            <a:srgbClr val="FFFFFF">
+                        <a:rPr cap="none" sz="1200" i="0" b="0" u="none">
+                          <a:solidFill>
+                            <a:srgbClr val="000000">
                               <a:alpha val="100000"/>
                             </a:srgbClr>
                           </a:solidFill>
@@ -3870,7 +3915,7 @@
                           <a:ea typeface="arial"/>
                           <a:sym typeface="arial"/>
                         </a:rPr>
-                        <a:t>(N=268)</a:t>
+                        <a:t>B: Placebo</a:t>
                       </a:r>
                     </a:p>
                   </a:txBody>
@@ -3892,20 +3937,18 @@
                       <a:prstDash val="solid"/>
                     </a:lnB>
                     <a:solidFill>
-                      <a:srgbClr val="ED4A0D">
+                      <a:srgbClr val="FF7D29">
                         <a:alpha val="100000"/>
                       </a:srgbClr>
                     </a:solidFill>
                   </a:tcPr>
                 </a:tc>
-              </a:tr>
-              <a:tr h="213519">
                 <a:tc>
                   <a:txBody>
                     <a:bodyPr/>
                     <a:lstStyle/>
                     <a:p>
-                      <a:pPr algn="l" marL="127000" marR="63500">
+                      <a:pPr algn="ctr" marL="63500" marR="63500">
                         <a:lnSpc>
                           <a:spcPct val="100000"/>
                         </a:lnSpc>
@@ -3929,6 +3972,122 @@
                           <a:ea typeface="arial"/>
                           <a:sym typeface="arial"/>
                         </a:rPr>
+                        <a:t>All Patients</a:t>
+                      </a:r>
+                    </a:p>
+                  </a:txBody>
+                  <a:tcPr anchor="ctr" marB="38100" marT="38100" marR="0" marL="0">
+                    <a:lnL algn="ctr" cmpd="sng" cap="flat" w="0">
+                      <a:noFill/>
+                      <a:prstDash val="solid"/>
+                    </a:lnL>
+                    <a:lnR algn="ctr" cmpd="sng" cap="flat" w="0">
+                      <a:noFill/>
+                      <a:prstDash val="solid"/>
+                    </a:lnR>
+                    <a:lnT algn="ctr" cmpd="sng" cap="flat" w="0">
+                      <a:noFill/>
+                      <a:prstDash val="solid"/>
+                    </a:lnT>
+                    <a:lnB algn="ctr" cmpd="sng" cap="flat" w="0">
+                      <a:noFill/>
+                      <a:prstDash val="solid"/>
+                    </a:lnB>
+                    <a:solidFill>
+                      <a:srgbClr val="FF7D29">
+                        <a:alpha val="100000"/>
+                      </a:srgbClr>
+                    </a:solidFill>
+                  </a:tcPr>
+                </a:tc>
+                <a:tc>
+                  <a:txBody>
+                    <a:bodyPr/>
+                    <a:lstStyle/>
+                    <a:p>
+                      <a:pPr algn="ctr" marL="63500" marR="63500">
+                        <a:lnSpc>
+                          <a:spcPct val="100000"/>
+                        </a:lnSpc>
+                        <a:spcBef>
+                          <a:spcPts val="300"/>
+                        </a:spcBef>
+                        <a:spcAft>
+                          <a:spcPts val="300"/>
+                        </a:spcAft>
+                        <a:buNone/>
+                      </a:pPr>
+                      <a:r>
+                        <a:rPr cap="none" sz="1200" i="0" b="0" u="none">
+                          <a:solidFill>
+                            <a:srgbClr val="000000">
+                              <a:alpha val="100000"/>
+                            </a:srgbClr>
+                          </a:solidFill>
+                          <a:latin typeface="arial"/>
+                          <a:cs typeface="arial"/>
+                          <a:ea typeface="arial"/>
+                          <a:sym typeface="arial"/>
+                        </a:rPr>
+                        <a:t>All Patients</a:t>
+                      </a:r>
+                    </a:p>
+                  </a:txBody>
+                  <a:tcPr anchor="ctr" marB="38100" marT="38100" marR="0" marL="0">
+                    <a:lnL algn="ctr" cmpd="sng" cap="flat" w="0">
+                      <a:noFill/>
+                      <a:prstDash val="solid"/>
+                    </a:lnL>
+                    <a:lnR algn="ctr" cmpd="sng" cap="flat" w="0">
+                      <a:noFill/>
+                      <a:prstDash val="solid"/>
+                    </a:lnR>
+                    <a:lnT algn="ctr" cmpd="sng" cap="flat" w="0">
+                      <a:noFill/>
+                      <a:prstDash val="solid"/>
+                    </a:lnT>
+                    <a:lnB algn="ctr" cmpd="sng" cap="flat" w="0">
+                      <a:noFill/>
+                      <a:prstDash val="solid"/>
+                    </a:lnB>
+                    <a:solidFill>
+                      <a:srgbClr val="FF7D29">
+                        <a:alpha val="100000"/>
+                      </a:srgbClr>
+                    </a:solidFill>
+                  </a:tcPr>
+                </a:tc>
+              </a:tr>
+              <a:tr h="213519">
+                <a:tc>
+                  <a:txBody>
+                    <a:bodyPr/>
+                    <a:lstStyle/>
+                    <a:p>
+                      <a:pPr algn="l" marL="127000" marR="63500">
+                        <a:lnSpc>
+                          <a:spcPct val="100000"/>
+                        </a:lnSpc>
+                        <a:spcBef>
+                          <a:spcPts val="300"/>
+                        </a:spcBef>
+                        <a:spcAft>
+                          <a:spcPts val="300"/>
+                        </a:spcAft>
+                        <a:buNone/>
+                      </a:pPr>
+                      <a:r>
+                        <a:rPr cap="none" sz="1200" i="0" b="0" u="none">
+                          <a:solidFill>
+                            <a:srgbClr val="000000">
+                              <a:alpha val="100000"/>
+                            </a:srgbClr>
+                          </a:solidFill>
+                          <a:latin typeface="arial"/>
+                          <a:cs typeface="arial"/>
+                          <a:ea typeface="arial"/>
+                          <a:sym typeface="arial"/>
+                        </a:rPr>
                         <a:t>cl A.1</a:t>
                       </a:r>
                     </a:p>
@@ -3951,7 +4110,7 @@
                       <a:prstDash val="solid"/>
                     </a:lnB>
                     <a:solidFill>
-                      <a:srgbClr val="FF7D29">
+                      <a:srgbClr val="FFBD69">
                         <a:alpha val="100000"/>
                       </a:srgbClr>
                     </a:solidFill>
@@ -4019,7 +4178,7 @@
                       <a:prstDash val="solid"/>
                     </a:lnB>
                     <a:solidFill>
-                      <a:srgbClr val="FF7D29">
+                      <a:srgbClr val="FFBD69">
                         <a:alpha val="100000"/>
                       </a:srgbClr>
                     </a:solidFill>
@@ -4087,7 +4246,7 @@
                       <a:prstDash val="solid"/>
                     </a:lnB>
                     <a:solidFill>
-                      <a:srgbClr val="FF7D29">
+                      <a:srgbClr val="FFBD69">
                         <a:alpha val="100000"/>
                       </a:srgbClr>
                     </a:solidFill>
@@ -4155,525 +4314,6 @@
                       <a:prstDash val="solid"/>
                     </a:lnB>
                     <a:solidFill>
-                      <a:srgbClr val="FF7D29">
-                        <a:alpha val="100000"/>
-                      </a:srgbClr>
-                    </a:solidFill>
-                  </a:tcPr>
-                </a:tc>
-              </a:tr>
-              <a:tr h="243582">
-                <a:tc>
-                  <a:txBody>
-                    <a:bodyPr/>
-                    <a:lstStyle/>
-                    <a:p>
-                      <a:pPr algn="l" marL="127000" marR="63500">
-                        <a:lnSpc>
-                          <a:spcPct val="100000"/>
-                        </a:lnSpc>
-                        <a:spcBef>
-                          <a:spcPts val="300"/>
-                        </a:spcBef>
-                        <a:spcAft>
-                          <a:spcPts val="300"/>
-                        </a:spcAft>
-                        <a:buNone/>
-                      </a:pPr>
-                      <a:r>
-                        <a:rPr cap="none" sz="1200" i="0" b="0" u="none">
-                          <a:solidFill>
-                            <a:srgbClr val="000000">
-                              <a:alpha val="100000"/>
-                            </a:srgbClr>
-                          </a:solidFill>
-                          <a:latin typeface="arial"/>
-                          <a:cs typeface="arial"/>
-                          <a:ea typeface="arial"/>
-                          <a:sym typeface="arial"/>
-                        </a:rPr>
-                        <a:t>dcd A.1.1.1.2</a:t>
-                      </a:r>
-                    </a:p>
-                  </a:txBody>
-                  <a:tcPr anchor="ctr" marB="38100" marT="38100" marR="0" marL="0">
-                    <a:lnL algn="ctr" cmpd="sng" cap="flat" w="0">
-                      <a:noFill/>
-                      <a:prstDash val="solid"/>
-                    </a:lnL>
-                    <a:lnR algn="ctr" cmpd="sng" cap="flat" w="0">
-                      <a:noFill/>
-                      <a:prstDash val="solid"/>
-                    </a:lnR>
-                    <a:lnT algn="ctr" cmpd="sng" cap="flat" w="0">
-                      <a:noFill/>
-                      <a:prstDash val="solid"/>
-                    </a:lnT>
-                    <a:lnB algn="ctr" cmpd="sng" cap="flat" w="0">
-                      <a:noFill/>
-                      <a:prstDash val="solid"/>
-                    </a:lnB>
-                    <a:solidFill>
-                      <a:srgbClr val="FFBD69">
-                        <a:alpha val="100000"/>
-                      </a:srgbClr>
-                    </a:solidFill>
-                  </a:tcPr>
-                </a:tc>
-                <a:tc>
-                  <a:txBody>
-                    <a:bodyPr/>
-                    <a:lstStyle/>
-                    <a:p>
-                      <a:pPr algn="ctr" marL="63500" marR="63500">
-                        <a:lnSpc>
-                          <a:spcPct val="100000"/>
-                        </a:lnSpc>
-                        <a:spcBef>
-                          <a:spcPts val="300"/>
-                        </a:spcBef>
-                        <a:spcAft>
-                          <a:spcPts val="300"/>
-                        </a:spcAft>
-                        <a:buNone/>
-                      </a:pPr>
-                      <a:r>
-                        <a:rPr cap="none" sz="1200" i="0" b="0" u="none">
-                          <a:solidFill>
-                            <a:srgbClr val="000000">
-                              <a:alpha val="100000"/>
-                            </a:srgbClr>
-                          </a:solidFill>
-                          <a:latin typeface="arial"/>
-                          <a:cs typeface="arial"/>
-                          <a:ea typeface="arial"/>
-                          <a:sym typeface="arial"/>
-                        </a:rPr>
-                        <a:t>41 (30.6%)</a:t>
-                      </a:r>
-                    </a:p>
-                  </a:txBody>
-                  <a:tcPr anchor="ctr" marB="38100" marT="38100" marR="0" marL="0">
-                    <a:lnL algn="ctr" cmpd="sng" cap="flat" w="0">
-                      <a:noFill/>
-                      <a:prstDash val="solid"/>
-                    </a:lnL>
-                    <a:lnR algn="ctr" cmpd="sng" cap="flat" w="0">
-                      <a:noFill/>
-                      <a:prstDash val="solid"/>
-                    </a:lnR>
-                    <a:lnT algn="ctr" cmpd="sng" cap="flat" w="0">
-                      <a:noFill/>
-                      <a:prstDash val="solid"/>
-                    </a:lnT>
-                    <a:lnB algn="ctr" cmpd="sng" cap="flat" w="0">
-                      <a:noFill/>
-                      <a:prstDash val="solid"/>
-                    </a:lnB>
-                    <a:solidFill>
-                      <a:srgbClr val="FFBD69">
-                        <a:alpha val="100000"/>
-                      </a:srgbClr>
-                    </a:solidFill>
-                  </a:tcPr>
-                </a:tc>
-                <a:tc>
-                  <a:txBody>
-                    <a:bodyPr/>
-                    <a:lstStyle/>
-                    <a:p>
-                      <a:pPr algn="ctr" marL="63500" marR="63500">
-                        <a:lnSpc>
-                          <a:spcPct val="100000"/>
-                        </a:lnSpc>
-                        <a:spcBef>
-                          <a:spcPts val="300"/>
-                        </a:spcBef>
-                        <a:spcAft>
-                          <a:spcPts val="300"/>
-                        </a:spcAft>
-                        <a:buNone/>
-                      </a:pPr>
-                      <a:r>
-                        <a:rPr cap="none" sz="1200" i="0" b="0" u="none">
-                          <a:solidFill>
-                            <a:srgbClr val="000000">
-                              <a:alpha val="100000"/>
-                            </a:srgbClr>
-                          </a:solidFill>
-                          <a:latin typeface="arial"/>
-                          <a:cs typeface="arial"/>
-                          <a:ea typeface="arial"/>
-                          <a:sym typeface="arial"/>
-                        </a:rPr>
-                        <a:t>39 (29.1%)</a:t>
-                      </a:r>
-                    </a:p>
-                  </a:txBody>
-                  <a:tcPr anchor="ctr" marB="38100" marT="38100" marR="0" marL="0">
-                    <a:lnL algn="ctr" cmpd="sng" cap="flat" w="0">
-                      <a:noFill/>
-                      <a:prstDash val="solid"/>
-                    </a:lnL>
-                    <a:lnR algn="ctr" cmpd="sng" cap="flat" w="0">
-                      <a:noFill/>
-                      <a:prstDash val="solid"/>
-                    </a:lnR>
-                    <a:lnT algn="ctr" cmpd="sng" cap="flat" w="0">
-                      <a:noFill/>
-                      <a:prstDash val="solid"/>
-                    </a:lnT>
-                    <a:lnB algn="ctr" cmpd="sng" cap="flat" w="0">
-                      <a:noFill/>
-                      <a:prstDash val="solid"/>
-                    </a:lnB>
-                    <a:solidFill>
-                      <a:srgbClr val="FFBD69">
-                        <a:alpha val="100000"/>
-                      </a:srgbClr>
-                    </a:solidFill>
-                  </a:tcPr>
-                </a:tc>
-                <a:tc>
-                  <a:txBody>
-                    <a:bodyPr/>
-                    <a:lstStyle/>
-                    <a:p>
-                      <a:pPr algn="ctr" marL="63500" marR="63500">
-                        <a:lnSpc>
-                          <a:spcPct val="100000"/>
-                        </a:lnSpc>
-                        <a:spcBef>
-                          <a:spcPts val="300"/>
-                        </a:spcBef>
-                        <a:spcAft>
-                          <a:spcPts val="300"/>
-                        </a:spcAft>
-                        <a:buNone/>
-                      </a:pPr>
-                      <a:r>
-                        <a:rPr cap="none" sz="1200" i="0" b="0" u="none">
-                          <a:solidFill>
-                            <a:srgbClr val="000000">
-                              <a:alpha val="100000"/>
-                            </a:srgbClr>
-                          </a:solidFill>
-                          <a:latin typeface="arial"/>
-                          <a:cs typeface="arial"/>
-                          <a:ea typeface="arial"/>
-                          <a:sym typeface="arial"/>
-                        </a:rPr>
-                        <a:t>80 (29.9%)</a:t>
-                      </a:r>
-                    </a:p>
-                  </a:txBody>
-                  <a:tcPr anchor="ctr" marB="38100" marT="38100" marR="0" marL="0">
-                    <a:lnL algn="ctr" cmpd="sng" cap="flat" w="0">
-                      <a:noFill/>
-                      <a:prstDash val="solid"/>
-                    </a:lnL>
-                    <a:lnR algn="ctr" cmpd="sng" cap="flat" w="0">
-                      <a:noFill/>
-                      <a:prstDash val="solid"/>
-                    </a:lnR>
-                    <a:lnT algn="ctr" cmpd="sng" cap="flat" w="0">
-                      <a:noFill/>
-                      <a:prstDash val="solid"/>
-                    </a:lnT>
-                    <a:lnB algn="ctr" cmpd="sng" cap="flat" w="0">
-                      <a:noFill/>
-                      <a:prstDash val="solid"/>
-                    </a:lnB>
-                    <a:solidFill>
-                      <a:srgbClr val="FFBD69">
-                        <a:alpha val="100000"/>
-                      </a:srgbClr>
-                    </a:solidFill>
-                  </a:tcPr>
-                </a:tc>
-              </a:tr>
-              <a:tr h="243582">
-                <a:tc>
-                  <a:txBody>
-                    <a:bodyPr/>
-                    <a:lstStyle/>
-                    <a:p>
-                      <a:pPr algn="l" marL="127000" marR="63500">
-                        <a:lnSpc>
-                          <a:spcPct val="100000"/>
-                        </a:lnSpc>
-                        <a:spcBef>
-                          <a:spcPts val="300"/>
-                        </a:spcBef>
-                        <a:spcAft>
-                          <a:spcPts val="300"/>
-                        </a:spcAft>
-                        <a:buNone/>
-                      </a:pPr>
-                      <a:r>
-                        <a:rPr cap="none" sz="1200" i="0" b="0" u="none">
-                          <a:solidFill>
-                            <a:srgbClr val="000000">
-                              <a:alpha val="100000"/>
-                            </a:srgbClr>
-                          </a:solidFill>
-                          <a:latin typeface="arial"/>
-                          <a:cs typeface="arial"/>
-                          <a:ea typeface="arial"/>
-                          <a:sym typeface="arial"/>
-                        </a:rPr>
-                        <a:t>dcd A.1.1.1.1</a:t>
-                      </a:r>
-                    </a:p>
-                  </a:txBody>
-                  <a:tcPr anchor="ctr" marB="38100" marT="38100" marR="0" marL="0">
-                    <a:lnL algn="ctr" cmpd="sng" cap="flat" w="0">
-                      <a:noFill/>
-                      <a:prstDash val="solid"/>
-                    </a:lnL>
-                    <a:lnR algn="ctr" cmpd="sng" cap="flat" w="0">
-                      <a:noFill/>
-                      <a:prstDash val="solid"/>
-                    </a:lnR>
-                    <a:lnT algn="ctr" cmpd="sng" cap="flat" w="0">
-                      <a:noFill/>
-                      <a:prstDash val="solid"/>
-                    </a:lnT>
-                    <a:lnB algn="ctr" cmpd="sng" cap="flat" w="0">
-                      <a:noFill/>
-                      <a:prstDash val="solid"/>
-                    </a:lnB>
-                    <a:solidFill>
-                      <a:srgbClr val="FF7D29">
-                        <a:alpha val="100000"/>
-                      </a:srgbClr>
-                    </a:solidFill>
-                  </a:tcPr>
-                </a:tc>
-                <a:tc>
-                  <a:txBody>
-                    <a:bodyPr/>
-                    <a:lstStyle/>
-                    <a:p>
-                      <a:pPr algn="ctr" marL="63500" marR="63500">
-                        <a:lnSpc>
-                          <a:spcPct val="100000"/>
-                        </a:lnSpc>
-                        <a:spcBef>
-                          <a:spcPts val="300"/>
-                        </a:spcBef>
-                        <a:spcAft>
-                          <a:spcPts val="300"/>
-                        </a:spcAft>
-                        <a:buNone/>
-                      </a:pPr>
-                      <a:r>
-                        <a:rPr cap="none" sz="1200" i="0" b="0" u="none">
-                          <a:solidFill>
-                            <a:srgbClr val="000000">
-                              <a:alpha val="100000"/>
-                            </a:srgbClr>
-                          </a:solidFill>
-                          <a:latin typeface="arial"/>
-                          <a:cs typeface="arial"/>
-                          <a:ea typeface="arial"/>
-                          <a:sym typeface="arial"/>
-                        </a:rPr>
-                        <a:t>45 (33.6%)</a:t>
-                      </a:r>
-                    </a:p>
-                  </a:txBody>
-                  <a:tcPr anchor="ctr" marB="38100" marT="38100" marR="0" marL="0">
-                    <a:lnL algn="ctr" cmpd="sng" cap="flat" w="0">
-                      <a:noFill/>
-                      <a:prstDash val="solid"/>
-                    </a:lnL>
-                    <a:lnR algn="ctr" cmpd="sng" cap="flat" w="0">
-                      <a:noFill/>
-                      <a:prstDash val="solid"/>
-                    </a:lnR>
-                    <a:lnT algn="ctr" cmpd="sng" cap="flat" w="0">
-                      <a:noFill/>
-                      <a:prstDash val="solid"/>
-                    </a:lnT>
-                    <a:lnB algn="ctr" cmpd="sng" cap="flat" w="0">
-                      <a:noFill/>
-                      <a:prstDash val="solid"/>
-                    </a:lnB>
-                    <a:solidFill>
-                      <a:srgbClr val="FF7D29">
-                        <a:alpha val="100000"/>
-                      </a:srgbClr>
-                    </a:solidFill>
-                  </a:tcPr>
-                </a:tc>
-                <a:tc>
-                  <a:txBody>
-                    <a:bodyPr/>
-                    <a:lstStyle/>
-                    <a:p>
-                      <a:pPr algn="ctr" marL="63500" marR="63500">
-                        <a:lnSpc>
-                          <a:spcPct val="100000"/>
-                        </a:lnSpc>
-                        <a:spcBef>
-                          <a:spcPts val="300"/>
-                        </a:spcBef>
-                        <a:spcAft>
-                          <a:spcPts val="300"/>
-                        </a:spcAft>
-                        <a:buNone/>
-                      </a:pPr>
-                      <a:r>
-                        <a:rPr cap="none" sz="1200" i="0" b="0" u="none">
-                          <a:solidFill>
-                            <a:srgbClr val="000000">
-                              <a:alpha val="100000"/>
-                            </a:srgbClr>
-                          </a:solidFill>
-                          <a:latin typeface="arial"/>
-                          <a:cs typeface="arial"/>
-                          <a:ea typeface="arial"/>
-                          <a:sym typeface="arial"/>
-                        </a:rPr>
-                        <a:t>31 (23.1%)</a:t>
-                      </a:r>
-                    </a:p>
-                  </a:txBody>
-                  <a:tcPr anchor="ctr" marB="38100" marT="38100" marR="0" marL="0">
-                    <a:lnL algn="ctr" cmpd="sng" cap="flat" w="0">
-                      <a:noFill/>
-                      <a:prstDash val="solid"/>
-                    </a:lnL>
-                    <a:lnR algn="ctr" cmpd="sng" cap="flat" w="0">
-                      <a:noFill/>
-                      <a:prstDash val="solid"/>
-                    </a:lnR>
-                    <a:lnT algn="ctr" cmpd="sng" cap="flat" w="0">
-                      <a:noFill/>
-                      <a:prstDash val="solid"/>
-                    </a:lnT>
-                    <a:lnB algn="ctr" cmpd="sng" cap="flat" w="0">
-                      <a:noFill/>
-                      <a:prstDash val="solid"/>
-                    </a:lnB>
-                    <a:solidFill>
-                      <a:srgbClr val="FF7D29">
-                        <a:alpha val="100000"/>
-                      </a:srgbClr>
-                    </a:solidFill>
-                  </a:tcPr>
-                </a:tc>
-                <a:tc>
-                  <a:txBody>
-                    <a:bodyPr/>
-                    <a:lstStyle/>
-                    <a:p>
-                      <a:pPr algn="ctr" marL="63500" marR="63500">
-                        <a:lnSpc>
-                          <a:spcPct val="100000"/>
-                        </a:lnSpc>
-                        <a:spcBef>
-                          <a:spcPts val="300"/>
-                        </a:spcBef>
-                        <a:spcAft>
-                          <a:spcPts val="300"/>
-                        </a:spcAft>
-                        <a:buNone/>
-                      </a:pPr>
-                      <a:r>
-                        <a:rPr cap="none" sz="1200" i="0" b="0" u="none">
-                          <a:solidFill>
-                            <a:srgbClr val="000000">
-                              <a:alpha val="100000"/>
-                            </a:srgbClr>
-                          </a:solidFill>
-                          <a:latin typeface="arial"/>
-                          <a:cs typeface="arial"/>
-                          <a:ea typeface="arial"/>
-                          <a:sym typeface="arial"/>
-                        </a:rPr>
-                        <a:t>76 (28.4%)</a:t>
-                      </a:r>
-                    </a:p>
-                  </a:txBody>
-                  <a:tcPr anchor="ctr" marB="38100" marT="38100" marR="0" marL="0">
-                    <a:lnL algn="ctr" cmpd="sng" cap="flat" w="0">
-                      <a:noFill/>
-                      <a:prstDash val="solid"/>
-                    </a:lnL>
-                    <a:lnR algn="ctr" cmpd="sng" cap="flat" w="0">
-                      <a:noFill/>
-                      <a:prstDash val="solid"/>
-                    </a:lnR>
-                    <a:lnT algn="ctr" cmpd="sng" cap="flat" w="0">
-                      <a:noFill/>
-                      <a:prstDash val="solid"/>
-                    </a:lnT>
-                    <a:lnB algn="ctr" cmpd="sng" cap="flat" w="0">
-                      <a:noFill/>
-                      <a:prstDash val="solid"/>
-                    </a:lnB>
-                    <a:solidFill>
-                      <a:srgbClr val="FF7D29">
-                        <a:alpha val="100000"/>
-                      </a:srgbClr>
-                    </a:solidFill>
-                  </a:tcPr>
-                </a:tc>
-              </a:tr>
-              <a:tr h="213519">
-                <a:tc>
-                  <a:txBody>
-                    <a:bodyPr/>
-                    <a:lstStyle/>
-                    <a:p>
-                      <a:pPr algn="l" marL="127000" marR="63500">
-                        <a:lnSpc>
-                          <a:spcPct val="100000"/>
-                        </a:lnSpc>
-                        <a:spcBef>
-                          <a:spcPts val="300"/>
-                        </a:spcBef>
-                        <a:spcAft>
-                          <a:spcPts val="300"/>
-                        </a:spcAft>
-                        <a:buNone/>
-                      </a:pPr>
-                      <a:r>
-                        <a:rPr cap="none" sz="1200" i="0" b="0" u="none">
-                          <a:solidFill>
-                            <a:srgbClr val="000000">
-                              <a:alpha val="100000"/>
-                            </a:srgbClr>
-                          </a:solidFill>
-                          <a:latin typeface="arial"/>
-                          <a:cs typeface="arial"/>
-                          <a:ea typeface="arial"/>
-                          <a:sym typeface="arial"/>
-                        </a:rPr>
-                        <a:t>cl B.1</a:t>
-                      </a:r>
-                    </a:p>
-                  </a:txBody>
-                  <a:tcPr anchor="ctr" marB="38100" marT="38100" marR="0" marL="0">
-                    <a:lnL algn="ctr" cmpd="sng" cap="flat" w="0">
-                      <a:noFill/>
-                      <a:prstDash val="solid"/>
-                    </a:lnL>
-                    <a:lnR algn="ctr" cmpd="sng" cap="flat" w="0">
-                      <a:noFill/>
-                      <a:prstDash val="solid"/>
-                    </a:lnR>
-                    <a:lnT algn="ctr" cmpd="sng" cap="flat" w="0">
-                      <a:noFill/>
-                      <a:prstDash val="solid"/>
-                    </a:lnT>
-                    <a:lnB algn="ctr" cmpd="sng" cap="flat" w="0">
-                      <a:noFill/>
-                      <a:prstDash val="solid"/>
-                    </a:lnB>
-                    <a:solidFill>
                       <a:srgbClr val="FFBD69">
                         <a:alpha val="100000"/>
                       </a:srgbClr>
@@ -4748,6 +4388,639 @@
                     </a:solidFill>
                   </a:tcPr>
                 </a:tc>
+              </a:tr>
+              <a:tr h="243582">
+                <a:tc>
+                  <a:txBody>
+                    <a:bodyPr/>
+                    <a:lstStyle/>
+                    <a:p>
+                      <a:pPr algn="l" marL="127000" marR="63500">
+                        <a:lnSpc>
+                          <a:spcPct val="100000"/>
+                        </a:lnSpc>
+                        <a:spcBef>
+                          <a:spcPts val="300"/>
+                        </a:spcBef>
+                        <a:spcAft>
+                          <a:spcPts val="300"/>
+                        </a:spcAft>
+                        <a:buNone/>
+                      </a:pPr>
+                      <a:r>
+                        <a:rPr cap="none" sz="1200" i="0" b="0" u="none">
+                          <a:solidFill>
+                            <a:srgbClr val="000000">
+                              <a:alpha val="100000"/>
+                            </a:srgbClr>
+                          </a:solidFill>
+                          <a:latin typeface="arial"/>
+                          <a:cs typeface="arial"/>
+                          <a:ea typeface="arial"/>
+                          <a:sym typeface="arial"/>
+                        </a:rPr>
+                        <a:t>dcd A.1.1.1.2</a:t>
+                      </a:r>
+                    </a:p>
+                  </a:txBody>
+                  <a:tcPr anchor="ctr" marB="38100" marT="38100" marR="0" marL="0">
+                    <a:lnL algn="ctr" cmpd="sng" cap="flat" w="0">
+                      <a:noFill/>
+                      <a:prstDash val="solid"/>
+                    </a:lnL>
+                    <a:lnR algn="ctr" cmpd="sng" cap="flat" w="0">
+                      <a:noFill/>
+                      <a:prstDash val="solid"/>
+                    </a:lnR>
+                    <a:lnT algn="ctr" cmpd="sng" cap="flat" w="0">
+                      <a:noFill/>
+                      <a:prstDash val="solid"/>
+                    </a:lnT>
+                    <a:lnB algn="ctr" cmpd="sng" cap="flat" w="0">
+                      <a:noFill/>
+                      <a:prstDash val="solid"/>
+                    </a:lnB>
+                    <a:solidFill>
+                      <a:srgbClr val="FF7D29">
+                        <a:alpha val="100000"/>
+                      </a:srgbClr>
+                    </a:solidFill>
+                  </a:tcPr>
+                </a:tc>
+                <a:tc>
+                  <a:txBody>
+                    <a:bodyPr/>
+                    <a:lstStyle/>
+                    <a:p>
+                      <a:pPr algn="ctr" marL="63500" marR="63500">
+                        <a:lnSpc>
+                          <a:spcPct val="100000"/>
+                        </a:lnSpc>
+                        <a:spcBef>
+                          <a:spcPts val="300"/>
+                        </a:spcBef>
+                        <a:spcAft>
+                          <a:spcPts val="300"/>
+                        </a:spcAft>
+                        <a:buNone/>
+                      </a:pPr>
+                      <a:r>
+                        <a:rPr cap="none" sz="1200" i="0" b="0" u="none">
+                          <a:solidFill>
+                            <a:srgbClr val="000000">
+                              <a:alpha val="100000"/>
+                            </a:srgbClr>
+                          </a:solidFill>
+                          <a:latin typeface="arial"/>
+                          <a:cs typeface="arial"/>
+                          <a:ea typeface="arial"/>
+                          <a:sym typeface="arial"/>
+                        </a:rPr>
+                        <a:t>41 (30.6%)</a:t>
+                      </a:r>
+                    </a:p>
+                  </a:txBody>
+                  <a:tcPr anchor="ctr" marB="38100" marT="38100" marR="0" marL="0">
+                    <a:lnL algn="ctr" cmpd="sng" cap="flat" w="0">
+                      <a:noFill/>
+                      <a:prstDash val="solid"/>
+                    </a:lnL>
+                    <a:lnR algn="ctr" cmpd="sng" cap="flat" w="0">
+                      <a:noFill/>
+                      <a:prstDash val="solid"/>
+                    </a:lnR>
+                    <a:lnT algn="ctr" cmpd="sng" cap="flat" w="0">
+                      <a:noFill/>
+                      <a:prstDash val="solid"/>
+                    </a:lnT>
+                    <a:lnB algn="ctr" cmpd="sng" cap="flat" w="0">
+                      <a:noFill/>
+                      <a:prstDash val="solid"/>
+                    </a:lnB>
+                    <a:solidFill>
+                      <a:srgbClr val="FF7D29">
+                        <a:alpha val="100000"/>
+                      </a:srgbClr>
+                    </a:solidFill>
+                  </a:tcPr>
+                </a:tc>
+                <a:tc>
+                  <a:txBody>
+                    <a:bodyPr/>
+                    <a:lstStyle/>
+                    <a:p>
+                      <a:pPr algn="ctr" marL="63500" marR="63500">
+                        <a:lnSpc>
+                          <a:spcPct val="100000"/>
+                        </a:lnSpc>
+                        <a:spcBef>
+                          <a:spcPts val="300"/>
+                        </a:spcBef>
+                        <a:spcAft>
+                          <a:spcPts val="300"/>
+                        </a:spcAft>
+                        <a:buNone/>
+                      </a:pPr>
+                      <a:r>
+                        <a:rPr cap="none" sz="1200" i="0" b="0" u="none">
+                          <a:solidFill>
+                            <a:srgbClr val="000000">
+                              <a:alpha val="100000"/>
+                            </a:srgbClr>
+                          </a:solidFill>
+                          <a:latin typeface="arial"/>
+                          <a:cs typeface="arial"/>
+                          <a:ea typeface="arial"/>
+                          <a:sym typeface="arial"/>
+                        </a:rPr>
+                        <a:t>39 (29.1%)</a:t>
+                      </a:r>
+                    </a:p>
+                  </a:txBody>
+                  <a:tcPr anchor="ctr" marB="38100" marT="38100" marR="0" marL="0">
+                    <a:lnL algn="ctr" cmpd="sng" cap="flat" w="0">
+                      <a:noFill/>
+                      <a:prstDash val="solid"/>
+                    </a:lnL>
+                    <a:lnR algn="ctr" cmpd="sng" cap="flat" w="0">
+                      <a:noFill/>
+                      <a:prstDash val="solid"/>
+                    </a:lnR>
+                    <a:lnT algn="ctr" cmpd="sng" cap="flat" w="0">
+                      <a:noFill/>
+                      <a:prstDash val="solid"/>
+                    </a:lnT>
+                    <a:lnB algn="ctr" cmpd="sng" cap="flat" w="0">
+                      <a:noFill/>
+                      <a:prstDash val="solid"/>
+                    </a:lnB>
+                    <a:solidFill>
+                      <a:srgbClr val="FF7D29">
+                        <a:alpha val="100000"/>
+                      </a:srgbClr>
+                    </a:solidFill>
+                  </a:tcPr>
+                </a:tc>
+                <a:tc>
+                  <a:txBody>
+                    <a:bodyPr/>
+                    <a:lstStyle/>
+                    <a:p>
+                      <a:pPr algn="ctr" marL="63500" marR="63500">
+                        <a:lnSpc>
+                          <a:spcPct val="100000"/>
+                        </a:lnSpc>
+                        <a:spcBef>
+                          <a:spcPts val="300"/>
+                        </a:spcBef>
+                        <a:spcAft>
+                          <a:spcPts val="300"/>
+                        </a:spcAft>
+                        <a:buNone/>
+                      </a:pPr>
+                      <a:r>
+                        <a:rPr cap="none" sz="1200" i="0" b="0" u="none">
+                          <a:solidFill>
+                            <a:srgbClr val="000000">
+                              <a:alpha val="100000"/>
+                            </a:srgbClr>
+                          </a:solidFill>
+                          <a:latin typeface="arial"/>
+                          <a:cs typeface="arial"/>
+                          <a:ea typeface="arial"/>
+                          <a:sym typeface="arial"/>
+                        </a:rPr>
+                        <a:t>80 (29.9%)</a:t>
+                      </a:r>
+                    </a:p>
+                  </a:txBody>
+                  <a:tcPr anchor="ctr" marB="38100" marT="38100" marR="0" marL="0">
+                    <a:lnL algn="ctr" cmpd="sng" cap="flat" w="0">
+                      <a:noFill/>
+                      <a:prstDash val="solid"/>
+                    </a:lnL>
+                    <a:lnR algn="ctr" cmpd="sng" cap="flat" w="0">
+                      <a:noFill/>
+                      <a:prstDash val="solid"/>
+                    </a:lnR>
+                    <a:lnT algn="ctr" cmpd="sng" cap="flat" w="0">
+                      <a:noFill/>
+                      <a:prstDash val="solid"/>
+                    </a:lnT>
+                    <a:lnB algn="ctr" cmpd="sng" cap="flat" w="0">
+                      <a:noFill/>
+                      <a:prstDash val="solid"/>
+                    </a:lnB>
+                    <a:solidFill>
+                      <a:srgbClr val="FF7D29">
+                        <a:alpha val="100000"/>
+                      </a:srgbClr>
+                    </a:solidFill>
+                  </a:tcPr>
+                </a:tc>
+                <a:tc>
+                  <a:txBody>
+                    <a:bodyPr/>
+                    <a:lstStyle/>
+                    <a:p>
+                      <a:pPr algn="ctr" marL="63500" marR="63500">
+                        <a:lnSpc>
+                          <a:spcPct val="100000"/>
+                        </a:lnSpc>
+                        <a:spcBef>
+                          <a:spcPts val="300"/>
+                        </a:spcBef>
+                        <a:spcAft>
+                          <a:spcPts val="300"/>
+                        </a:spcAft>
+                        <a:buNone/>
+                      </a:pPr>
+                      <a:r>
+                        <a:rPr cap="none" sz="1200" i="0" b="0" u="none">
+                          <a:solidFill>
+                            <a:srgbClr val="000000">
+                              <a:alpha val="100000"/>
+                            </a:srgbClr>
+                          </a:solidFill>
+                          <a:latin typeface="arial"/>
+                          <a:cs typeface="arial"/>
+                          <a:ea typeface="arial"/>
+                          <a:sym typeface="arial"/>
+                        </a:rPr>
+                        <a:t>122 (30.5%)</a:t>
+                      </a:r>
+                    </a:p>
+                  </a:txBody>
+                  <a:tcPr anchor="ctr" marB="38100" marT="38100" marR="0" marL="0">
+                    <a:lnL algn="ctr" cmpd="sng" cap="flat" w="0">
+                      <a:noFill/>
+                      <a:prstDash val="solid"/>
+                    </a:lnL>
+                    <a:lnR algn="ctr" cmpd="sng" cap="flat" w="0">
+                      <a:noFill/>
+                      <a:prstDash val="solid"/>
+                    </a:lnR>
+                    <a:lnT algn="ctr" cmpd="sng" cap="flat" w="0">
+                      <a:noFill/>
+                      <a:prstDash val="solid"/>
+                    </a:lnT>
+                    <a:lnB algn="ctr" cmpd="sng" cap="flat" w="0">
+                      <a:noFill/>
+                      <a:prstDash val="solid"/>
+                    </a:lnB>
+                    <a:solidFill>
+                      <a:srgbClr val="FF7D29">
+                        <a:alpha val="100000"/>
+                      </a:srgbClr>
+                    </a:solidFill>
+                  </a:tcPr>
+                </a:tc>
+              </a:tr>
+              <a:tr h="243582">
+                <a:tc>
+                  <a:txBody>
+                    <a:bodyPr/>
+                    <a:lstStyle/>
+                    <a:p>
+                      <a:pPr algn="l" marL="127000" marR="63500">
+                        <a:lnSpc>
+                          <a:spcPct val="100000"/>
+                        </a:lnSpc>
+                        <a:spcBef>
+                          <a:spcPts val="300"/>
+                        </a:spcBef>
+                        <a:spcAft>
+                          <a:spcPts val="300"/>
+                        </a:spcAft>
+                        <a:buNone/>
+                      </a:pPr>
+                      <a:r>
+                        <a:rPr cap="none" sz="1200" i="0" b="0" u="none">
+                          <a:solidFill>
+                            <a:srgbClr val="000000">
+                              <a:alpha val="100000"/>
+                            </a:srgbClr>
+                          </a:solidFill>
+                          <a:latin typeface="arial"/>
+                          <a:cs typeface="arial"/>
+                          <a:ea typeface="arial"/>
+                          <a:sym typeface="arial"/>
+                        </a:rPr>
+                        <a:t>dcd A.1.1.1.1</a:t>
+                      </a:r>
+                    </a:p>
+                  </a:txBody>
+                  <a:tcPr anchor="ctr" marB="38100" marT="38100" marR="0" marL="0">
+                    <a:lnL algn="ctr" cmpd="sng" cap="flat" w="0">
+                      <a:noFill/>
+                      <a:prstDash val="solid"/>
+                    </a:lnL>
+                    <a:lnR algn="ctr" cmpd="sng" cap="flat" w="0">
+                      <a:noFill/>
+                      <a:prstDash val="solid"/>
+                    </a:lnR>
+                    <a:lnT algn="ctr" cmpd="sng" cap="flat" w="0">
+                      <a:noFill/>
+                      <a:prstDash val="solid"/>
+                    </a:lnT>
+                    <a:lnB algn="ctr" cmpd="sng" cap="flat" w="0">
+                      <a:noFill/>
+                      <a:prstDash val="solid"/>
+                    </a:lnB>
+                    <a:solidFill>
+                      <a:srgbClr val="FFBD69">
+                        <a:alpha val="100000"/>
+                      </a:srgbClr>
+                    </a:solidFill>
+                  </a:tcPr>
+                </a:tc>
+                <a:tc>
+                  <a:txBody>
+                    <a:bodyPr/>
+                    <a:lstStyle/>
+                    <a:p>
+                      <a:pPr algn="ctr" marL="63500" marR="63500">
+                        <a:lnSpc>
+                          <a:spcPct val="100000"/>
+                        </a:lnSpc>
+                        <a:spcBef>
+                          <a:spcPts val="300"/>
+                        </a:spcBef>
+                        <a:spcAft>
+                          <a:spcPts val="300"/>
+                        </a:spcAft>
+                        <a:buNone/>
+                      </a:pPr>
+                      <a:r>
+                        <a:rPr cap="none" sz="1200" i="0" b="0" u="none">
+                          <a:solidFill>
+                            <a:srgbClr val="000000">
+                              <a:alpha val="100000"/>
+                            </a:srgbClr>
+                          </a:solidFill>
+                          <a:latin typeface="arial"/>
+                          <a:cs typeface="arial"/>
+                          <a:ea typeface="arial"/>
+                          <a:sym typeface="arial"/>
+                        </a:rPr>
+                        <a:t>45 (33.6%)</a:t>
+                      </a:r>
+                    </a:p>
+                  </a:txBody>
+                  <a:tcPr anchor="ctr" marB="38100" marT="38100" marR="0" marL="0">
+                    <a:lnL algn="ctr" cmpd="sng" cap="flat" w="0">
+                      <a:noFill/>
+                      <a:prstDash val="solid"/>
+                    </a:lnL>
+                    <a:lnR algn="ctr" cmpd="sng" cap="flat" w="0">
+                      <a:noFill/>
+                      <a:prstDash val="solid"/>
+                    </a:lnR>
+                    <a:lnT algn="ctr" cmpd="sng" cap="flat" w="0">
+                      <a:noFill/>
+                      <a:prstDash val="solid"/>
+                    </a:lnT>
+                    <a:lnB algn="ctr" cmpd="sng" cap="flat" w="0">
+                      <a:noFill/>
+                      <a:prstDash val="solid"/>
+                    </a:lnB>
+                    <a:solidFill>
+                      <a:srgbClr val="FFBD69">
+                        <a:alpha val="100000"/>
+                      </a:srgbClr>
+                    </a:solidFill>
+                  </a:tcPr>
+                </a:tc>
+                <a:tc>
+                  <a:txBody>
+                    <a:bodyPr/>
+                    <a:lstStyle/>
+                    <a:p>
+                      <a:pPr algn="ctr" marL="63500" marR="63500">
+                        <a:lnSpc>
+                          <a:spcPct val="100000"/>
+                        </a:lnSpc>
+                        <a:spcBef>
+                          <a:spcPts val="300"/>
+                        </a:spcBef>
+                        <a:spcAft>
+                          <a:spcPts val="300"/>
+                        </a:spcAft>
+                        <a:buNone/>
+                      </a:pPr>
+                      <a:r>
+                        <a:rPr cap="none" sz="1200" i="0" b="0" u="none">
+                          <a:solidFill>
+                            <a:srgbClr val="000000">
+                              <a:alpha val="100000"/>
+                            </a:srgbClr>
+                          </a:solidFill>
+                          <a:latin typeface="arial"/>
+                          <a:cs typeface="arial"/>
+                          <a:ea typeface="arial"/>
+                          <a:sym typeface="arial"/>
+                        </a:rPr>
+                        <a:t>31 (23.1%)</a:t>
+                      </a:r>
+                    </a:p>
+                  </a:txBody>
+                  <a:tcPr anchor="ctr" marB="38100" marT="38100" marR="0" marL="0">
+                    <a:lnL algn="ctr" cmpd="sng" cap="flat" w="0">
+                      <a:noFill/>
+                      <a:prstDash val="solid"/>
+                    </a:lnL>
+                    <a:lnR algn="ctr" cmpd="sng" cap="flat" w="0">
+                      <a:noFill/>
+                      <a:prstDash val="solid"/>
+                    </a:lnR>
+                    <a:lnT algn="ctr" cmpd="sng" cap="flat" w="0">
+                      <a:noFill/>
+                      <a:prstDash val="solid"/>
+                    </a:lnT>
+                    <a:lnB algn="ctr" cmpd="sng" cap="flat" w="0">
+                      <a:noFill/>
+                      <a:prstDash val="solid"/>
+                    </a:lnB>
+                    <a:solidFill>
+                      <a:srgbClr val="FFBD69">
+                        <a:alpha val="100000"/>
+                      </a:srgbClr>
+                    </a:solidFill>
+                  </a:tcPr>
+                </a:tc>
+                <a:tc>
+                  <a:txBody>
+                    <a:bodyPr/>
+                    <a:lstStyle/>
+                    <a:p>
+                      <a:pPr algn="ctr" marL="63500" marR="63500">
+                        <a:lnSpc>
+                          <a:spcPct val="100000"/>
+                        </a:lnSpc>
+                        <a:spcBef>
+                          <a:spcPts val="300"/>
+                        </a:spcBef>
+                        <a:spcAft>
+                          <a:spcPts val="300"/>
+                        </a:spcAft>
+                        <a:buNone/>
+                      </a:pPr>
+                      <a:r>
+                        <a:rPr cap="none" sz="1200" i="0" b="0" u="none">
+                          <a:solidFill>
+                            <a:srgbClr val="000000">
+                              <a:alpha val="100000"/>
+                            </a:srgbClr>
+                          </a:solidFill>
+                          <a:latin typeface="arial"/>
+                          <a:cs typeface="arial"/>
+                          <a:ea typeface="arial"/>
+                          <a:sym typeface="arial"/>
+                        </a:rPr>
+                        <a:t>76 (28.4%)</a:t>
+                      </a:r>
+                    </a:p>
+                  </a:txBody>
+                  <a:tcPr anchor="ctr" marB="38100" marT="38100" marR="0" marL="0">
+                    <a:lnL algn="ctr" cmpd="sng" cap="flat" w="0">
+                      <a:noFill/>
+                      <a:prstDash val="solid"/>
+                    </a:lnL>
+                    <a:lnR algn="ctr" cmpd="sng" cap="flat" w="0">
+                      <a:noFill/>
+                      <a:prstDash val="solid"/>
+                    </a:lnR>
+                    <a:lnT algn="ctr" cmpd="sng" cap="flat" w="0">
+                      <a:noFill/>
+                      <a:prstDash val="solid"/>
+                    </a:lnT>
+                    <a:lnB algn="ctr" cmpd="sng" cap="flat" w="0">
+                      <a:noFill/>
+                      <a:prstDash val="solid"/>
+                    </a:lnB>
+                    <a:solidFill>
+                      <a:srgbClr val="FFBD69">
+                        <a:alpha val="100000"/>
+                      </a:srgbClr>
+                    </a:solidFill>
+                  </a:tcPr>
+                </a:tc>
+                <a:tc>
+                  <a:txBody>
+                    <a:bodyPr/>
+                    <a:lstStyle/>
+                    <a:p>
+                      <a:pPr algn="ctr" marL="63500" marR="63500">
+                        <a:lnSpc>
+                          <a:spcPct val="100000"/>
+                        </a:lnSpc>
+                        <a:spcBef>
+                          <a:spcPts val="300"/>
+                        </a:spcBef>
+                        <a:spcAft>
+                          <a:spcPts val="300"/>
+                        </a:spcAft>
+                        <a:buNone/>
+                      </a:pPr>
+                      <a:r>
+                        <a:rPr cap="none" sz="1200" i="0" b="0" u="none">
+                          <a:solidFill>
+                            <a:srgbClr val="000000">
+                              <a:alpha val="100000"/>
+                            </a:srgbClr>
+                          </a:solidFill>
+                          <a:latin typeface="arial"/>
+                          <a:cs typeface="arial"/>
+                          <a:ea typeface="arial"/>
+                          <a:sym typeface="arial"/>
+                        </a:rPr>
+                        <a:t>128 (32.0%)</a:t>
+                      </a:r>
+                    </a:p>
+                  </a:txBody>
+                  <a:tcPr anchor="ctr" marB="38100" marT="38100" marR="0" marL="0">
+                    <a:lnL algn="ctr" cmpd="sng" cap="flat" w="0">
+                      <a:noFill/>
+                      <a:prstDash val="solid"/>
+                    </a:lnL>
+                    <a:lnR algn="ctr" cmpd="sng" cap="flat" w="0">
+                      <a:noFill/>
+                      <a:prstDash val="solid"/>
+                    </a:lnR>
+                    <a:lnT algn="ctr" cmpd="sng" cap="flat" w="0">
+                      <a:noFill/>
+                      <a:prstDash val="solid"/>
+                    </a:lnT>
+                    <a:lnB algn="ctr" cmpd="sng" cap="flat" w="0">
+                      <a:noFill/>
+                      <a:prstDash val="solid"/>
+                    </a:lnB>
+                    <a:solidFill>
+                      <a:srgbClr val="FFBD69">
+                        <a:alpha val="100000"/>
+                      </a:srgbClr>
+                    </a:solidFill>
+                  </a:tcPr>
+                </a:tc>
+              </a:tr>
+              <a:tr h="213519">
+                <a:tc>
+                  <a:txBody>
+                    <a:bodyPr/>
+                    <a:lstStyle/>
+                    <a:p>
+                      <a:pPr algn="l" marL="127000" marR="63500">
+                        <a:lnSpc>
+                          <a:spcPct val="100000"/>
+                        </a:lnSpc>
+                        <a:spcBef>
+                          <a:spcPts val="300"/>
+                        </a:spcBef>
+                        <a:spcAft>
+                          <a:spcPts val="300"/>
+                        </a:spcAft>
+                        <a:buNone/>
+                      </a:pPr>
+                      <a:r>
+                        <a:rPr cap="none" sz="1200" i="0" b="0" u="none">
+                          <a:solidFill>
+                            <a:srgbClr val="000000">
+                              <a:alpha val="100000"/>
+                            </a:srgbClr>
+                          </a:solidFill>
+                          <a:latin typeface="arial"/>
+                          <a:cs typeface="arial"/>
+                          <a:ea typeface="arial"/>
+                          <a:sym typeface="arial"/>
+                        </a:rPr>
+                        <a:t>cl B.1</a:t>
+                      </a:r>
+                    </a:p>
+                  </a:txBody>
+                  <a:tcPr anchor="ctr" marB="38100" marT="38100" marR="0" marL="0">
+                    <a:lnL algn="ctr" cmpd="sng" cap="flat" w="0">
+                      <a:noFill/>
+                      <a:prstDash val="solid"/>
+                    </a:lnL>
+                    <a:lnR algn="ctr" cmpd="sng" cap="flat" w="0">
+                      <a:noFill/>
+                      <a:prstDash val="solid"/>
+                    </a:lnR>
+                    <a:lnT algn="ctr" cmpd="sng" cap="flat" w="0">
+                      <a:noFill/>
+                      <a:prstDash val="solid"/>
+                    </a:lnT>
+                    <a:lnB algn="ctr" cmpd="sng" cap="flat" w="0">
+                      <a:noFill/>
+                      <a:prstDash val="solid"/>
+                    </a:lnB>
+                    <a:solidFill>
+                      <a:srgbClr val="FF7D29">
+                        <a:alpha val="100000"/>
+                      </a:srgbClr>
+                    </a:solidFill>
+                  </a:tcPr>
+                </a:tc>
                 <a:tc>
                   <a:txBody>
                     <a:bodyPr/>
@@ -4810,7 +5083,7 @@
                       <a:prstDash val="solid"/>
                     </a:lnB>
                     <a:solidFill>
-                      <a:srgbClr val="FFBD69">
+                      <a:srgbClr val="FF7D29">
                         <a:alpha val="100000"/>
                       </a:srgbClr>
                     </a:solidFill>
@@ -4878,296 +5151,7 @@
                       <a:prstDash val="solid"/>
                     </a:lnB>
                     <a:solidFill>
-                      <a:srgbClr val="FFBD69">
-                        <a:alpha val="100000"/>
-                      </a:srgbClr>
-                    </a:solidFill>
-                  </a:tcPr>
-                </a:tc>
-              </a:tr>
-              <a:tr h="243582">
-                <a:tc>
-                  <a:txBody>
-                    <a:bodyPr/>
-                    <a:lstStyle/>
-                    <a:p>
-                      <a:pPr algn="l" marL="127000" marR="63500">
-                        <a:lnSpc>
-                          <a:spcPct val="100000"/>
-                        </a:lnSpc>
-                        <a:spcBef>
-                          <a:spcPts val="300"/>
-                        </a:spcBef>
-                        <a:spcAft>
-                          <a:spcPts val="300"/>
-                        </a:spcAft>
-                        <a:buNone/>
-                      </a:pPr>
-                      <a:r>
-                        <a:rPr cap="none" sz="1200" i="0" b="0" u="none">
-                          <a:solidFill>
-                            <a:srgbClr val="000000">
-                              <a:alpha val="100000"/>
-                            </a:srgbClr>
-                          </a:solidFill>
-                          <a:latin typeface="arial"/>
-                          <a:cs typeface="arial"/>
-                          <a:ea typeface="arial"/>
-                          <a:sym typeface="arial"/>
-                        </a:rPr>
-                        <a:t>dcd B.1.1.1.1</a:t>
-                      </a:r>
-                    </a:p>
-                  </a:txBody>
-                  <a:tcPr anchor="ctr" marB="38100" marT="38100" marR="0" marL="0">
-                    <a:lnL algn="ctr" cmpd="sng" cap="flat" w="0">
-                      <a:noFill/>
-                      <a:prstDash val="solid"/>
-                    </a:lnL>
-                    <a:lnR algn="ctr" cmpd="sng" cap="flat" w="0">
-                      <a:noFill/>
-                      <a:prstDash val="solid"/>
-                    </a:lnR>
-                    <a:lnT algn="ctr" cmpd="sng" cap="flat" w="0">
-                      <a:noFill/>
-                      <a:prstDash val="solid"/>
-                    </a:lnT>
-                    <a:lnB algn="ctr" cmpd="sng" cap="flat" w="0">
-                      <a:noFill/>
-                      <a:prstDash val="solid"/>
-                    </a:lnB>
-                    <a:solidFill>
                       <a:srgbClr val="FF7D29">
-                        <a:alpha val="100000"/>
-                      </a:srgbClr>
-                    </a:solidFill>
-                  </a:tcPr>
-                </a:tc>
-                <a:tc>
-                  <a:txBody>
-                    <a:bodyPr/>
-                    <a:lstStyle/>
-                    <a:p>
-                      <a:pPr algn="ctr" marL="63500" marR="63500">
-                        <a:lnSpc>
-                          <a:spcPct val="100000"/>
-                        </a:lnSpc>
-                        <a:spcBef>
-                          <a:spcPts val="300"/>
-                        </a:spcBef>
-                        <a:spcAft>
-                          <a:spcPts val="300"/>
-                        </a:spcAft>
-                        <a:buNone/>
-                      </a:pPr>
-                      <a:r>
-                        <a:rPr cap="none" sz="1200" i="0" b="0" u="none">
-                          <a:solidFill>
-                            <a:srgbClr val="000000">
-                              <a:alpha val="100000"/>
-                            </a:srgbClr>
-                          </a:solidFill>
-                          <a:latin typeface="arial"/>
-                          <a:cs typeface="arial"/>
-                          <a:ea typeface="arial"/>
-                          <a:sym typeface="arial"/>
-                        </a:rPr>
-                        <a:t>38 (28.4%)</a:t>
-                      </a:r>
-                    </a:p>
-                  </a:txBody>
-                  <a:tcPr anchor="ctr" marB="38100" marT="38100" marR="0" marL="0">
-                    <a:lnL algn="ctr" cmpd="sng" cap="flat" w="0">
-                      <a:noFill/>
-                      <a:prstDash val="solid"/>
-                    </a:lnL>
-                    <a:lnR algn="ctr" cmpd="sng" cap="flat" w="0">
-                      <a:noFill/>
-                      <a:prstDash val="solid"/>
-                    </a:lnR>
-                    <a:lnT algn="ctr" cmpd="sng" cap="flat" w="0">
-                      <a:noFill/>
-                      <a:prstDash val="solid"/>
-                    </a:lnT>
-                    <a:lnB algn="ctr" cmpd="sng" cap="flat" w="0">
-                      <a:noFill/>
-                      <a:prstDash val="solid"/>
-                    </a:lnB>
-                    <a:solidFill>
-                      <a:srgbClr val="FF7D29">
-                        <a:alpha val="100000"/>
-                      </a:srgbClr>
-                    </a:solidFill>
-                  </a:tcPr>
-                </a:tc>
-                <a:tc>
-                  <a:txBody>
-                    <a:bodyPr/>
-                    <a:lstStyle/>
-                    <a:p>
-                      <a:pPr algn="ctr" marL="63500" marR="63500">
-                        <a:lnSpc>
-                          <a:spcPct val="100000"/>
-                        </a:lnSpc>
-                        <a:spcBef>
-                          <a:spcPts val="300"/>
-                        </a:spcBef>
-                        <a:spcAft>
-                          <a:spcPts val="300"/>
-                        </a:spcAft>
-                        <a:buNone/>
-                      </a:pPr>
-                      <a:r>
-                        <a:rPr cap="none" sz="1200" i="0" b="0" u="none">
-                          <a:solidFill>
-                            <a:srgbClr val="000000">
-                              <a:alpha val="100000"/>
-                            </a:srgbClr>
-                          </a:solidFill>
-                          <a:latin typeface="arial"/>
-                          <a:cs typeface="arial"/>
-                          <a:ea typeface="arial"/>
-                          <a:sym typeface="arial"/>
-                        </a:rPr>
-                        <a:t>37 (27.6%)</a:t>
-                      </a:r>
-                    </a:p>
-                  </a:txBody>
-                  <a:tcPr anchor="ctr" marB="38100" marT="38100" marR="0" marL="0">
-                    <a:lnL algn="ctr" cmpd="sng" cap="flat" w="0">
-                      <a:noFill/>
-                      <a:prstDash val="solid"/>
-                    </a:lnL>
-                    <a:lnR algn="ctr" cmpd="sng" cap="flat" w="0">
-                      <a:noFill/>
-                      <a:prstDash val="solid"/>
-                    </a:lnR>
-                    <a:lnT algn="ctr" cmpd="sng" cap="flat" w="0">
-                      <a:noFill/>
-                      <a:prstDash val="solid"/>
-                    </a:lnT>
-                    <a:lnB algn="ctr" cmpd="sng" cap="flat" w="0">
-                      <a:noFill/>
-                      <a:prstDash val="solid"/>
-                    </a:lnB>
-                    <a:solidFill>
-                      <a:srgbClr val="FF7D29">
-                        <a:alpha val="100000"/>
-                      </a:srgbClr>
-                    </a:solidFill>
-                  </a:tcPr>
-                </a:tc>
-                <a:tc>
-                  <a:txBody>
-                    <a:bodyPr/>
-                    <a:lstStyle/>
-                    <a:p>
-                      <a:pPr algn="ctr" marL="63500" marR="63500">
-                        <a:lnSpc>
-                          <a:spcPct val="100000"/>
-                        </a:lnSpc>
-                        <a:spcBef>
-                          <a:spcPts val="300"/>
-                        </a:spcBef>
-                        <a:spcAft>
-                          <a:spcPts val="300"/>
-                        </a:spcAft>
-                        <a:buNone/>
-                      </a:pPr>
-                      <a:r>
-                        <a:rPr cap="none" sz="1200" i="0" b="0" u="none">
-                          <a:solidFill>
-                            <a:srgbClr val="000000">
-                              <a:alpha val="100000"/>
-                            </a:srgbClr>
-                          </a:solidFill>
-                          <a:latin typeface="arial"/>
-                          <a:cs typeface="arial"/>
-                          <a:ea typeface="arial"/>
-                          <a:sym typeface="arial"/>
-                        </a:rPr>
-                        <a:t>75 (28.0%)</a:t>
-                      </a:r>
-                    </a:p>
-                  </a:txBody>
-                  <a:tcPr anchor="ctr" marB="38100" marT="38100" marR="0" marL="0">
-                    <a:lnL algn="ctr" cmpd="sng" cap="flat" w="0">
-                      <a:noFill/>
-                      <a:prstDash val="solid"/>
-                    </a:lnL>
-                    <a:lnR algn="ctr" cmpd="sng" cap="flat" w="0">
-                      <a:noFill/>
-                      <a:prstDash val="solid"/>
-                    </a:lnR>
-                    <a:lnT algn="ctr" cmpd="sng" cap="flat" w="0">
-                      <a:noFill/>
-                      <a:prstDash val="solid"/>
-                    </a:lnT>
-                    <a:lnB algn="ctr" cmpd="sng" cap="flat" w="0">
-                      <a:noFill/>
-                      <a:prstDash val="solid"/>
-                    </a:lnB>
-                    <a:solidFill>
-                      <a:srgbClr val="FF7D29">
-                        <a:alpha val="100000"/>
-                      </a:srgbClr>
-                    </a:solidFill>
-                  </a:tcPr>
-                </a:tc>
-              </a:tr>
-              <a:tr h="213519">
-                <a:tc>
-                  <a:txBody>
-                    <a:bodyPr/>
-                    <a:lstStyle/>
-                    <a:p>
-                      <a:pPr algn="l" marL="127000" marR="63500">
-                        <a:lnSpc>
-                          <a:spcPct val="100000"/>
-                        </a:lnSpc>
-                        <a:spcBef>
-                          <a:spcPts val="300"/>
-                        </a:spcBef>
-                        <a:spcAft>
-                          <a:spcPts val="300"/>
-                        </a:spcAft>
-                        <a:buNone/>
-                      </a:pPr>
-                      <a:r>
-                        <a:rPr cap="none" sz="1200" i="0" b="0" u="none">
-                          <a:solidFill>
-                            <a:srgbClr val="000000">
-                              <a:alpha val="100000"/>
-                            </a:srgbClr>
-                          </a:solidFill>
-                          <a:latin typeface="arial"/>
-                          <a:cs typeface="arial"/>
-                          <a:ea typeface="arial"/>
-                          <a:sym typeface="arial"/>
-                        </a:rPr>
-                        <a:t>cl B.2</a:t>
-                      </a:r>
-                    </a:p>
-                  </a:txBody>
-                  <a:tcPr anchor="ctr" marB="38100" marT="38100" marR="0" marL="0">
-                    <a:lnL algn="ctr" cmpd="sng" cap="flat" w="0">
-                      <a:noFill/>
-                      <a:prstDash val="solid"/>
-                    </a:lnL>
-                    <a:lnR algn="ctr" cmpd="sng" cap="flat" w="0">
-                      <a:noFill/>
-                      <a:prstDash val="solid"/>
-                    </a:lnR>
-                    <a:lnT algn="ctr" cmpd="sng" cap="flat" w="0">
-                      <a:noFill/>
-                      <a:prstDash val="solid"/>
-                    </a:lnT>
-                    <a:lnB algn="ctr" cmpd="sng" cap="flat" w="0">
-                      <a:noFill/>
-                      <a:prstDash val="solid"/>
-                    </a:lnB>
-                    <a:solidFill>
-                      <a:srgbClr val="FFBD69">
                         <a:alpha val="100000"/>
                       </a:srgbClr>
                     </a:solidFill>
@@ -5235,7 +5219,7 @@
                       <a:prstDash val="solid"/>
                     </a:lnB>
                     <a:solidFill>
-                      <a:srgbClr val="FFBD69">
+                      <a:srgbClr val="FF7D29">
                         <a:alpha val="100000"/>
                       </a:srgbClr>
                     </a:solidFill>
@@ -5303,7 +5287,353 @@
                       <a:prstDash val="solid"/>
                     </a:lnB>
                     <a:solidFill>
+                      <a:srgbClr val="FF7D29">
+                        <a:alpha val="100000"/>
+                      </a:srgbClr>
+                    </a:solidFill>
+                  </a:tcPr>
+                </a:tc>
+              </a:tr>
+              <a:tr h="243582">
+                <a:tc>
+                  <a:txBody>
+                    <a:bodyPr/>
+                    <a:lstStyle/>
+                    <a:p>
+                      <a:pPr algn="l" marL="127000" marR="63500">
+                        <a:lnSpc>
+                          <a:spcPct val="100000"/>
+                        </a:lnSpc>
+                        <a:spcBef>
+                          <a:spcPts val="300"/>
+                        </a:spcBef>
+                        <a:spcAft>
+                          <a:spcPts val="300"/>
+                        </a:spcAft>
+                        <a:buNone/>
+                      </a:pPr>
+                      <a:r>
+                        <a:rPr cap="none" sz="1200" i="0" b="0" u="none">
+                          <a:solidFill>
+                            <a:srgbClr val="000000">
+                              <a:alpha val="100000"/>
+                            </a:srgbClr>
+                          </a:solidFill>
+                          <a:latin typeface="arial"/>
+                          <a:cs typeface="arial"/>
+                          <a:ea typeface="arial"/>
+                          <a:sym typeface="arial"/>
+                        </a:rPr>
+                        <a:t>dcd B.1.1.1.1</a:t>
+                      </a:r>
+                    </a:p>
+                  </a:txBody>
+                  <a:tcPr anchor="ctr" marB="38100" marT="38100" marR="0" marL="0">
+                    <a:lnL algn="ctr" cmpd="sng" cap="flat" w="0">
+                      <a:noFill/>
+                      <a:prstDash val="solid"/>
+                    </a:lnL>
+                    <a:lnR algn="ctr" cmpd="sng" cap="flat" w="0">
+                      <a:noFill/>
+                      <a:prstDash val="solid"/>
+                    </a:lnR>
+                    <a:lnT algn="ctr" cmpd="sng" cap="flat" w="0">
+                      <a:noFill/>
+                      <a:prstDash val="solid"/>
+                    </a:lnT>
+                    <a:lnB algn="ctr" cmpd="sng" cap="flat" w="0">
+                      <a:noFill/>
+                      <a:prstDash val="solid"/>
+                    </a:lnB>
+                    <a:solidFill>
                       <a:srgbClr val="FFBD69">
+                        <a:alpha val="100000"/>
+                      </a:srgbClr>
+                    </a:solidFill>
+                  </a:tcPr>
+                </a:tc>
+                <a:tc>
+                  <a:txBody>
+                    <a:bodyPr/>
+                    <a:lstStyle/>
+                    <a:p>
+                      <a:pPr algn="ctr" marL="63500" marR="63500">
+                        <a:lnSpc>
+                          <a:spcPct val="100000"/>
+                        </a:lnSpc>
+                        <a:spcBef>
+                          <a:spcPts val="300"/>
+                        </a:spcBef>
+                        <a:spcAft>
+                          <a:spcPts val="300"/>
+                        </a:spcAft>
+                        <a:buNone/>
+                      </a:pPr>
+                      <a:r>
+                        <a:rPr cap="none" sz="1200" i="0" b="0" u="none">
+                          <a:solidFill>
+                            <a:srgbClr val="000000">
+                              <a:alpha val="100000"/>
+                            </a:srgbClr>
+                          </a:solidFill>
+                          <a:latin typeface="arial"/>
+                          <a:cs typeface="arial"/>
+                          <a:ea typeface="arial"/>
+                          <a:sym typeface="arial"/>
+                        </a:rPr>
+                        <a:t>38 (28.4%)</a:t>
+                      </a:r>
+                    </a:p>
+                  </a:txBody>
+                  <a:tcPr anchor="ctr" marB="38100" marT="38100" marR="0" marL="0">
+                    <a:lnL algn="ctr" cmpd="sng" cap="flat" w="0">
+                      <a:noFill/>
+                      <a:prstDash val="solid"/>
+                    </a:lnL>
+                    <a:lnR algn="ctr" cmpd="sng" cap="flat" w="0">
+                      <a:noFill/>
+                      <a:prstDash val="solid"/>
+                    </a:lnR>
+                    <a:lnT algn="ctr" cmpd="sng" cap="flat" w="0">
+                      <a:noFill/>
+                      <a:prstDash val="solid"/>
+                    </a:lnT>
+                    <a:lnB algn="ctr" cmpd="sng" cap="flat" w="0">
+                      <a:noFill/>
+                      <a:prstDash val="solid"/>
+                    </a:lnB>
+                    <a:solidFill>
+                      <a:srgbClr val="FFBD69">
+                        <a:alpha val="100000"/>
+                      </a:srgbClr>
+                    </a:solidFill>
+                  </a:tcPr>
+                </a:tc>
+                <a:tc>
+                  <a:txBody>
+                    <a:bodyPr/>
+                    <a:lstStyle/>
+                    <a:p>
+                      <a:pPr algn="ctr" marL="63500" marR="63500">
+                        <a:lnSpc>
+                          <a:spcPct val="100000"/>
+                        </a:lnSpc>
+                        <a:spcBef>
+                          <a:spcPts val="300"/>
+                        </a:spcBef>
+                        <a:spcAft>
+                          <a:spcPts val="300"/>
+                        </a:spcAft>
+                        <a:buNone/>
+                      </a:pPr>
+                      <a:r>
+                        <a:rPr cap="none" sz="1200" i="0" b="0" u="none">
+                          <a:solidFill>
+                            <a:srgbClr val="000000">
+                              <a:alpha val="100000"/>
+                            </a:srgbClr>
+                          </a:solidFill>
+                          <a:latin typeface="arial"/>
+                          <a:cs typeface="arial"/>
+                          <a:ea typeface="arial"/>
+                          <a:sym typeface="arial"/>
+                        </a:rPr>
+                        <a:t>37 (27.6%)</a:t>
+                      </a:r>
+                    </a:p>
+                  </a:txBody>
+                  <a:tcPr anchor="ctr" marB="38100" marT="38100" marR="0" marL="0">
+                    <a:lnL algn="ctr" cmpd="sng" cap="flat" w="0">
+                      <a:noFill/>
+                      <a:prstDash val="solid"/>
+                    </a:lnL>
+                    <a:lnR algn="ctr" cmpd="sng" cap="flat" w="0">
+                      <a:noFill/>
+                      <a:prstDash val="solid"/>
+                    </a:lnR>
+                    <a:lnT algn="ctr" cmpd="sng" cap="flat" w="0">
+                      <a:noFill/>
+                      <a:prstDash val="solid"/>
+                    </a:lnT>
+                    <a:lnB algn="ctr" cmpd="sng" cap="flat" w="0">
+                      <a:noFill/>
+                      <a:prstDash val="solid"/>
+                    </a:lnB>
+                    <a:solidFill>
+                      <a:srgbClr val="FFBD69">
+                        <a:alpha val="100000"/>
+                      </a:srgbClr>
+                    </a:solidFill>
+                  </a:tcPr>
+                </a:tc>
+                <a:tc>
+                  <a:txBody>
+                    <a:bodyPr/>
+                    <a:lstStyle/>
+                    <a:p>
+                      <a:pPr algn="ctr" marL="63500" marR="63500">
+                        <a:lnSpc>
+                          <a:spcPct val="100000"/>
+                        </a:lnSpc>
+                        <a:spcBef>
+                          <a:spcPts val="300"/>
+                        </a:spcBef>
+                        <a:spcAft>
+                          <a:spcPts val="300"/>
+                        </a:spcAft>
+                        <a:buNone/>
+                      </a:pPr>
+                      <a:r>
+                        <a:rPr cap="none" sz="1200" i="0" b="0" u="none">
+                          <a:solidFill>
+                            <a:srgbClr val="000000">
+                              <a:alpha val="100000"/>
+                            </a:srgbClr>
+                          </a:solidFill>
+                          <a:latin typeface="arial"/>
+                          <a:cs typeface="arial"/>
+                          <a:ea typeface="arial"/>
+                          <a:sym typeface="arial"/>
+                        </a:rPr>
+                        <a:t>75 (28.0%)</a:t>
+                      </a:r>
+                    </a:p>
+                  </a:txBody>
+                  <a:tcPr anchor="ctr" marB="38100" marT="38100" marR="0" marL="0">
+                    <a:lnL algn="ctr" cmpd="sng" cap="flat" w="0">
+                      <a:noFill/>
+                      <a:prstDash val="solid"/>
+                    </a:lnL>
+                    <a:lnR algn="ctr" cmpd="sng" cap="flat" w="0">
+                      <a:noFill/>
+                      <a:prstDash val="solid"/>
+                    </a:lnR>
+                    <a:lnT algn="ctr" cmpd="sng" cap="flat" w="0">
+                      <a:noFill/>
+                      <a:prstDash val="solid"/>
+                    </a:lnT>
+                    <a:lnB algn="ctr" cmpd="sng" cap="flat" w="0">
+                      <a:noFill/>
+                      <a:prstDash val="solid"/>
+                    </a:lnB>
+                    <a:solidFill>
+                      <a:srgbClr val="FFBD69">
+                        <a:alpha val="100000"/>
+                      </a:srgbClr>
+                    </a:solidFill>
+                  </a:tcPr>
+                </a:tc>
+                <a:tc>
+                  <a:txBody>
+                    <a:bodyPr/>
+                    <a:lstStyle/>
+                    <a:p>
+                      <a:pPr algn="ctr" marL="63500" marR="63500">
+                        <a:lnSpc>
+                          <a:spcPct val="100000"/>
+                        </a:lnSpc>
+                        <a:spcBef>
+                          <a:spcPts val="300"/>
+                        </a:spcBef>
+                        <a:spcAft>
+                          <a:spcPts val="300"/>
+                        </a:spcAft>
+                        <a:buNone/>
+                      </a:pPr>
+                      <a:r>
+                        <a:rPr cap="none" sz="1200" i="0" b="0" u="none">
+                          <a:solidFill>
+                            <a:srgbClr val="000000">
+                              <a:alpha val="100000"/>
+                            </a:srgbClr>
+                          </a:solidFill>
+                          <a:latin typeface="arial"/>
+                          <a:cs typeface="arial"/>
+                          <a:ea typeface="arial"/>
+                          <a:sym typeface="arial"/>
+                        </a:rPr>
+                        <a:t>111 (27.8%)</a:t>
+                      </a:r>
+                    </a:p>
+                  </a:txBody>
+                  <a:tcPr anchor="ctr" marB="38100" marT="38100" marR="0" marL="0">
+                    <a:lnL algn="ctr" cmpd="sng" cap="flat" w="0">
+                      <a:noFill/>
+                      <a:prstDash val="solid"/>
+                    </a:lnL>
+                    <a:lnR algn="ctr" cmpd="sng" cap="flat" w="0">
+                      <a:noFill/>
+                      <a:prstDash val="solid"/>
+                    </a:lnR>
+                    <a:lnT algn="ctr" cmpd="sng" cap="flat" w="0">
+                      <a:noFill/>
+                      <a:prstDash val="solid"/>
+                    </a:lnT>
+                    <a:lnB algn="ctr" cmpd="sng" cap="flat" w="0">
+                      <a:noFill/>
+                      <a:prstDash val="solid"/>
+                    </a:lnB>
+                    <a:solidFill>
+                      <a:srgbClr val="FFBD69">
+                        <a:alpha val="100000"/>
+                      </a:srgbClr>
+                    </a:solidFill>
+                  </a:tcPr>
+                </a:tc>
+              </a:tr>
+              <a:tr h="213519">
+                <a:tc>
+                  <a:txBody>
+                    <a:bodyPr/>
+                    <a:lstStyle/>
+                    <a:p>
+                      <a:pPr algn="l" marL="127000" marR="63500">
+                        <a:lnSpc>
+                          <a:spcPct val="100000"/>
+                        </a:lnSpc>
+                        <a:spcBef>
+                          <a:spcPts val="300"/>
+                        </a:spcBef>
+                        <a:spcAft>
+                          <a:spcPts val="300"/>
+                        </a:spcAft>
+                        <a:buNone/>
+                      </a:pPr>
+                      <a:r>
+                        <a:rPr cap="none" sz="1200" i="0" b="0" u="none">
+                          <a:solidFill>
+                            <a:srgbClr val="000000">
+                              <a:alpha val="100000"/>
+                            </a:srgbClr>
+                          </a:solidFill>
+                          <a:latin typeface="arial"/>
+                          <a:cs typeface="arial"/>
+                          <a:ea typeface="arial"/>
+                          <a:sym typeface="arial"/>
+                        </a:rPr>
+                        <a:t>cl B.2</a:t>
+                      </a:r>
+                    </a:p>
+                  </a:txBody>
+                  <a:tcPr anchor="ctr" marB="38100" marT="38100" marR="0" marL="0">
+                    <a:lnL algn="ctr" cmpd="sng" cap="flat" w="0">
+                      <a:noFill/>
+                      <a:prstDash val="solid"/>
+                    </a:lnL>
+                    <a:lnR algn="ctr" cmpd="sng" cap="flat" w="0">
+                      <a:noFill/>
+                      <a:prstDash val="solid"/>
+                    </a:lnR>
+                    <a:lnT algn="ctr" cmpd="sng" cap="flat" w="0">
+                      <a:noFill/>
+                      <a:prstDash val="solid"/>
+                    </a:lnT>
+                    <a:lnB algn="ctr" cmpd="sng" cap="flat" w="0">
+                      <a:noFill/>
+                      <a:prstDash val="solid"/>
+                    </a:lnB>
+                    <a:solidFill>
+                      <a:srgbClr val="FF7D29">
                         <a:alpha val="100000"/>
                       </a:srgbClr>
                     </a:solidFill>
@@ -5371,31 +5701,40 @@
                       <a:prstDash val="solid"/>
                     </a:lnB>
                     <a:solidFill>
-                      <a:srgbClr val="FFBD69">
+                      <a:srgbClr val="FF7D29">
                         <a:alpha val="100000"/>
                       </a:srgbClr>
                     </a:solidFill>
                   </a:tcPr>
                 </a:tc>
-              </a:tr>
-              <a:tr h="243582">
                 <a:tc>
                   <a:txBody>
                     <a:bodyPr/>
                     <a:lstStyle/>
                     <a:p>
-                      <a:pPr algn="l" marL="127000" marR="63500">
-                        <a:lnSpc>
-                          <a:spcPct val="100000"/>
-                        </a:lnSpc>
-                        <a:spcBef>
-                          <a:spcPts val="300"/>
-                        </a:spcBef>
-                        <a:spcAft>
-                          <a:spcPts val="300"/>
-                        </a:spcAft>
-                        <a:buNone/>
-                      </a:pPr>
+                      <a:pPr algn="ctr" marL="63500" marR="63500">
+                        <a:lnSpc>
+                          <a:spcPct val="100000"/>
+                        </a:lnSpc>
+                        <a:spcBef>
+                          <a:spcPts val="300"/>
+                        </a:spcBef>
+                        <a:spcAft>
+                          <a:spcPts val="300"/>
+                        </a:spcAft>
+                        <a:buNone/>
+                      </a:pPr>
+                      <a:endParaRPr cap="none" sz="1200" i="0" b="0" u="none">
+                        <a:solidFill>
+                          <a:srgbClr val="000000">
+                            <a:alpha val="100000"/>
+                          </a:srgbClr>
+                        </a:solidFill>
+                        <a:latin typeface="arial"/>
+                        <a:cs typeface="arial"/>
+                        <a:ea typeface="arial"/>
+                        <a:sym typeface="arial"/>
+                      </a:endParaRPr>
                       <a:r>
                         <a:rPr cap="none" sz="1200" i="0" b="0" u="none">
                           <a:solidFill>
@@ -5408,7 +5747,7 @@
                           <a:ea typeface="arial"/>
                           <a:sym typeface="arial"/>
                         </a:rPr>
-                        <a:t>dcd B.2.2.3.1</a:t>
+                        <a:t/>
                       </a:r>
                     </a:p>
                   </a:txBody>
@@ -5453,6 +5792,17 @@
                         </a:spcAft>
                         <a:buNone/>
                       </a:pPr>
+                      <a:endParaRPr cap="none" sz="1200" i="0" b="0" u="none">
+                        <a:solidFill>
+                          <a:srgbClr val="000000">
+                            <a:alpha val="100000"/>
+                          </a:srgbClr>
+                        </a:solidFill>
+                        <a:latin typeface="arial"/>
+                        <a:cs typeface="arial"/>
+                        <a:ea typeface="arial"/>
+                        <a:sym typeface="arial"/>
+                      </a:endParaRPr>
                       <a:r>
                         <a:rPr cap="none" sz="1200" i="0" b="0" u="none">
                           <a:solidFill>
@@ -5465,7 +5815,7 @@
                           <a:ea typeface="arial"/>
                           <a:sym typeface="arial"/>
                         </a:rPr>
-                        <a:t>38 (28.4%)</a:t>
+                        <a:t/>
                       </a:r>
                     </a:p>
                   </a:txBody>
@@ -5510,6 +5860,17 @@
                         </a:spcAft>
                         <a:buNone/>
                       </a:pPr>
+                      <a:endParaRPr cap="none" sz="1200" i="0" b="0" u="none">
+                        <a:solidFill>
+                          <a:srgbClr val="000000">
+                            <a:alpha val="100000"/>
+                          </a:srgbClr>
+                        </a:solidFill>
+                        <a:latin typeface="arial"/>
+                        <a:cs typeface="arial"/>
+                        <a:ea typeface="arial"/>
+                        <a:sym typeface="arial"/>
+                      </a:endParaRPr>
                       <a:r>
                         <a:rPr cap="none" sz="1200" i="0" b="0" u="none">
                           <a:solidFill>
@@ -5522,7 +5883,7 @@
                           <a:ea typeface="arial"/>
                           <a:sym typeface="arial"/>
                         </a:rPr>
-                        <a:t>40 (29.9%)</a:t>
+                        <a:t/>
                       </a:r>
                     </a:p>
                   </a:txBody>
@@ -5550,12 +5911,14 @@
                     </a:solidFill>
                   </a:tcPr>
                 </a:tc>
+              </a:tr>
+              <a:tr h="243582">
                 <a:tc>
                   <a:txBody>
                     <a:bodyPr/>
                     <a:lstStyle/>
                     <a:p>
-                      <a:pPr algn="ctr" marL="63500" marR="63500">
+                      <a:pPr algn="l" marL="127000" marR="63500">
                         <a:lnSpc>
                           <a:spcPct val="100000"/>
                         </a:lnSpc>
@@ -5579,7 +5942,7 @@
                           <a:ea typeface="arial"/>
                           <a:sym typeface="arial"/>
                         </a:rPr>
-                        <a:t>78 (29.1%)</a:t>
+                        <a:t>dcd B.2.2.3.1</a:t>
                       </a:r>
                     </a:p>
                   </a:txBody>
@@ -5601,20 +5964,18 @@
                       <a:prstDash val="solid"/>
                     </a:lnB>
                     <a:solidFill>
-                      <a:srgbClr val="FF7D29">
+                      <a:srgbClr val="FFBD69">
                         <a:alpha val="100000"/>
                       </a:srgbClr>
                     </a:solidFill>
                   </a:tcPr>
                 </a:tc>
-              </a:tr>
-              <a:tr h="243582">
                 <a:tc>
                   <a:txBody>
                     <a:bodyPr/>
                     <a:lstStyle/>
                     <a:p>
-                      <a:pPr algn="l" marL="127000" marR="63500">
+                      <a:pPr algn="ctr" marL="63500" marR="63500">
                         <a:lnSpc>
                           <a:spcPct val="100000"/>
                         </a:lnSpc>
@@ -5638,7 +5999,7 @@
                           <a:ea typeface="arial"/>
                           <a:sym typeface="arial"/>
                         </a:rPr>
-                        <a:t>dcd B.2.1.2.1</a:t>
+                        <a:t>38 (28.4%)</a:t>
                       </a:r>
                     </a:p>
                   </a:txBody>
@@ -5695,7 +6056,7 @@
                           <a:ea typeface="arial"/>
                           <a:sym typeface="arial"/>
                         </a:rPr>
-                        <a:t>39 (29.1%)</a:t>
+                        <a:t>40 (29.9%)</a:t>
                       </a:r>
                     </a:p>
                   </a:txBody>
@@ -5752,7 +6113,7 @@
                           <a:ea typeface="arial"/>
                           <a:sym typeface="arial"/>
                         </a:rPr>
-                        <a:t>34 (25.4%)</a:t>
+                        <a:t>78 (29.1%)</a:t>
                       </a:r>
                     </a:p>
                   </a:txBody>
@@ -5809,7 +6170,7 @@
                           <a:ea typeface="arial"/>
                           <a:sym typeface="arial"/>
                         </a:rPr>
-                        <a:t>73 (27.2%)</a:t>
+                        <a:t>123 (30.8%)</a:t>
                       </a:r>
                     </a:p>
                   </a:txBody>
@@ -5838,8 +6199,295 @@
                   </a:tcPr>
                 </a:tc>
               </a:tr>
+              <a:tr h="243582">
+                <a:tc>
+                  <a:txBody>
+                    <a:bodyPr/>
+                    <a:lstStyle/>
+                    <a:p>
+                      <a:pPr algn="ctr" marL="63500" marR="63500">
+                        <a:lnSpc>
+                          <a:spcPct val="100000"/>
+                        </a:lnSpc>
+                        <a:spcBef>
+                          <a:spcPts val="300"/>
+                        </a:spcBef>
+                        <a:spcAft>
+                          <a:spcPts val="300"/>
+                        </a:spcAft>
+                        <a:buNone/>
+                      </a:pPr>
+                      <a:r>
+                        <a:rPr cap="none" sz="1200" i="0" b="0" u="none">
+                          <a:solidFill>
+                            <a:srgbClr val="000000">
+                              <a:alpha val="100000"/>
+                            </a:srgbClr>
+                          </a:solidFill>
+                          <a:latin typeface="arial"/>
+                          <a:cs typeface="arial"/>
+                          <a:ea typeface="arial"/>
+                          <a:sym typeface="arial"/>
+                        </a:rPr>
+                        <a:t>dcd B.2.1.2.1</a:t>
+                      </a:r>
+                    </a:p>
+                  </a:txBody>
+                  <a:tcPr anchor="ctr" marB="38100" marT="38100" marR="0" marL="0">
+                    <a:lnL algn="ctr" cmpd="sng" cap="flat" w="0">
+                      <a:noFill/>
+                      <a:prstDash val="solid"/>
+                    </a:lnL>
+                    <a:lnR algn="ctr" cmpd="sng" cap="flat" w="0">
+                      <a:noFill/>
+                      <a:prstDash val="solid"/>
+                    </a:lnR>
+                    <a:lnT algn="ctr" cmpd="sng" cap="flat" w="0">
+                      <a:noFill/>
+                      <a:prstDash val="solid"/>
+                    </a:lnT>
+                    <a:lnB algn="ctr" cmpd="sng" cap="flat" w="0">
+                      <a:noFill/>
+                      <a:prstDash val="solid"/>
+                    </a:lnB>
+                    <a:solidFill>
+                      <a:srgbClr val="FF7D29">
+                        <a:alpha val="100000"/>
+                      </a:srgbClr>
+                    </a:solidFill>
+                  </a:tcPr>
+                </a:tc>
+                <a:tc>
+                  <a:txBody>
+                    <a:bodyPr/>
+                    <a:lstStyle/>
+                    <a:p>
+                      <a:pPr algn="ctr" marL="63500" marR="63500">
+                        <a:lnSpc>
+                          <a:spcPct val="100000"/>
+                        </a:lnSpc>
+                        <a:spcBef>
+                          <a:spcPts val="300"/>
+                        </a:spcBef>
+                        <a:spcAft>
+                          <a:spcPts val="300"/>
+                        </a:spcAft>
+                        <a:buNone/>
+                      </a:pPr>
+                      <a:r>
+                        <a:rPr cap="none" sz="1200" i="0" b="0" u="none">
+                          <a:solidFill>
+                            <a:srgbClr val="000000">
+                              <a:alpha val="100000"/>
+                            </a:srgbClr>
+                          </a:solidFill>
+                          <a:latin typeface="arial"/>
+                          <a:cs typeface="arial"/>
+                          <a:ea typeface="arial"/>
+                          <a:sym typeface="arial"/>
+                        </a:rPr>
+                        <a:t>39 (29.1%)</a:t>
+                      </a:r>
+                    </a:p>
+                  </a:txBody>
+                  <a:tcPr anchor="ctr" marB="38100" marT="38100" marR="0" marL="0">
+                    <a:lnL algn="ctr" cmpd="sng" cap="flat" w="0">
+                      <a:noFill/>
+                      <a:prstDash val="solid"/>
+                    </a:lnL>
+                    <a:lnR algn="ctr" cmpd="sng" cap="flat" w="0">
+                      <a:noFill/>
+                      <a:prstDash val="solid"/>
+                    </a:lnR>
+                    <a:lnT algn="ctr" cmpd="sng" cap="flat" w="0">
+                      <a:noFill/>
+                      <a:prstDash val="solid"/>
+                    </a:lnT>
+                    <a:lnB algn="ctr" cmpd="sng" cap="flat" w="0">
+                      <a:noFill/>
+                      <a:prstDash val="solid"/>
+                    </a:lnB>
+                    <a:solidFill>
+                      <a:srgbClr val="FF7D29">
+                        <a:alpha val="100000"/>
+                      </a:srgbClr>
+                    </a:solidFill>
+                  </a:tcPr>
+                </a:tc>
+                <a:tc>
+                  <a:txBody>
+                    <a:bodyPr/>
+                    <a:lstStyle/>
+                    <a:p>
+                      <a:pPr algn="ctr" marL="63500" marR="63500">
+                        <a:lnSpc>
+                          <a:spcPct val="100000"/>
+                        </a:lnSpc>
+                        <a:spcBef>
+                          <a:spcPts val="300"/>
+                        </a:spcBef>
+                        <a:spcAft>
+                          <a:spcPts val="300"/>
+                        </a:spcAft>
+                        <a:buNone/>
+                      </a:pPr>
+                      <a:r>
+                        <a:rPr cap="none" sz="1200" i="0" b="0" u="none">
+                          <a:solidFill>
+                            <a:srgbClr val="000000">
+                              <a:alpha val="100000"/>
+                            </a:srgbClr>
+                          </a:solidFill>
+                          <a:latin typeface="arial"/>
+                          <a:cs typeface="arial"/>
+                          <a:ea typeface="arial"/>
+                          <a:sym typeface="arial"/>
+                        </a:rPr>
+                        <a:t>34 (25.4%)</a:t>
+                      </a:r>
+                    </a:p>
+                  </a:txBody>
+                  <a:tcPr anchor="ctr" marB="38100" marT="38100" marR="0" marL="0">
+                    <a:lnL algn="ctr" cmpd="sng" cap="flat" w="0">
+                      <a:noFill/>
+                      <a:prstDash val="solid"/>
+                    </a:lnL>
+                    <a:lnR algn="ctr" cmpd="sng" cap="flat" w="0">
+                      <a:noFill/>
+                      <a:prstDash val="solid"/>
+                    </a:lnR>
+                    <a:lnT algn="ctr" cmpd="sng" cap="flat" w="0">
+                      <a:noFill/>
+                      <a:prstDash val="solid"/>
+                    </a:lnT>
+                    <a:lnB algn="ctr" cmpd="sng" cap="flat" w="0">
+                      <a:noFill/>
+                      <a:prstDash val="solid"/>
+                    </a:lnB>
+                    <a:solidFill>
+                      <a:srgbClr val="FF7D29">
+                        <a:alpha val="100000"/>
+                      </a:srgbClr>
+                    </a:solidFill>
+                  </a:tcPr>
+                </a:tc>
+                <a:tc>
+                  <a:txBody>
+                    <a:bodyPr/>
+                    <a:lstStyle/>
+                    <a:p>
+                      <a:pPr algn="ctr" marL="63500" marR="63500">
+                        <a:lnSpc>
+                          <a:spcPct val="100000"/>
+                        </a:lnSpc>
+                        <a:spcBef>
+                          <a:spcPts val="300"/>
+                        </a:spcBef>
+                        <a:spcAft>
+                          <a:spcPts val="300"/>
+                        </a:spcAft>
+                        <a:buNone/>
+                      </a:pPr>
+                      <a:r>
+                        <a:rPr cap="none" sz="1200" i="0" b="0" u="none">
+                          <a:solidFill>
+                            <a:srgbClr val="000000">
+                              <a:alpha val="100000"/>
+                            </a:srgbClr>
+                          </a:solidFill>
+                          <a:latin typeface="arial"/>
+                          <a:cs typeface="arial"/>
+                          <a:ea typeface="arial"/>
+                          <a:sym typeface="arial"/>
+                        </a:rPr>
+                        <a:t>73 (27.2%)</a:t>
+                      </a:r>
+                    </a:p>
+                  </a:txBody>
+                  <a:tcPr anchor="ctr" marB="38100" marT="38100" marR="0" marL="0">
+                    <a:lnL algn="ctr" cmpd="sng" cap="flat" w="0">
+                      <a:noFill/>
+                      <a:prstDash val="solid"/>
+                    </a:lnL>
+                    <a:lnR algn="ctr" cmpd="sng" cap="flat" w="0">
+                      <a:noFill/>
+                      <a:prstDash val="solid"/>
+                    </a:lnR>
+                    <a:lnT algn="ctr" cmpd="sng" cap="flat" w="0">
+                      <a:noFill/>
+                      <a:prstDash val="solid"/>
+                    </a:lnT>
+                    <a:lnB algn="ctr" cmpd="sng" cap="flat" w="0">
+                      <a:noFill/>
+                      <a:prstDash val="solid"/>
+                    </a:lnB>
+                    <a:solidFill>
+                      <a:srgbClr val="FF7D29">
+                        <a:alpha val="100000"/>
+                      </a:srgbClr>
+                    </a:solidFill>
+                  </a:tcPr>
+                </a:tc>
+                <a:tc>
+                  <a:txBody>
+                    <a:bodyPr/>
+                    <a:lstStyle/>
+                    <a:p>
+                      <a:pPr algn="ctr" marL="63500" marR="63500">
+                        <a:lnSpc>
+                          <a:spcPct val="100000"/>
+                        </a:lnSpc>
+                        <a:spcBef>
+                          <a:spcPts val="300"/>
+                        </a:spcBef>
+                        <a:spcAft>
+                          <a:spcPts val="300"/>
+                        </a:spcAft>
+                        <a:buNone/>
+                      </a:pPr>
+                      <a:r>
+                        <a:rPr cap="none" sz="1200" i="0" b="0" u="none">
+                          <a:solidFill>
+                            <a:srgbClr val="000000">
+                              <a:alpha val="100000"/>
+                            </a:srgbClr>
+                          </a:solidFill>
+                          <a:latin typeface="arial"/>
+                          <a:cs typeface="arial"/>
+                          <a:ea typeface="arial"/>
+                          <a:sym typeface="arial"/>
+                        </a:rPr>
+                        <a:t>119 (29.8%)</a:t>
+                      </a:r>
+                    </a:p>
+                  </a:txBody>
+                  <a:tcPr anchor="ctr" marB="38100" marT="38100" marR="0" marL="0">
+                    <a:lnL algn="ctr" cmpd="sng" cap="flat" w="0">
+                      <a:noFill/>
+                      <a:prstDash val="solid"/>
+                    </a:lnL>
+                    <a:lnR algn="ctr" cmpd="sng" cap="flat" w="0">
+                      <a:noFill/>
+                      <a:prstDash val="solid"/>
+                    </a:lnR>
+                    <a:lnT algn="ctr" cmpd="sng" cap="flat" w="0">
+                      <a:noFill/>
+                      <a:prstDash val="solid"/>
+                    </a:lnT>
+                    <a:lnB algn="ctr" cmpd="sng" cap="flat" w="0">
+                      <a:noFill/>
+                      <a:prstDash val="solid"/>
+                    </a:lnB>
+                    <a:solidFill>
+                      <a:srgbClr val="FF7D29">
+                        <a:alpha val="100000"/>
+                      </a:srgbClr>
+                    </a:solidFill>
+                  </a:tcPr>
+                </a:tc>
+              </a:tr>
               <a:tr h="228600">
-                <a:tc gridSpan="4">
+                <a:tc gridSpan="5">
                   <a:txBody>
                     <a:bodyPr/>
                     <a:lstStyle/>
@@ -5911,6 +6559,74 @@
                           <a:sym typeface="DejaVu Sans"/>
                         </a:rPr>
                         <a:t>; </a:t>
+                      </a:r>
+                    </a:p>
+                  </a:txBody>
+                  <a:tcPr anchor="ctr" marB="63500" marT="63500" marR="0" marL="0">
+                    <a:lnL algn="ctr" cmpd="sng" cap="flat" w="0">
+                      <a:noFill/>
+                      <a:prstDash val="solid"/>
+                    </a:lnL>
+                    <a:lnR algn="ctr" cmpd="sng" cap="flat" w="0">
+                      <a:noFill/>
+                      <a:prstDash val="solid"/>
+                    </a:lnR>
+                    <a:lnT algn="ctr" cmpd="sng" cap="flat" w="0">
+                      <a:noFill/>
+                      <a:prstDash val="solid"/>
+                    </a:lnT>
+                    <a:lnB algn="ctr" cmpd="sng" cap="flat" w="0">
+                      <a:noFill/>
+                      <a:prstDash val="solid"/>
+                    </a:lnB>
+                    <a:solidFill>
+                      <a:srgbClr val="FFFFFF">
+                        <a:alpha val="0"/>
+                      </a:srgbClr>
+                    </a:solidFill>
+                  </a:tcPr>
+                </a:tc>
+                <a:tc hMerge="true">
+                  <a:txBody>
+                    <a:bodyPr/>
+                    <a:lstStyle/>
+                    <a:p>
+                      <a:pPr algn="l" marL="63500" marR="63500">
+                        <a:lnSpc>
+                          <a:spcPct val="100000"/>
+                        </a:lnSpc>
+                        <a:spcBef>
+                          <a:spcPts val="500"/>
+                        </a:spcBef>
+                        <a:spcAft>
+                          <a:spcPts val="500"/>
+                        </a:spcAft>
+                        <a:buNone/>
+                      </a:pPr>
+                      <a:endParaRPr cap="none" sz="1100" i="0" b="0" u="none">
+                        <a:solidFill>
+                          <a:srgbClr val="000000">
+                            <a:alpha val="100000"/>
+                          </a:srgbClr>
+                        </a:solidFill>
+                        <a:latin typeface="DejaVu Sans"/>
+                        <a:cs typeface="DejaVu Sans"/>
+                        <a:ea typeface="DejaVu Sans"/>
+                        <a:sym typeface="DejaVu Sans"/>
+                      </a:endParaRPr>
+                      <a:r>
+                        <a:rPr cap="none" sz="1100" i="0" b="0" u="none">
+                          <a:solidFill>
+                            <a:srgbClr val="000000">
+                              <a:alpha val="100000"/>
+                            </a:srgbClr>
+                          </a:solidFill>
+                          <a:latin typeface="DejaVu Sans"/>
+                          <a:cs typeface="DejaVu Sans"/>
+                          <a:ea typeface="DejaVu Sans"/>
+                          <a:sym typeface="DejaVu Sans"/>
+                        </a:rPr>
+                        <a:t/>
                       </a:r>
                     </a:p>
                   </a:txBody>
@@ -6230,7 +6946,7 @@
           <p:nvPr/>
         </p:nvGraphicFramePr>
         <p:xfrm rot="0">
-          <a:off x="2862526" y="1165860"/>
+          <a:off x="2642489" y="1165860"/>
           <a:ext cx="3657600" cy="2743200"/>
         </p:xfrm>
         <a:graphic>
@@ -6238,10 +6954,11 @@
             <a:tbl>
               <a:tblPr/>
               <a:tblGrid>
-                <a:gridCol w="2977693"/>
-                <a:gridCol w="1163085"/>
-                <a:gridCol w="1163085"/>
-                <a:gridCol w="1163085"/>
+                <a:gridCol w="2780359"/>
+                <a:gridCol w="1031666"/>
+                <a:gridCol w="1031666"/>
+                <a:gridCol w="1031666"/>
+                <a:gridCol w="1031666"/>
               </a:tblGrid>
               <a:tr h="268114">
                 <a:tc>
@@ -6332,6 +7049,17 @@
                         </a:spcAft>
                         <a:buNone/>
                       </a:pPr>
+                      <a:endParaRPr cap="none" sz="1400" i="0" b="1" u="none">
+                        <a:solidFill>
+                          <a:srgbClr val="FFFFFF">
+                            <a:alpha val="100000"/>
+                          </a:srgbClr>
+                        </a:solidFill>
+                        <a:latin typeface="arial"/>
+                        <a:cs typeface="arial"/>
+                        <a:ea typeface="arial"/>
+                        <a:sym typeface="arial"/>
+                      </a:endParaRPr>
                       <a:r>
                         <a:rPr cap="none" sz="1400" i="0" b="1" u="none">
                           <a:solidFill>
@@ -6344,7 +7072,7 @@
                           <a:ea typeface="arial"/>
                           <a:sym typeface="arial"/>
                         </a:rPr>
-                        <a:t>A: Drug X</a:t>
+                        <a:t/>
                       </a:r>
                     </a:p>
                   </a:txBody>
@@ -6389,6 +7117,17 @@
                         </a:spcAft>
                         <a:buNone/>
                       </a:pPr>
+                      <a:endParaRPr cap="none" sz="1400" i="0" b="1" u="none">
+                        <a:solidFill>
+                          <a:srgbClr val="FFFFFF">
+                            <a:alpha val="100000"/>
+                          </a:srgbClr>
+                        </a:solidFill>
+                        <a:latin typeface="arial"/>
+                        <a:cs typeface="arial"/>
+                        <a:ea typeface="arial"/>
+                        <a:sym typeface="arial"/>
+                      </a:endParaRPr>
                       <a:r>
                         <a:rPr cap="none" sz="1400" i="0" b="1" u="none">
                           <a:solidFill>
@@ -6401,7 +7140,7 @@
                           <a:ea typeface="arial"/>
                           <a:sym typeface="arial"/>
                         </a:rPr>
-                        <a:t>B: Placebo</a:t>
+                        <a:t/>
                       </a:r>
                     </a:p>
                   </a:txBody>
@@ -6446,6 +7185,17 @@
                         </a:spcAft>
                         <a:buNone/>
                       </a:pPr>
+                      <a:endParaRPr cap="none" sz="1400" i="0" b="1" u="none">
+                        <a:solidFill>
+                          <a:srgbClr val="FFFFFF">
+                            <a:alpha val="100000"/>
+                          </a:srgbClr>
+                        </a:solidFill>
+                        <a:latin typeface="arial"/>
+                        <a:cs typeface="arial"/>
+                        <a:ea typeface="arial"/>
+                        <a:sym typeface="arial"/>
+                      </a:endParaRPr>
                       <a:r>
                         <a:rPr cap="none" sz="1400" i="0" b="1" u="none">
                           <a:solidFill>
@@ -6458,7 +7208,7 @@
                           <a:ea typeface="arial"/>
                           <a:sym typeface="arial"/>
                         </a:rPr>
-                        <a:t>All Patients</a:t>
+                        <a:t/>
                       </a:r>
                     </a:p>
                   </a:txBody>
@@ -6486,8 +7236,6 @@
                     </a:solidFill>
                   </a:tcPr>
                 </a:tc>
-              </a:tr>
-              <a:tr h="267333">
                 <a:tc>
                   <a:txBody>
                     <a:bodyPr/>
@@ -6505,6 +7253,17 @@
                         </a:spcAft>
                         <a:buNone/>
                       </a:pPr>
+                      <a:endParaRPr cap="none" sz="1400" i="0" b="1" u="none">
+                        <a:solidFill>
+                          <a:srgbClr val="FFFFFF">
+                            <a:alpha val="100000"/>
+                          </a:srgbClr>
+                        </a:solidFill>
+                        <a:latin typeface="arial"/>
+                        <a:cs typeface="arial"/>
+                        <a:ea typeface="arial"/>
+                        <a:sym typeface="arial"/>
+                      </a:endParaRPr>
                       <a:r>
                         <a:rPr cap="none" sz="1400" i="0" b="1" u="none">
                           <a:solidFill>
@@ -6517,7 +7276,7 @@
                           <a:ea typeface="arial"/>
                           <a:sym typeface="arial"/>
                         </a:rPr>
-                        <a:t>   MedDRA Preferred Term N (%)</a:t>
+                        <a:t/>
                       </a:r>
                     </a:p>
                   </a:txBody>
@@ -6545,27 +7304,29 @@
                     </a:solidFill>
                   </a:tcPr>
                 </a:tc>
+              </a:tr>
+              <a:tr h="243582">
                 <a:tc>
                   <a:txBody>
                     <a:bodyPr/>
                     <a:lstStyle/>
                     <a:p>
-                      <a:pPr algn="ctr" marL="63500" marR="63500">
-                        <a:lnSpc>
-                          <a:spcPct val="100000"/>
-                        </a:lnSpc>
-                        <a:spcBef>
-                          <a:spcPts val="300"/>
-                        </a:spcBef>
-                        <a:spcAft>
-                          <a:spcPts val="300"/>
-                        </a:spcAft>
-                        <a:buNone/>
-                      </a:pPr>
-                      <a:r>
-                        <a:rPr cap="none" sz="1400" i="0" b="1" u="none">
-                          <a:solidFill>
-                            <a:srgbClr val="FFFFFF">
+                      <a:pPr algn="l" marL="127000" marR="63500">
+                        <a:lnSpc>
+                          <a:spcPct val="100000"/>
+                        </a:lnSpc>
+                        <a:spcBef>
+                          <a:spcPts val="300"/>
+                        </a:spcBef>
+                        <a:spcAft>
+                          <a:spcPts val="300"/>
+                        </a:spcAft>
+                        <a:buNone/>
+                      </a:pPr>
+                      <a:r>
+                        <a:rPr cap="none" sz="1200" i="0" b="0" u="none">
+                          <a:solidFill>
+                            <a:srgbClr val="000000">
                               <a:alpha val="100000"/>
                             </a:srgbClr>
                           </a:solidFill>
@@ -6574,7 +7335,7 @@
                           <a:ea typeface="arial"/>
                           <a:sym typeface="arial"/>
                         </a:rPr>
-                        <a:t>(N=134)</a:t>
+                        <a:t>   MedDRA Preferred Term N (%)</a:t>
                       </a:r>
                     </a:p>
                   </a:txBody>
@@ -6596,7 +7357,7 @@
                       <a:prstDash val="solid"/>
                     </a:lnB>
                     <a:solidFill>
-                      <a:srgbClr val="ED4A0D">
+                      <a:srgbClr val="FF7D29">
                         <a:alpha val="100000"/>
                       </a:srgbClr>
                     </a:solidFill>
@@ -6620,9 +7381,9 @@
                         <a:buNone/>
                       </a:pPr>
                       <a:r>
-                        <a:rPr cap="none" sz="1400" i="0" b="1" u="none">
-                          <a:solidFill>
-                            <a:srgbClr val="FFFFFF">
+                        <a:rPr cap="none" sz="1200" i="0" b="0" u="none">
+                          <a:solidFill>
+                            <a:srgbClr val="000000">
                               <a:alpha val="100000"/>
                             </a:srgbClr>
                           </a:solidFill>
@@ -6631,7 +7392,7 @@
                           <a:ea typeface="arial"/>
                           <a:sym typeface="arial"/>
                         </a:rPr>
-                        <a:t>(N=134)</a:t>
+                        <a:t>A: Drug X</a:t>
                       </a:r>
                     </a:p>
                   </a:txBody>
@@ -6653,7 +7414,7 @@
                       <a:prstDash val="solid"/>
                     </a:lnB>
                     <a:solidFill>
-                      <a:srgbClr val="ED4A0D">
+                      <a:srgbClr val="FF7D29">
                         <a:alpha val="100000"/>
                       </a:srgbClr>
                     </a:solidFill>
@@ -6677,9 +7438,9 @@
                         <a:buNone/>
                       </a:pPr>
                       <a:r>
-                        <a:rPr cap="none" sz="1400" i="0" b="1" u="none">
-                          <a:solidFill>
-                            <a:srgbClr val="FFFFFF">
+                        <a:rPr cap="none" sz="1200" i="0" b="0" u="none">
+                          <a:solidFill>
+                            <a:srgbClr val="000000">
                               <a:alpha val="100000"/>
                             </a:srgbClr>
                           </a:solidFill>
@@ -6688,7 +7449,7 @@
                           <a:ea typeface="arial"/>
                           <a:sym typeface="arial"/>
                         </a:rPr>
-                        <a:t>(N=268)</a:t>
+                        <a:t>B: Placebo</a:t>
                       </a:r>
                     </a:p>
                   </a:txBody>
@@ -6710,20 +7471,18 @@
                       <a:prstDash val="solid"/>
                     </a:lnB>
                     <a:solidFill>
-                      <a:srgbClr val="ED4A0D">
+                      <a:srgbClr val="FF7D29">
                         <a:alpha val="100000"/>
                       </a:srgbClr>
                     </a:solidFill>
                   </a:tcPr>
                 </a:tc>
-              </a:tr>
-              <a:tr h="213519">
                 <a:tc>
                   <a:txBody>
                     <a:bodyPr/>
                     <a:lstStyle/>
                     <a:p>
-                      <a:pPr algn="l" marL="127000" marR="63500">
+                      <a:pPr algn="ctr" marL="63500" marR="63500">
                         <a:lnSpc>
                           <a:spcPct val="100000"/>
                         </a:lnSpc>
@@ -6747,6 +7506,122 @@
                           <a:ea typeface="arial"/>
                           <a:sym typeface="arial"/>
                         </a:rPr>
+                        <a:t>All Patients</a:t>
+                      </a:r>
+                    </a:p>
+                  </a:txBody>
+                  <a:tcPr anchor="ctr" marB="38100" marT="38100" marR="0" marL="0">
+                    <a:lnL algn="ctr" cmpd="sng" cap="flat" w="0">
+                      <a:noFill/>
+                      <a:prstDash val="solid"/>
+                    </a:lnL>
+                    <a:lnR algn="ctr" cmpd="sng" cap="flat" w="0">
+                      <a:noFill/>
+                      <a:prstDash val="solid"/>
+                    </a:lnR>
+                    <a:lnT algn="ctr" cmpd="sng" cap="flat" w="0">
+                      <a:noFill/>
+                      <a:prstDash val="solid"/>
+                    </a:lnT>
+                    <a:lnB algn="ctr" cmpd="sng" cap="flat" w="0">
+                      <a:noFill/>
+                      <a:prstDash val="solid"/>
+                    </a:lnB>
+                    <a:solidFill>
+                      <a:srgbClr val="FF7D29">
+                        <a:alpha val="100000"/>
+                      </a:srgbClr>
+                    </a:solidFill>
+                  </a:tcPr>
+                </a:tc>
+                <a:tc>
+                  <a:txBody>
+                    <a:bodyPr/>
+                    <a:lstStyle/>
+                    <a:p>
+                      <a:pPr algn="ctr" marL="63500" marR="63500">
+                        <a:lnSpc>
+                          <a:spcPct val="100000"/>
+                        </a:lnSpc>
+                        <a:spcBef>
+                          <a:spcPts val="300"/>
+                        </a:spcBef>
+                        <a:spcAft>
+                          <a:spcPts val="300"/>
+                        </a:spcAft>
+                        <a:buNone/>
+                      </a:pPr>
+                      <a:r>
+                        <a:rPr cap="none" sz="1200" i="0" b="0" u="none">
+                          <a:solidFill>
+                            <a:srgbClr val="000000">
+                              <a:alpha val="100000"/>
+                            </a:srgbClr>
+                          </a:solidFill>
+                          <a:latin typeface="arial"/>
+                          <a:cs typeface="arial"/>
+                          <a:ea typeface="arial"/>
+                          <a:sym typeface="arial"/>
+                        </a:rPr>
+                        <a:t>All Patients</a:t>
+                      </a:r>
+                    </a:p>
+                  </a:txBody>
+                  <a:tcPr anchor="ctr" marB="38100" marT="38100" marR="0" marL="0">
+                    <a:lnL algn="ctr" cmpd="sng" cap="flat" w="0">
+                      <a:noFill/>
+                      <a:prstDash val="solid"/>
+                    </a:lnL>
+                    <a:lnR algn="ctr" cmpd="sng" cap="flat" w="0">
+                      <a:noFill/>
+                      <a:prstDash val="solid"/>
+                    </a:lnR>
+                    <a:lnT algn="ctr" cmpd="sng" cap="flat" w="0">
+                      <a:noFill/>
+                      <a:prstDash val="solid"/>
+                    </a:lnT>
+                    <a:lnB algn="ctr" cmpd="sng" cap="flat" w="0">
+                      <a:noFill/>
+                      <a:prstDash val="solid"/>
+                    </a:lnB>
+                    <a:solidFill>
+                      <a:srgbClr val="FF7D29">
+                        <a:alpha val="100000"/>
+                      </a:srgbClr>
+                    </a:solidFill>
+                  </a:tcPr>
+                </a:tc>
+              </a:tr>
+              <a:tr h="213519">
+                <a:tc>
+                  <a:txBody>
+                    <a:bodyPr/>
+                    <a:lstStyle/>
+                    <a:p>
+                      <a:pPr algn="l" marL="127000" marR="63500">
+                        <a:lnSpc>
+                          <a:spcPct val="100000"/>
+                        </a:lnSpc>
+                        <a:spcBef>
+                          <a:spcPts val="300"/>
+                        </a:spcBef>
+                        <a:spcAft>
+                          <a:spcPts val="300"/>
+                        </a:spcAft>
+                        <a:buNone/>
+                      </a:pPr>
+                      <a:r>
+                        <a:rPr cap="none" sz="1200" i="0" b="0" u="none">
+                          <a:solidFill>
+                            <a:srgbClr val="000000">
+                              <a:alpha val="100000"/>
+                            </a:srgbClr>
+                          </a:solidFill>
+                          <a:latin typeface="arial"/>
+                          <a:cs typeface="arial"/>
+                          <a:ea typeface="arial"/>
+                          <a:sym typeface="arial"/>
+                        </a:rPr>
                         <a:t>cl C.1</a:t>
                       </a:r>
                     </a:p>
@@ -6769,7 +7644,7 @@
                       <a:prstDash val="solid"/>
                     </a:lnB>
                     <a:solidFill>
-                      <a:srgbClr val="FF7D29">
+                      <a:srgbClr val="FFBD69">
                         <a:alpha val="100000"/>
                       </a:srgbClr>
                     </a:solidFill>
@@ -6837,7 +7712,7 @@
                       <a:prstDash val="solid"/>
                     </a:lnB>
                     <a:solidFill>
-                      <a:srgbClr val="FF7D29">
+                      <a:srgbClr val="FFBD69">
                         <a:alpha val="100000"/>
                       </a:srgbClr>
                     </a:solidFill>
@@ -6905,7 +7780,7 @@
                       <a:prstDash val="solid"/>
                     </a:lnB>
                     <a:solidFill>
-                      <a:srgbClr val="FF7D29">
+                      <a:srgbClr val="FFBD69">
                         <a:alpha val="100000"/>
                       </a:srgbClr>
                     </a:solidFill>
@@ -6973,296 +7848,7 @@
                       <a:prstDash val="solid"/>
                     </a:lnB>
                     <a:solidFill>
-                      <a:srgbClr val="FF7D29">
-                        <a:alpha val="100000"/>
-                      </a:srgbClr>
-                    </a:solidFill>
-                  </a:tcPr>
-                </a:tc>
-              </a:tr>
-              <a:tr h="243582">
-                <a:tc>
-                  <a:txBody>
-                    <a:bodyPr/>
-                    <a:lstStyle/>
-                    <a:p>
-                      <a:pPr algn="l" marL="127000" marR="63500">
-                        <a:lnSpc>
-                          <a:spcPct val="100000"/>
-                        </a:lnSpc>
-                        <a:spcBef>
-                          <a:spcPts val="300"/>
-                        </a:spcBef>
-                        <a:spcAft>
-                          <a:spcPts val="300"/>
-                        </a:spcAft>
-                        <a:buNone/>
-                      </a:pPr>
-                      <a:r>
-                        <a:rPr cap="none" sz="1200" i="0" b="0" u="none">
-                          <a:solidFill>
-                            <a:srgbClr val="000000">
-                              <a:alpha val="100000"/>
-                            </a:srgbClr>
-                          </a:solidFill>
-                          <a:latin typeface="arial"/>
-                          <a:cs typeface="arial"/>
-                          <a:ea typeface="arial"/>
-                          <a:sym typeface="arial"/>
-                        </a:rPr>
-                        <a:t>dcd C.1.1.1.3</a:t>
-                      </a:r>
-                    </a:p>
-                  </a:txBody>
-                  <a:tcPr anchor="ctr" marB="38100" marT="38100" marR="0" marL="0">
-                    <a:lnL algn="ctr" cmpd="sng" cap="flat" w="0">
-                      <a:noFill/>
-                      <a:prstDash val="solid"/>
-                    </a:lnL>
-                    <a:lnR algn="ctr" cmpd="sng" cap="flat" w="0">
-                      <a:noFill/>
-                      <a:prstDash val="solid"/>
-                    </a:lnR>
-                    <a:lnT algn="ctr" cmpd="sng" cap="flat" w="0">
-                      <a:noFill/>
-                      <a:prstDash val="solid"/>
-                    </a:lnT>
-                    <a:lnB algn="ctr" cmpd="sng" cap="flat" w="0">
-                      <a:noFill/>
-                      <a:prstDash val="solid"/>
-                    </a:lnB>
-                    <a:solidFill>
                       <a:srgbClr val="FFBD69">
-                        <a:alpha val="100000"/>
-                      </a:srgbClr>
-                    </a:solidFill>
-                  </a:tcPr>
-                </a:tc>
-                <a:tc>
-                  <a:txBody>
-                    <a:bodyPr/>
-                    <a:lstStyle/>
-                    <a:p>
-                      <a:pPr algn="ctr" marL="63500" marR="63500">
-                        <a:lnSpc>
-                          <a:spcPct val="100000"/>
-                        </a:lnSpc>
-                        <a:spcBef>
-                          <a:spcPts val="300"/>
-                        </a:spcBef>
-                        <a:spcAft>
-                          <a:spcPts val="300"/>
-                        </a:spcAft>
-                        <a:buNone/>
-                      </a:pPr>
-                      <a:r>
-                        <a:rPr cap="none" sz="1200" i="0" b="0" u="none">
-                          <a:solidFill>
-                            <a:srgbClr val="000000">
-                              <a:alpha val="100000"/>
-                            </a:srgbClr>
-                          </a:solidFill>
-                          <a:latin typeface="arial"/>
-                          <a:cs typeface="arial"/>
-                          <a:ea typeface="arial"/>
-                          <a:sym typeface="arial"/>
-                        </a:rPr>
-                        <a:t>36 (26.9%)</a:t>
-                      </a:r>
-                    </a:p>
-                  </a:txBody>
-                  <a:tcPr anchor="ctr" marB="38100" marT="38100" marR="0" marL="0">
-                    <a:lnL algn="ctr" cmpd="sng" cap="flat" w="0">
-                      <a:noFill/>
-                      <a:prstDash val="solid"/>
-                    </a:lnL>
-                    <a:lnR algn="ctr" cmpd="sng" cap="flat" w="0">
-                      <a:noFill/>
-                      <a:prstDash val="solid"/>
-                    </a:lnR>
-                    <a:lnT algn="ctr" cmpd="sng" cap="flat" w="0">
-                      <a:noFill/>
-                      <a:prstDash val="solid"/>
-                    </a:lnT>
-                    <a:lnB algn="ctr" cmpd="sng" cap="flat" w="0">
-                      <a:noFill/>
-                      <a:prstDash val="solid"/>
-                    </a:lnB>
-                    <a:solidFill>
-                      <a:srgbClr val="FFBD69">
-                        <a:alpha val="100000"/>
-                      </a:srgbClr>
-                    </a:solidFill>
-                  </a:tcPr>
-                </a:tc>
-                <a:tc>
-                  <a:txBody>
-                    <a:bodyPr/>
-                    <a:lstStyle/>
-                    <a:p>
-                      <a:pPr algn="ctr" marL="63500" marR="63500">
-                        <a:lnSpc>
-                          <a:spcPct val="100000"/>
-                        </a:lnSpc>
-                        <a:spcBef>
-                          <a:spcPts val="300"/>
-                        </a:spcBef>
-                        <a:spcAft>
-                          <a:spcPts val="300"/>
-                        </a:spcAft>
-                        <a:buNone/>
-                      </a:pPr>
-                      <a:r>
-                        <a:rPr cap="none" sz="1200" i="0" b="0" u="none">
-                          <a:solidFill>
-                            <a:srgbClr val="000000">
-                              <a:alpha val="100000"/>
-                            </a:srgbClr>
-                          </a:solidFill>
-                          <a:latin typeface="arial"/>
-                          <a:cs typeface="arial"/>
-                          <a:ea typeface="arial"/>
-                          <a:sym typeface="arial"/>
-                        </a:rPr>
-                        <a:t>34 (25.4%)</a:t>
-                      </a:r>
-                    </a:p>
-                  </a:txBody>
-                  <a:tcPr anchor="ctr" marB="38100" marT="38100" marR="0" marL="0">
-                    <a:lnL algn="ctr" cmpd="sng" cap="flat" w="0">
-                      <a:noFill/>
-                      <a:prstDash val="solid"/>
-                    </a:lnL>
-                    <a:lnR algn="ctr" cmpd="sng" cap="flat" w="0">
-                      <a:noFill/>
-                      <a:prstDash val="solid"/>
-                    </a:lnR>
-                    <a:lnT algn="ctr" cmpd="sng" cap="flat" w="0">
-                      <a:noFill/>
-                      <a:prstDash val="solid"/>
-                    </a:lnT>
-                    <a:lnB algn="ctr" cmpd="sng" cap="flat" w="0">
-                      <a:noFill/>
-                      <a:prstDash val="solid"/>
-                    </a:lnB>
-                    <a:solidFill>
-                      <a:srgbClr val="FFBD69">
-                        <a:alpha val="100000"/>
-                      </a:srgbClr>
-                    </a:solidFill>
-                  </a:tcPr>
-                </a:tc>
-                <a:tc>
-                  <a:txBody>
-                    <a:bodyPr/>
-                    <a:lstStyle/>
-                    <a:p>
-                      <a:pPr algn="ctr" marL="63500" marR="63500">
-                        <a:lnSpc>
-                          <a:spcPct val="100000"/>
-                        </a:lnSpc>
-                        <a:spcBef>
-                          <a:spcPts val="300"/>
-                        </a:spcBef>
-                        <a:spcAft>
-                          <a:spcPts val="300"/>
-                        </a:spcAft>
-                        <a:buNone/>
-                      </a:pPr>
-                      <a:r>
-                        <a:rPr cap="none" sz="1200" i="0" b="0" u="none">
-                          <a:solidFill>
-                            <a:srgbClr val="000000">
-                              <a:alpha val="100000"/>
-                            </a:srgbClr>
-                          </a:solidFill>
-                          <a:latin typeface="arial"/>
-                          <a:cs typeface="arial"/>
-                          <a:ea typeface="arial"/>
-                          <a:sym typeface="arial"/>
-                        </a:rPr>
-                        <a:t>70 (26.1%)</a:t>
-                      </a:r>
-                    </a:p>
-                  </a:txBody>
-                  <a:tcPr anchor="ctr" marB="38100" marT="38100" marR="0" marL="0">
-                    <a:lnL algn="ctr" cmpd="sng" cap="flat" w="0">
-                      <a:noFill/>
-                      <a:prstDash val="solid"/>
-                    </a:lnL>
-                    <a:lnR algn="ctr" cmpd="sng" cap="flat" w="0">
-                      <a:noFill/>
-                      <a:prstDash val="solid"/>
-                    </a:lnR>
-                    <a:lnT algn="ctr" cmpd="sng" cap="flat" w="0">
-                      <a:noFill/>
-                      <a:prstDash val="solid"/>
-                    </a:lnT>
-                    <a:lnB algn="ctr" cmpd="sng" cap="flat" w="0">
-                      <a:noFill/>
-                      <a:prstDash val="solid"/>
-                    </a:lnB>
-                    <a:solidFill>
-                      <a:srgbClr val="FFBD69">
-                        <a:alpha val="100000"/>
-                      </a:srgbClr>
-                    </a:solidFill>
-                  </a:tcPr>
-                </a:tc>
-              </a:tr>
-              <a:tr h="213519">
-                <a:tc>
-                  <a:txBody>
-                    <a:bodyPr/>
-                    <a:lstStyle/>
-                    <a:p>
-                      <a:pPr algn="l" marL="127000" marR="63500">
-                        <a:lnSpc>
-                          <a:spcPct val="100000"/>
-                        </a:lnSpc>
-                        <a:spcBef>
-                          <a:spcPts val="300"/>
-                        </a:spcBef>
-                        <a:spcAft>
-                          <a:spcPts val="300"/>
-                        </a:spcAft>
-                        <a:buNone/>
-                      </a:pPr>
-                      <a:r>
-                        <a:rPr cap="none" sz="1200" i="0" b="0" u="none">
-                          <a:solidFill>
-                            <a:srgbClr val="000000">
-                              <a:alpha val="100000"/>
-                            </a:srgbClr>
-                          </a:solidFill>
-                          <a:latin typeface="arial"/>
-                          <a:cs typeface="arial"/>
-                          <a:ea typeface="arial"/>
-                          <a:sym typeface="arial"/>
-                        </a:rPr>
-                        <a:t>cl D.1</a:t>
-                      </a:r>
-                    </a:p>
-                  </a:txBody>
-                  <a:tcPr anchor="ctr" marB="38100" marT="38100" marR="0" marL="0">
-                    <a:lnL algn="ctr" cmpd="sng" cap="flat" w="0">
-                      <a:noFill/>
-                      <a:prstDash val="solid"/>
-                    </a:lnL>
-                    <a:lnR algn="ctr" cmpd="sng" cap="flat" w="0">
-                      <a:noFill/>
-                      <a:prstDash val="solid"/>
-                    </a:lnR>
-                    <a:lnT algn="ctr" cmpd="sng" cap="flat" w="0">
-                      <a:noFill/>
-                      <a:prstDash val="solid"/>
-                    </a:lnT>
-                    <a:lnB algn="ctr" cmpd="sng" cap="flat" w="0">
-                      <a:noFill/>
-                      <a:prstDash val="solid"/>
-                    </a:lnB>
-                    <a:solidFill>
-                      <a:srgbClr val="FF7D29">
                         <a:alpha val="100000"/>
                       </a:srgbClr>
                     </a:solidFill>
@@ -7330,7 +7916,353 @@
                       <a:prstDash val="solid"/>
                     </a:lnB>
                     <a:solidFill>
+                      <a:srgbClr val="FFBD69">
+                        <a:alpha val="100000"/>
+                      </a:srgbClr>
+                    </a:solidFill>
+                  </a:tcPr>
+                </a:tc>
+              </a:tr>
+              <a:tr h="243582">
+                <a:tc>
+                  <a:txBody>
+                    <a:bodyPr/>
+                    <a:lstStyle/>
+                    <a:p>
+                      <a:pPr algn="l" marL="127000" marR="63500">
+                        <a:lnSpc>
+                          <a:spcPct val="100000"/>
+                        </a:lnSpc>
+                        <a:spcBef>
+                          <a:spcPts val="300"/>
+                        </a:spcBef>
+                        <a:spcAft>
+                          <a:spcPts val="300"/>
+                        </a:spcAft>
+                        <a:buNone/>
+                      </a:pPr>
+                      <a:r>
+                        <a:rPr cap="none" sz="1200" i="0" b="0" u="none">
+                          <a:solidFill>
+                            <a:srgbClr val="000000">
+                              <a:alpha val="100000"/>
+                            </a:srgbClr>
+                          </a:solidFill>
+                          <a:latin typeface="arial"/>
+                          <a:cs typeface="arial"/>
+                          <a:ea typeface="arial"/>
+                          <a:sym typeface="arial"/>
+                        </a:rPr>
+                        <a:t>dcd C.1.1.1.3</a:t>
+                      </a:r>
+                    </a:p>
+                  </a:txBody>
+                  <a:tcPr anchor="ctr" marB="38100" marT="38100" marR="0" marL="0">
+                    <a:lnL algn="ctr" cmpd="sng" cap="flat" w="0">
+                      <a:noFill/>
+                      <a:prstDash val="solid"/>
+                    </a:lnL>
+                    <a:lnR algn="ctr" cmpd="sng" cap="flat" w="0">
+                      <a:noFill/>
+                      <a:prstDash val="solid"/>
+                    </a:lnR>
+                    <a:lnT algn="ctr" cmpd="sng" cap="flat" w="0">
+                      <a:noFill/>
+                      <a:prstDash val="solid"/>
+                    </a:lnT>
+                    <a:lnB algn="ctr" cmpd="sng" cap="flat" w="0">
+                      <a:noFill/>
+                      <a:prstDash val="solid"/>
+                    </a:lnB>
+                    <a:solidFill>
                       <a:srgbClr val="FF7D29">
+                        <a:alpha val="100000"/>
+                      </a:srgbClr>
+                    </a:solidFill>
+                  </a:tcPr>
+                </a:tc>
+                <a:tc>
+                  <a:txBody>
+                    <a:bodyPr/>
+                    <a:lstStyle/>
+                    <a:p>
+                      <a:pPr algn="ctr" marL="63500" marR="63500">
+                        <a:lnSpc>
+                          <a:spcPct val="100000"/>
+                        </a:lnSpc>
+                        <a:spcBef>
+                          <a:spcPts val="300"/>
+                        </a:spcBef>
+                        <a:spcAft>
+                          <a:spcPts val="300"/>
+                        </a:spcAft>
+                        <a:buNone/>
+                      </a:pPr>
+                      <a:r>
+                        <a:rPr cap="none" sz="1200" i="0" b="0" u="none">
+                          <a:solidFill>
+                            <a:srgbClr val="000000">
+                              <a:alpha val="100000"/>
+                            </a:srgbClr>
+                          </a:solidFill>
+                          <a:latin typeface="arial"/>
+                          <a:cs typeface="arial"/>
+                          <a:ea typeface="arial"/>
+                          <a:sym typeface="arial"/>
+                        </a:rPr>
+                        <a:t>36 (26.9%)</a:t>
+                      </a:r>
+                    </a:p>
+                  </a:txBody>
+                  <a:tcPr anchor="ctr" marB="38100" marT="38100" marR="0" marL="0">
+                    <a:lnL algn="ctr" cmpd="sng" cap="flat" w="0">
+                      <a:noFill/>
+                      <a:prstDash val="solid"/>
+                    </a:lnL>
+                    <a:lnR algn="ctr" cmpd="sng" cap="flat" w="0">
+                      <a:noFill/>
+                      <a:prstDash val="solid"/>
+                    </a:lnR>
+                    <a:lnT algn="ctr" cmpd="sng" cap="flat" w="0">
+                      <a:noFill/>
+                      <a:prstDash val="solid"/>
+                    </a:lnT>
+                    <a:lnB algn="ctr" cmpd="sng" cap="flat" w="0">
+                      <a:noFill/>
+                      <a:prstDash val="solid"/>
+                    </a:lnB>
+                    <a:solidFill>
+                      <a:srgbClr val="FF7D29">
+                        <a:alpha val="100000"/>
+                      </a:srgbClr>
+                    </a:solidFill>
+                  </a:tcPr>
+                </a:tc>
+                <a:tc>
+                  <a:txBody>
+                    <a:bodyPr/>
+                    <a:lstStyle/>
+                    <a:p>
+                      <a:pPr algn="ctr" marL="63500" marR="63500">
+                        <a:lnSpc>
+                          <a:spcPct val="100000"/>
+                        </a:lnSpc>
+                        <a:spcBef>
+                          <a:spcPts val="300"/>
+                        </a:spcBef>
+                        <a:spcAft>
+                          <a:spcPts val="300"/>
+                        </a:spcAft>
+                        <a:buNone/>
+                      </a:pPr>
+                      <a:r>
+                        <a:rPr cap="none" sz="1200" i="0" b="0" u="none">
+                          <a:solidFill>
+                            <a:srgbClr val="000000">
+                              <a:alpha val="100000"/>
+                            </a:srgbClr>
+                          </a:solidFill>
+                          <a:latin typeface="arial"/>
+                          <a:cs typeface="arial"/>
+                          <a:ea typeface="arial"/>
+                          <a:sym typeface="arial"/>
+                        </a:rPr>
+                        <a:t>34 (25.4%)</a:t>
+                      </a:r>
+                    </a:p>
+                  </a:txBody>
+                  <a:tcPr anchor="ctr" marB="38100" marT="38100" marR="0" marL="0">
+                    <a:lnL algn="ctr" cmpd="sng" cap="flat" w="0">
+                      <a:noFill/>
+                      <a:prstDash val="solid"/>
+                    </a:lnL>
+                    <a:lnR algn="ctr" cmpd="sng" cap="flat" w="0">
+                      <a:noFill/>
+                      <a:prstDash val="solid"/>
+                    </a:lnR>
+                    <a:lnT algn="ctr" cmpd="sng" cap="flat" w="0">
+                      <a:noFill/>
+                      <a:prstDash val="solid"/>
+                    </a:lnT>
+                    <a:lnB algn="ctr" cmpd="sng" cap="flat" w="0">
+                      <a:noFill/>
+                      <a:prstDash val="solid"/>
+                    </a:lnB>
+                    <a:solidFill>
+                      <a:srgbClr val="FF7D29">
+                        <a:alpha val="100000"/>
+                      </a:srgbClr>
+                    </a:solidFill>
+                  </a:tcPr>
+                </a:tc>
+                <a:tc>
+                  <a:txBody>
+                    <a:bodyPr/>
+                    <a:lstStyle/>
+                    <a:p>
+                      <a:pPr algn="ctr" marL="63500" marR="63500">
+                        <a:lnSpc>
+                          <a:spcPct val="100000"/>
+                        </a:lnSpc>
+                        <a:spcBef>
+                          <a:spcPts val="300"/>
+                        </a:spcBef>
+                        <a:spcAft>
+                          <a:spcPts val="300"/>
+                        </a:spcAft>
+                        <a:buNone/>
+                      </a:pPr>
+                      <a:r>
+                        <a:rPr cap="none" sz="1200" i="0" b="0" u="none">
+                          <a:solidFill>
+                            <a:srgbClr val="000000">
+                              <a:alpha val="100000"/>
+                            </a:srgbClr>
+                          </a:solidFill>
+                          <a:latin typeface="arial"/>
+                          <a:cs typeface="arial"/>
+                          <a:ea typeface="arial"/>
+                          <a:sym typeface="arial"/>
+                        </a:rPr>
+                        <a:t>70 (26.1%)</a:t>
+                      </a:r>
+                    </a:p>
+                  </a:txBody>
+                  <a:tcPr anchor="ctr" marB="38100" marT="38100" marR="0" marL="0">
+                    <a:lnL algn="ctr" cmpd="sng" cap="flat" w="0">
+                      <a:noFill/>
+                      <a:prstDash val="solid"/>
+                    </a:lnL>
+                    <a:lnR algn="ctr" cmpd="sng" cap="flat" w="0">
+                      <a:noFill/>
+                      <a:prstDash val="solid"/>
+                    </a:lnR>
+                    <a:lnT algn="ctr" cmpd="sng" cap="flat" w="0">
+                      <a:noFill/>
+                      <a:prstDash val="solid"/>
+                    </a:lnT>
+                    <a:lnB algn="ctr" cmpd="sng" cap="flat" w="0">
+                      <a:noFill/>
+                      <a:prstDash val="solid"/>
+                    </a:lnB>
+                    <a:solidFill>
+                      <a:srgbClr val="FF7D29">
+                        <a:alpha val="100000"/>
+                      </a:srgbClr>
+                    </a:solidFill>
+                  </a:tcPr>
+                </a:tc>
+                <a:tc>
+                  <a:txBody>
+                    <a:bodyPr/>
+                    <a:lstStyle/>
+                    <a:p>
+                      <a:pPr algn="ctr" marL="63500" marR="63500">
+                        <a:lnSpc>
+                          <a:spcPct val="100000"/>
+                        </a:lnSpc>
+                        <a:spcBef>
+                          <a:spcPts val="300"/>
+                        </a:spcBef>
+                        <a:spcAft>
+                          <a:spcPts val="300"/>
+                        </a:spcAft>
+                        <a:buNone/>
+                      </a:pPr>
+                      <a:r>
+                        <a:rPr cap="none" sz="1200" i="0" b="0" u="none">
+                          <a:solidFill>
+                            <a:srgbClr val="000000">
+                              <a:alpha val="100000"/>
+                            </a:srgbClr>
+                          </a:solidFill>
+                          <a:latin typeface="arial"/>
+                          <a:cs typeface="arial"/>
+                          <a:ea typeface="arial"/>
+                          <a:sym typeface="arial"/>
+                        </a:rPr>
+                        <a:t>106 (26.5%)</a:t>
+                      </a:r>
+                    </a:p>
+                  </a:txBody>
+                  <a:tcPr anchor="ctr" marB="38100" marT="38100" marR="0" marL="0">
+                    <a:lnL algn="ctr" cmpd="sng" cap="flat" w="0">
+                      <a:noFill/>
+                      <a:prstDash val="solid"/>
+                    </a:lnL>
+                    <a:lnR algn="ctr" cmpd="sng" cap="flat" w="0">
+                      <a:noFill/>
+                      <a:prstDash val="solid"/>
+                    </a:lnR>
+                    <a:lnT algn="ctr" cmpd="sng" cap="flat" w="0">
+                      <a:noFill/>
+                      <a:prstDash val="solid"/>
+                    </a:lnT>
+                    <a:lnB algn="ctr" cmpd="sng" cap="flat" w="0">
+                      <a:noFill/>
+                      <a:prstDash val="solid"/>
+                    </a:lnB>
+                    <a:solidFill>
+                      <a:srgbClr val="FF7D29">
+                        <a:alpha val="100000"/>
+                      </a:srgbClr>
+                    </a:solidFill>
+                  </a:tcPr>
+                </a:tc>
+              </a:tr>
+              <a:tr h="213519">
+                <a:tc>
+                  <a:txBody>
+                    <a:bodyPr/>
+                    <a:lstStyle/>
+                    <a:p>
+                      <a:pPr algn="l" marL="127000" marR="63500">
+                        <a:lnSpc>
+                          <a:spcPct val="100000"/>
+                        </a:lnSpc>
+                        <a:spcBef>
+                          <a:spcPts val="300"/>
+                        </a:spcBef>
+                        <a:spcAft>
+                          <a:spcPts val="300"/>
+                        </a:spcAft>
+                        <a:buNone/>
+                      </a:pPr>
+                      <a:r>
+                        <a:rPr cap="none" sz="1200" i="0" b="0" u="none">
+                          <a:solidFill>
+                            <a:srgbClr val="000000">
+                              <a:alpha val="100000"/>
+                            </a:srgbClr>
+                          </a:solidFill>
+                          <a:latin typeface="arial"/>
+                          <a:cs typeface="arial"/>
+                          <a:ea typeface="arial"/>
+                          <a:sym typeface="arial"/>
+                        </a:rPr>
+                        <a:t>cl C.2</a:t>
+                      </a:r>
+                    </a:p>
+                  </a:txBody>
+                  <a:tcPr anchor="ctr" marB="38100" marT="38100" marR="0" marL="0">
+                    <a:lnL algn="ctr" cmpd="sng" cap="flat" w="0">
+                      <a:noFill/>
+                      <a:prstDash val="solid"/>
+                    </a:lnL>
+                    <a:lnR algn="ctr" cmpd="sng" cap="flat" w="0">
+                      <a:noFill/>
+                      <a:prstDash val="solid"/>
+                    </a:lnR>
+                    <a:lnT algn="ctr" cmpd="sng" cap="flat" w="0">
+                      <a:noFill/>
+                      <a:prstDash val="solid"/>
+                    </a:lnT>
+                    <a:lnB algn="ctr" cmpd="sng" cap="flat" w="0">
+                      <a:noFill/>
+                      <a:prstDash val="solid"/>
+                    </a:lnB>
+                    <a:solidFill>
+                      <a:srgbClr val="FFBD69">
                         <a:alpha val="100000"/>
                       </a:srgbClr>
                     </a:solidFill>
@@ -7398,7 +8330,7 @@
                       <a:prstDash val="solid"/>
                     </a:lnB>
                     <a:solidFill>
-                      <a:srgbClr val="FF7D29">
+                      <a:srgbClr val="FFBD69">
                         <a:alpha val="100000"/>
                       </a:srgbClr>
                     </a:solidFill>
@@ -7466,525 +8398,6 @@
                       <a:prstDash val="solid"/>
                     </a:lnB>
                     <a:solidFill>
-                      <a:srgbClr val="FF7D29">
-                        <a:alpha val="100000"/>
-                      </a:srgbClr>
-                    </a:solidFill>
-                  </a:tcPr>
-                </a:tc>
-              </a:tr>
-              <a:tr h="243582">
-                <a:tc>
-                  <a:txBody>
-                    <a:bodyPr/>
-                    <a:lstStyle/>
-                    <a:p>
-                      <a:pPr algn="l" marL="127000" marR="63500">
-                        <a:lnSpc>
-                          <a:spcPct val="100000"/>
-                        </a:lnSpc>
-                        <a:spcBef>
-                          <a:spcPts val="300"/>
-                        </a:spcBef>
-                        <a:spcAft>
-                          <a:spcPts val="300"/>
-                        </a:spcAft>
-                        <a:buNone/>
-                      </a:pPr>
-                      <a:r>
-                        <a:rPr cap="none" sz="1200" i="0" b="0" u="none">
-                          <a:solidFill>
-                            <a:srgbClr val="000000">
-                              <a:alpha val="100000"/>
-                            </a:srgbClr>
-                          </a:solidFill>
-                          <a:latin typeface="arial"/>
-                          <a:cs typeface="arial"/>
-                          <a:ea typeface="arial"/>
-                          <a:sym typeface="arial"/>
-                        </a:rPr>
-                        <a:t>dcd D.1.1.1.1</a:t>
-                      </a:r>
-                    </a:p>
-                  </a:txBody>
-                  <a:tcPr anchor="ctr" marB="38100" marT="38100" marR="0" marL="0">
-                    <a:lnL algn="ctr" cmpd="sng" cap="flat" w="0">
-                      <a:noFill/>
-                      <a:prstDash val="solid"/>
-                    </a:lnL>
-                    <a:lnR algn="ctr" cmpd="sng" cap="flat" w="0">
-                      <a:noFill/>
-                      <a:prstDash val="solid"/>
-                    </a:lnR>
-                    <a:lnT algn="ctr" cmpd="sng" cap="flat" w="0">
-                      <a:noFill/>
-                      <a:prstDash val="solid"/>
-                    </a:lnT>
-                    <a:lnB algn="ctr" cmpd="sng" cap="flat" w="0">
-                      <a:noFill/>
-                      <a:prstDash val="solid"/>
-                    </a:lnB>
-                    <a:solidFill>
-                      <a:srgbClr val="FFBD69">
-                        <a:alpha val="100000"/>
-                      </a:srgbClr>
-                    </a:solidFill>
-                  </a:tcPr>
-                </a:tc>
-                <a:tc>
-                  <a:txBody>
-                    <a:bodyPr/>
-                    <a:lstStyle/>
-                    <a:p>
-                      <a:pPr algn="ctr" marL="63500" marR="63500">
-                        <a:lnSpc>
-                          <a:spcPct val="100000"/>
-                        </a:lnSpc>
-                        <a:spcBef>
-                          <a:spcPts val="300"/>
-                        </a:spcBef>
-                        <a:spcAft>
-                          <a:spcPts val="300"/>
-                        </a:spcAft>
-                        <a:buNone/>
-                      </a:pPr>
-                      <a:r>
-                        <a:rPr cap="none" sz="1200" i="0" b="0" u="none">
-                          <a:solidFill>
-                            <a:srgbClr val="000000">
-                              <a:alpha val="100000"/>
-                            </a:srgbClr>
-                          </a:solidFill>
-                          <a:latin typeface="arial"/>
-                          <a:cs typeface="arial"/>
-                          <a:ea typeface="arial"/>
-                          <a:sym typeface="arial"/>
-                        </a:rPr>
-                        <a:t>42 (31.3%)</a:t>
-                      </a:r>
-                    </a:p>
-                  </a:txBody>
-                  <a:tcPr anchor="ctr" marB="38100" marT="38100" marR="0" marL="0">
-                    <a:lnL algn="ctr" cmpd="sng" cap="flat" w="0">
-                      <a:noFill/>
-                      <a:prstDash val="solid"/>
-                    </a:lnL>
-                    <a:lnR algn="ctr" cmpd="sng" cap="flat" w="0">
-                      <a:noFill/>
-                      <a:prstDash val="solid"/>
-                    </a:lnR>
-                    <a:lnT algn="ctr" cmpd="sng" cap="flat" w="0">
-                      <a:noFill/>
-                      <a:prstDash val="solid"/>
-                    </a:lnT>
-                    <a:lnB algn="ctr" cmpd="sng" cap="flat" w="0">
-                      <a:noFill/>
-                      <a:prstDash val="solid"/>
-                    </a:lnB>
-                    <a:solidFill>
-                      <a:srgbClr val="FFBD69">
-                        <a:alpha val="100000"/>
-                      </a:srgbClr>
-                    </a:solidFill>
-                  </a:tcPr>
-                </a:tc>
-                <a:tc>
-                  <a:txBody>
-                    <a:bodyPr/>
-                    <a:lstStyle/>
-                    <a:p>
-                      <a:pPr algn="ctr" marL="63500" marR="63500">
-                        <a:lnSpc>
-                          <a:spcPct val="100000"/>
-                        </a:lnSpc>
-                        <a:spcBef>
-                          <a:spcPts val="300"/>
-                        </a:spcBef>
-                        <a:spcAft>
-                          <a:spcPts val="300"/>
-                        </a:spcAft>
-                        <a:buNone/>
-                      </a:pPr>
-                      <a:r>
-                        <a:rPr cap="none" sz="1200" i="0" b="0" u="none">
-                          <a:solidFill>
-                            <a:srgbClr val="000000">
-                              <a:alpha val="100000"/>
-                            </a:srgbClr>
-                          </a:solidFill>
-                          <a:latin typeface="arial"/>
-                          <a:cs typeface="arial"/>
-                          <a:ea typeface="arial"/>
-                          <a:sym typeface="arial"/>
-                        </a:rPr>
-                        <a:t>32 (23.9%)</a:t>
-                      </a:r>
-                    </a:p>
-                  </a:txBody>
-                  <a:tcPr anchor="ctr" marB="38100" marT="38100" marR="0" marL="0">
-                    <a:lnL algn="ctr" cmpd="sng" cap="flat" w="0">
-                      <a:noFill/>
-                      <a:prstDash val="solid"/>
-                    </a:lnL>
-                    <a:lnR algn="ctr" cmpd="sng" cap="flat" w="0">
-                      <a:noFill/>
-                      <a:prstDash val="solid"/>
-                    </a:lnR>
-                    <a:lnT algn="ctr" cmpd="sng" cap="flat" w="0">
-                      <a:noFill/>
-                      <a:prstDash val="solid"/>
-                    </a:lnT>
-                    <a:lnB algn="ctr" cmpd="sng" cap="flat" w="0">
-                      <a:noFill/>
-                      <a:prstDash val="solid"/>
-                    </a:lnB>
-                    <a:solidFill>
-                      <a:srgbClr val="FFBD69">
-                        <a:alpha val="100000"/>
-                      </a:srgbClr>
-                    </a:solidFill>
-                  </a:tcPr>
-                </a:tc>
-                <a:tc>
-                  <a:txBody>
-                    <a:bodyPr/>
-                    <a:lstStyle/>
-                    <a:p>
-                      <a:pPr algn="ctr" marL="63500" marR="63500">
-                        <a:lnSpc>
-                          <a:spcPct val="100000"/>
-                        </a:lnSpc>
-                        <a:spcBef>
-                          <a:spcPts val="300"/>
-                        </a:spcBef>
-                        <a:spcAft>
-                          <a:spcPts val="300"/>
-                        </a:spcAft>
-                        <a:buNone/>
-                      </a:pPr>
-                      <a:r>
-                        <a:rPr cap="none" sz="1200" i="0" b="0" u="none">
-                          <a:solidFill>
-                            <a:srgbClr val="000000">
-                              <a:alpha val="100000"/>
-                            </a:srgbClr>
-                          </a:solidFill>
-                          <a:latin typeface="arial"/>
-                          <a:cs typeface="arial"/>
-                          <a:ea typeface="arial"/>
-                          <a:sym typeface="arial"/>
-                        </a:rPr>
-                        <a:t>74 (27.6%)</a:t>
-                      </a:r>
-                    </a:p>
-                  </a:txBody>
-                  <a:tcPr anchor="ctr" marB="38100" marT="38100" marR="0" marL="0">
-                    <a:lnL algn="ctr" cmpd="sng" cap="flat" w="0">
-                      <a:noFill/>
-                      <a:prstDash val="solid"/>
-                    </a:lnL>
-                    <a:lnR algn="ctr" cmpd="sng" cap="flat" w="0">
-                      <a:noFill/>
-                      <a:prstDash val="solid"/>
-                    </a:lnR>
-                    <a:lnT algn="ctr" cmpd="sng" cap="flat" w="0">
-                      <a:noFill/>
-                      <a:prstDash val="solid"/>
-                    </a:lnT>
-                    <a:lnB algn="ctr" cmpd="sng" cap="flat" w="0">
-                      <a:noFill/>
-                      <a:prstDash val="solid"/>
-                    </a:lnB>
-                    <a:solidFill>
-                      <a:srgbClr val="FFBD69">
-                        <a:alpha val="100000"/>
-                      </a:srgbClr>
-                    </a:solidFill>
-                  </a:tcPr>
-                </a:tc>
-              </a:tr>
-              <a:tr h="243582">
-                <a:tc>
-                  <a:txBody>
-                    <a:bodyPr/>
-                    <a:lstStyle/>
-                    <a:p>
-                      <a:pPr algn="l" marL="127000" marR="63500">
-                        <a:lnSpc>
-                          <a:spcPct val="100000"/>
-                        </a:lnSpc>
-                        <a:spcBef>
-                          <a:spcPts val="300"/>
-                        </a:spcBef>
-                        <a:spcAft>
-                          <a:spcPts val="300"/>
-                        </a:spcAft>
-                        <a:buNone/>
-                      </a:pPr>
-                      <a:r>
-                        <a:rPr cap="none" sz="1200" i="0" b="0" u="none">
-                          <a:solidFill>
-                            <a:srgbClr val="000000">
-                              <a:alpha val="100000"/>
-                            </a:srgbClr>
-                          </a:solidFill>
-                          <a:latin typeface="arial"/>
-                          <a:cs typeface="arial"/>
-                          <a:ea typeface="arial"/>
-                          <a:sym typeface="arial"/>
-                        </a:rPr>
-                        <a:t>dcd D.1.1.4.2</a:t>
-                      </a:r>
-                    </a:p>
-                  </a:txBody>
-                  <a:tcPr anchor="ctr" marB="38100" marT="38100" marR="0" marL="0">
-                    <a:lnL algn="ctr" cmpd="sng" cap="flat" w="0">
-                      <a:noFill/>
-                      <a:prstDash val="solid"/>
-                    </a:lnL>
-                    <a:lnR algn="ctr" cmpd="sng" cap="flat" w="0">
-                      <a:noFill/>
-                      <a:prstDash val="solid"/>
-                    </a:lnR>
-                    <a:lnT algn="ctr" cmpd="sng" cap="flat" w="0">
-                      <a:noFill/>
-                      <a:prstDash val="solid"/>
-                    </a:lnT>
-                    <a:lnB algn="ctr" cmpd="sng" cap="flat" w="0">
-                      <a:noFill/>
-                      <a:prstDash val="solid"/>
-                    </a:lnB>
-                    <a:solidFill>
-                      <a:srgbClr val="FF7D29">
-                        <a:alpha val="100000"/>
-                      </a:srgbClr>
-                    </a:solidFill>
-                  </a:tcPr>
-                </a:tc>
-                <a:tc>
-                  <a:txBody>
-                    <a:bodyPr/>
-                    <a:lstStyle/>
-                    <a:p>
-                      <a:pPr algn="ctr" marL="63500" marR="63500">
-                        <a:lnSpc>
-                          <a:spcPct val="100000"/>
-                        </a:lnSpc>
-                        <a:spcBef>
-                          <a:spcPts val="300"/>
-                        </a:spcBef>
-                        <a:spcAft>
-                          <a:spcPts val="300"/>
-                        </a:spcAft>
-                        <a:buNone/>
-                      </a:pPr>
-                      <a:r>
-                        <a:rPr cap="none" sz="1200" i="0" b="0" u="none">
-                          <a:solidFill>
-                            <a:srgbClr val="000000">
-                              <a:alpha val="100000"/>
-                            </a:srgbClr>
-                          </a:solidFill>
-                          <a:latin typeface="arial"/>
-                          <a:cs typeface="arial"/>
-                          <a:ea typeface="arial"/>
-                          <a:sym typeface="arial"/>
-                        </a:rPr>
-                        <a:t>38 (28.4%)</a:t>
-                      </a:r>
-                    </a:p>
-                  </a:txBody>
-                  <a:tcPr anchor="ctr" marB="38100" marT="38100" marR="0" marL="0">
-                    <a:lnL algn="ctr" cmpd="sng" cap="flat" w="0">
-                      <a:noFill/>
-                      <a:prstDash val="solid"/>
-                    </a:lnL>
-                    <a:lnR algn="ctr" cmpd="sng" cap="flat" w="0">
-                      <a:noFill/>
-                      <a:prstDash val="solid"/>
-                    </a:lnR>
-                    <a:lnT algn="ctr" cmpd="sng" cap="flat" w="0">
-                      <a:noFill/>
-                      <a:prstDash val="solid"/>
-                    </a:lnT>
-                    <a:lnB algn="ctr" cmpd="sng" cap="flat" w="0">
-                      <a:noFill/>
-                      <a:prstDash val="solid"/>
-                    </a:lnB>
-                    <a:solidFill>
-                      <a:srgbClr val="FF7D29">
-                        <a:alpha val="100000"/>
-                      </a:srgbClr>
-                    </a:solidFill>
-                  </a:tcPr>
-                </a:tc>
-                <a:tc>
-                  <a:txBody>
-                    <a:bodyPr/>
-                    <a:lstStyle/>
-                    <a:p>
-                      <a:pPr algn="ctr" marL="63500" marR="63500">
-                        <a:lnSpc>
-                          <a:spcPct val="100000"/>
-                        </a:lnSpc>
-                        <a:spcBef>
-                          <a:spcPts val="300"/>
-                        </a:spcBef>
-                        <a:spcAft>
-                          <a:spcPts val="300"/>
-                        </a:spcAft>
-                        <a:buNone/>
-                      </a:pPr>
-                      <a:r>
-                        <a:rPr cap="none" sz="1200" i="0" b="0" u="none">
-                          <a:solidFill>
-                            <a:srgbClr val="000000">
-                              <a:alpha val="100000"/>
-                            </a:srgbClr>
-                          </a:solidFill>
-                          <a:latin typeface="arial"/>
-                          <a:cs typeface="arial"/>
-                          <a:ea typeface="arial"/>
-                          <a:sym typeface="arial"/>
-                        </a:rPr>
-                        <a:t>34 (25.4%)</a:t>
-                      </a:r>
-                    </a:p>
-                  </a:txBody>
-                  <a:tcPr anchor="ctr" marB="38100" marT="38100" marR="0" marL="0">
-                    <a:lnL algn="ctr" cmpd="sng" cap="flat" w="0">
-                      <a:noFill/>
-                      <a:prstDash val="solid"/>
-                    </a:lnL>
-                    <a:lnR algn="ctr" cmpd="sng" cap="flat" w="0">
-                      <a:noFill/>
-                      <a:prstDash val="solid"/>
-                    </a:lnR>
-                    <a:lnT algn="ctr" cmpd="sng" cap="flat" w="0">
-                      <a:noFill/>
-                      <a:prstDash val="solid"/>
-                    </a:lnT>
-                    <a:lnB algn="ctr" cmpd="sng" cap="flat" w="0">
-                      <a:noFill/>
-                      <a:prstDash val="solid"/>
-                    </a:lnB>
-                    <a:solidFill>
-                      <a:srgbClr val="FF7D29">
-                        <a:alpha val="100000"/>
-                      </a:srgbClr>
-                    </a:solidFill>
-                  </a:tcPr>
-                </a:tc>
-                <a:tc>
-                  <a:txBody>
-                    <a:bodyPr/>
-                    <a:lstStyle/>
-                    <a:p>
-                      <a:pPr algn="ctr" marL="63500" marR="63500">
-                        <a:lnSpc>
-                          <a:spcPct val="100000"/>
-                        </a:lnSpc>
-                        <a:spcBef>
-                          <a:spcPts val="300"/>
-                        </a:spcBef>
-                        <a:spcAft>
-                          <a:spcPts val="300"/>
-                        </a:spcAft>
-                        <a:buNone/>
-                      </a:pPr>
-                      <a:r>
-                        <a:rPr cap="none" sz="1200" i="0" b="0" u="none">
-                          <a:solidFill>
-                            <a:srgbClr val="000000">
-                              <a:alpha val="100000"/>
-                            </a:srgbClr>
-                          </a:solidFill>
-                          <a:latin typeface="arial"/>
-                          <a:cs typeface="arial"/>
-                          <a:ea typeface="arial"/>
-                          <a:sym typeface="arial"/>
-                        </a:rPr>
-                        <a:t>72 (26.9%)</a:t>
-                      </a:r>
-                    </a:p>
-                  </a:txBody>
-                  <a:tcPr anchor="ctr" marB="38100" marT="38100" marR="0" marL="0">
-                    <a:lnL algn="ctr" cmpd="sng" cap="flat" w="0">
-                      <a:noFill/>
-                      <a:prstDash val="solid"/>
-                    </a:lnL>
-                    <a:lnR algn="ctr" cmpd="sng" cap="flat" w="0">
-                      <a:noFill/>
-                      <a:prstDash val="solid"/>
-                    </a:lnR>
-                    <a:lnT algn="ctr" cmpd="sng" cap="flat" w="0">
-                      <a:noFill/>
-                      <a:prstDash val="solid"/>
-                    </a:lnT>
-                    <a:lnB algn="ctr" cmpd="sng" cap="flat" w="0">
-                      <a:noFill/>
-                      <a:prstDash val="solid"/>
-                    </a:lnB>
-                    <a:solidFill>
-                      <a:srgbClr val="FF7D29">
-                        <a:alpha val="100000"/>
-                      </a:srgbClr>
-                    </a:solidFill>
-                  </a:tcPr>
-                </a:tc>
-              </a:tr>
-              <a:tr h="213519">
-                <a:tc>
-                  <a:txBody>
-                    <a:bodyPr/>
-                    <a:lstStyle/>
-                    <a:p>
-                      <a:pPr algn="l" marL="127000" marR="63500">
-                        <a:lnSpc>
-                          <a:spcPct val="100000"/>
-                        </a:lnSpc>
-                        <a:spcBef>
-                          <a:spcPts val="300"/>
-                        </a:spcBef>
-                        <a:spcAft>
-                          <a:spcPts val="300"/>
-                        </a:spcAft>
-                        <a:buNone/>
-                      </a:pPr>
-                      <a:r>
-                        <a:rPr cap="none" sz="1200" i="0" b="0" u="none">
-                          <a:solidFill>
-                            <a:srgbClr val="000000">
-                              <a:alpha val="100000"/>
-                            </a:srgbClr>
-                          </a:solidFill>
-                          <a:latin typeface="arial"/>
-                          <a:cs typeface="arial"/>
-                          <a:ea typeface="arial"/>
-                          <a:sym typeface="arial"/>
-                        </a:rPr>
-                        <a:t>cl D.2</a:t>
-                      </a:r>
-                    </a:p>
-                  </a:txBody>
-                  <a:tcPr anchor="ctr" marB="38100" marT="38100" marR="0" marL="0">
-                    <a:lnL algn="ctr" cmpd="sng" cap="flat" w="0">
-                      <a:noFill/>
-                      <a:prstDash val="solid"/>
-                    </a:lnL>
-                    <a:lnR algn="ctr" cmpd="sng" cap="flat" w="0">
-                      <a:noFill/>
-                      <a:prstDash val="solid"/>
-                    </a:lnR>
-                    <a:lnT algn="ctr" cmpd="sng" cap="flat" w="0">
-                      <a:noFill/>
-                      <a:prstDash val="solid"/>
-                    </a:lnT>
-                    <a:lnB algn="ctr" cmpd="sng" cap="flat" w="0">
-                      <a:noFill/>
-                      <a:prstDash val="solid"/>
-                    </a:lnB>
-                    <a:solidFill>
                       <a:srgbClr val="FFBD69">
                         <a:alpha val="100000"/>
                       </a:srgbClr>
@@ -8127,6 +8540,352 @@
                     </a:solidFill>
                   </a:tcPr>
                 </a:tc>
+              </a:tr>
+              <a:tr h="243582">
+                <a:tc>
+                  <a:txBody>
+                    <a:bodyPr/>
+                    <a:lstStyle/>
+                    <a:p>
+                      <a:pPr algn="l" marL="127000" marR="63500">
+                        <a:lnSpc>
+                          <a:spcPct val="100000"/>
+                        </a:lnSpc>
+                        <a:spcBef>
+                          <a:spcPts val="300"/>
+                        </a:spcBef>
+                        <a:spcAft>
+                          <a:spcPts val="300"/>
+                        </a:spcAft>
+                        <a:buNone/>
+                      </a:pPr>
+                      <a:r>
+                        <a:rPr cap="none" sz="1200" i="0" b="0" u="none">
+                          <a:solidFill>
+                            <a:srgbClr val="000000">
+                              <a:alpha val="100000"/>
+                            </a:srgbClr>
+                          </a:solidFill>
+                          <a:latin typeface="arial"/>
+                          <a:cs typeface="arial"/>
+                          <a:ea typeface="arial"/>
+                          <a:sym typeface="arial"/>
+                        </a:rPr>
+                        <a:t>dcd C.2.1.2.1</a:t>
+                      </a:r>
+                    </a:p>
+                  </a:txBody>
+                  <a:tcPr anchor="ctr" marB="38100" marT="38100" marR="0" marL="0">
+                    <a:lnL algn="ctr" cmpd="sng" cap="flat" w="0">
+                      <a:noFill/>
+                      <a:prstDash val="solid"/>
+                    </a:lnL>
+                    <a:lnR algn="ctr" cmpd="sng" cap="flat" w="0">
+                      <a:noFill/>
+                      <a:prstDash val="solid"/>
+                    </a:lnR>
+                    <a:lnT algn="ctr" cmpd="sng" cap="flat" w="0">
+                      <a:noFill/>
+                      <a:prstDash val="solid"/>
+                    </a:lnT>
+                    <a:lnB algn="ctr" cmpd="sng" cap="flat" w="0">
+                      <a:noFill/>
+                      <a:prstDash val="solid"/>
+                    </a:lnB>
+                    <a:solidFill>
+                      <a:srgbClr val="FF7D29">
+                        <a:alpha val="100000"/>
+                      </a:srgbClr>
+                    </a:solidFill>
+                  </a:tcPr>
+                </a:tc>
+                <a:tc>
+                  <a:txBody>
+                    <a:bodyPr/>
+                    <a:lstStyle/>
+                    <a:p>
+                      <a:pPr algn="ctr" marL="63500" marR="63500">
+                        <a:lnSpc>
+                          <a:spcPct val="100000"/>
+                        </a:lnSpc>
+                        <a:spcBef>
+                          <a:spcPts val="300"/>
+                        </a:spcBef>
+                        <a:spcAft>
+                          <a:spcPts val="300"/>
+                        </a:spcAft>
+                        <a:buNone/>
+                      </a:pPr>
+                      <a:r>
+                        <a:rPr cap="none" sz="1200" i="0" b="0" u="none">
+                          <a:solidFill>
+                            <a:srgbClr val="000000">
+                              <a:alpha val="100000"/>
+                            </a:srgbClr>
+                          </a:solidFill>
+                          <a:latin typeface="arial"/>
+                          <a:cs typeface="arial"/>
+                          <a:ea typeface="arial"/>
+                          <a:sym typeface="arial"/>
+                        </a:rPr>
+                        <a:t>28 (20.9%)</a:t>
+                      </a:r>
+                    </a:p>
+                  </a:txBody>
+                  <a:tcPr anchor="ctr" marB="38100" marT="38100" marR="0" marL="0">
+                    <a:lnL algn="ctr" cmpd="sng" cap="flat" w="0">
+                      <a:noFill/>
+                      <a:prstDash val="solid"/>
+                    </a:lnL>
+                    <a:lnR algn="ctr" cmpd="sng" cap="flat" w="0">
+                      <a:noFill/>
+                      <a:prstDash val="solid"/>
+                    </a:lnR>
+                    <a:lnT algn="ctr" cmpd="sng" cap="flat" w="0">
+                      <a:noFill/>
+                      <a:prstDash val="solid"/>
+                    </a:lnT>
+                    <a:lnB algn="ctr" cmpd="sng" cap="flat" w="0">
+                      <a:noFill/>
+                      <a:prstDash val="solid"/>
+                    </a:lnB>
+                    <a:solidFill>
+                      <a:srgbClr val="FF7D29">
+                        <a:alpha val="100000"/>
+                      </a:srgbClr>
+                    </a:solidFill>
+                  </a:tcPr>
+                </a:tc>
+                <a:tc>
+                  <a:txBody>
+                    <a:bodyPr/>
+                    <a:lstStyle/>
+                    <a:p>
+                      <a:pPr algn="ctr" marL="63500" marR="63500">
+                        <a:lnSpc>
+                          <a:spcPct val="100000"/>
+                        </a:lnSpc>
+                        <a:spcBef>
+                          <a:spcPts val="300"/>
+                        </a:spcBef>
+                        <a:spcAft>
+                          <a:spcPts val="300"/>
+                        </a:spcAft>
+                        <a:buNone/>
+                      </a:pPr>
+                      <a:r>
+                        <a:rPr cap="none" sz="1200" i="0" b="0" u="none">
+                          <a:solidFill>
+                            <a:srgbClr val="000000">
+                              <a:alpha val="100000"/>
+                            </a:srgbClr>
+                          </a:solidFill>
+                          <a:latin typeface="arial"/>
+                          <a:cs typeface="arial"/>
+                          <a:ea typeface="arial"/>
+                          <a:sym typeface="arial"/>
+                        </a:rPr>
+                        <a:t>36 (26.9%)</a:t>
+                      </a:r>
+                    </a:p>
+                  </a:txBody>
+                  <a:tcPr anchor="ctr" marB="38100" marT="38100" marR="0" marL="0">
+                    <a:lnL algn="ctr" cmpd="sng" cap="flat" w="0">
+                      <a:noFill/>
+                      <a:prstDash val="solid"/>
+                    </a:lnL>
+                    <a:lnR algn="ctr" cmpd="sng" cap="flat" w="0">
+                      <a:noFill/>
+                      <a:prstDash val="solid"/>
+                    </a:lnR>
+                    <a:lnT algn="ctr" cmpd="sng" cap="flat" w="0">
+                      <a:noFill/>
+                      <a:prstDash val="solid"/>
+                    </a:lnT>
+                    <a:lnB algn="ctr" cmpd="sng" cap="flat" w="0">
+                      <a:noFill/>
+                      <a:prstDash val="solid"/>
+                    </a:lnB>
+                    <a:solidFill>
+                      <a:srgbClr val="FF7D29">
+                        <a:alpha val="100000"/>
+                      </a:srgbClr>
+                    </a:solidFill>
+                  </a:tcPr>
+                </a:tc>
+                <a:tc>
+                  <a:txBody>
+                    <a:bodyPr/>
+                    <a:lstStyle/>
+                    <a:p>
+                      <a:pPr algn="ctr" marL="63500" marR="63500">
+                        <a:lnSpc>
+                          <a:spcPct val="100000"/>
+                        </a:lnSpc>
+                        <a:spcBef>
+                          <a:spcPts val="300"/>
+                        </a:spcBef>
+                        <a:spcAft>
+                          <a:spcPts val="300"/>
+                        </a:spcAft>
+                        <a:buNone/>
+                      </a:pPr>
+                      <a:r>
+                        <a:rPr cap="none" sz="1200" i="0" b="0" u="none">
+                          <a:solidFill>
+                            <a:srgbClr val="000000">
+                              <a:alpha val="100000"/>
+                            </a:srgbClr>
+                          </a:solidFill>
+                          <a:latin typeface="arial"/>
+                          <a:cs typeface="arial"/>
+                          <a:ea typeface="arial"/>
+                          <a:sym typeface="arial"/>
+                        </a:rPr>
+                        <a:t>64 (23.9%)</a:t>
+                      </a:r>
+                    </a:p>
+                  </a:txBody>
+                  <a:tcPr anchor="ctr" marB="38100" marT="38100" marR="0" marL="0">
+                    <a:lnL algn="ctr" cmpd="sng" cap="flat" w="0">
+                      <a:noFill/>
+                      <a:prstDash val="solid"/>
+                    </a:lnL>
+                    <a:lnR algn="ctr" cmpd="sng" cap="flat" w="0">
+                      <a:noFill/>
+                      <a:prstDash val="solid"/>
+                    </a:lnR>
+                    <a:lnT algn="ctr" cmpd="sng" cap="flat" w="0">
+                      <a:noFill/>
+                      <a:prstDash val="solid"/>
+                    </a:lnT>
+                    <a:lnB algn="ctr" cmpd="sng" cap="flat" w="0">
+                      <a:noFill/>
+                      <a:prstDash val="solid"/>
+                    </a:lnB>
+                    <a:solidFill>
+                      <a:srgbClr val="FF7D29">
+                        <a:alpha val="100000"/>
+                      </a:srgbClr>
+                    </a:solidFill>
+                  </a:tcPr>
+                </a:tc>
+                <a:tc>
+                  <a:txBody>
+                    <a:bodyPr/>
+                    <a:lstStyle/>
+                    <a:p>
+                      <a:pPr algn="ctr" marL="63500" marR="63500">
+                        <a:lnSpc>
+                          <a:spcPct val="100000"/>
+                        </a:lnSpc>
+                        <a:spcBef>
+                          <a:spcPts val="300"/>
+                        </a:spcBef>
+                        <a:spcAft>
+                          <a:spcPts val="300"/>
+                        </a:spcAft>
+                        <a:buNone/>
+                      </a:pPr>
+                      <a:r>
+                        <a:rPr cap="none" sz="1200" i="0" b="0" u="none">
+                          <a:solidFill>
+                            <a:srgbClr val="000000">
+                              <a:alpha val="100000"/>
+                            </a:srgbClr>
+                          </a:solidFill>
+                          <a:latin typeface="arial"/>
+                          <a:cs typeface="arial"/>
+                          <a:ea typeface="arial"/>
+                          <a:sym typeface="arial"/>
+                        </a:rPr>
+                        <a:t>112 (28.0%)</a:t>
+                      </a:r>
+                    </a:p>
+                  </a:txBody>
+                  <a:tcPr anchor="ctr" marB="38100" marT="38100" marR="0" marL="0">
+                    <a:lnL algn="ctr" cmpd="sng" cap="flat" w="0">
+                      <a:noFill/>
+                      <a:prstDash val="solid"/>
+                    </a:lnL>
+                    <a:lnR algn="ctr" cmpd="sng" cap="flat" w="0">
+                      <a:noFill/>
+                      <a:prstDash val="solid"/>
+                    </a:lnR>
+                    <a:lnT algn="ctr" cmpd="sng" cap="flat" w="0">
+                      <a:noFill/>
+                      <a:prstDash val="solid"/>
+                    </a:lnT>
+                    <a:lnB algn="ctr" cmpd="sng" cap="flat" w="0">
+                      <a:noFill/>
+                      <a:prstDash val="solid"/>
+                    </a:lnB>
+                    <a:solidFill>
+                      <a:srgbClr val="FF7D29">
+                        <a:alpha val="100000"/>
+                      </a:srgbClr>
+                    </a:solidFill>
+                  </a:tcPr>
+                </a:tc>
+              </a:tr>
+              <a:tr h="213519">
+                <a:tc>
+                  <a:txBody>
+                    <a:bodyPr/>
+                    <a:lstStyle/>
+                    <a:p>
+                      <a:pPr algn="l" marL="127000" marR="63500">
+                        <a:lnSpc>
+                          <a:spcPct val="100000"/>
+                        </a:lnSpc>
+                        <a:spcBef>
+                          <a:spcPts val="300"/>
+                        </a:spcBef>
+                        <a:spcAft>
+                          <a:spcPts val="300"/>
+                        </a:spcAft>
+                        <a:buNone/>
+                      </a:pPr>
+                      <a:r>
+                        <a:rPr cap="none" sz="1200" i="0" b="0" u="none">
+                          <a:solidFill>
+                            <a:srgbClr val="000000">
+                              <a:alpha val="100000"/>
+                            </a:srgbClr>
+                          </a:solidFill>
+                          <a:latin typeface="arial"/>
+                          <a:cs typeface="arial"/>
+                          <a:ea typeface="arial"/>
+                          <a:sym typeface="arial"/>
+                        </a:rPr>
+                        <a:t>cl D.1</a:t>
+                      </a:r>
+                    </a:p>
+                  </a:txBody>
+                  <a:tcPr anchor="ctr" marB="38100" marT="38100" marR="0" marL="0">
+                    <a:lnL algn="ctr" cmpd="sng" cap="flat" w="0">
+                      <a:noFill/>
+                      <a:prstDash val="solid"/>
+                    </a:lnL>
+                    <a:lnR algn="ctr" cmpd="sng" cap="flat" w="0">
+                      <a:noFill/>
+                      <a:prstDash val="solid"/>
+                    </a:lnR>
+                    <a:lnT algn="ctr" cmpd="sng" cap="flat" w="0">
+                      <a:noFill/>
+                      <a:prstDash val="solid"/>
+                    </a:lnT>
+                    <a:lnB algn="ctr" cmpd="sng" cap="flat" w="0">
+                      <a:noFill/>
+                      <a:prstDash val="solid"/>
+                    </a:lnB>
+                    <a:solidFill>
+                      <a:srgbClr val="FFBD69">
+                        <a:alpha val="100000"/>
+                      </a:srgbClr>
+                    </a:solidFill>
+                  </a:tcPr>
+                </a:tc>
                 <a:tc>
                   <a:txBody>
                     <a:bodyPr/>
@@ -8195,25 +8954,34 @@
                     </a:solidFill>
                   </a:tcPr>
                 </a:tc>
-              </a:tr>
-              <a:tr h="243582">
                 <a:tc>
                   <a:txBody>
                     <a:bodyPr/>
                     <a:lstStyle/>
                     <a:p>
-                      <a:pPr algn="l" marL="127000" marR="63500">
-                        <a:lnSpc>
-                          <a:spcPct val="100000"/>
-                        </a:lnSpc>
-                        <a:spcBef>
-                          <a:spcPts val="300"/>
-                        </a:spcBef>
-                        <a:spcAft>
-                          <a:spcPts val="300"/>
-                        </a:spcAft>
-                        <a:buNone/>
-                      </a:pPr>
+                      <a:pPr algn="ctr" marL="63500" marR="63500">
+                        <a:lnSpc>
+                          <a:spcPct val="100000"/>
+                        </a:lnSpc>
+                        <a:spcBef>
+                          <a:spcPts val="300"/>
+                        </a:spcBef>
+                        <a:spcAft>
+                          <a:spcPts val="300"/>
+                        </a:spcAft>
+                        <a:buNone/>
+                      </a:pPr>
+                      <a:endParaRPr cap="none" sz="1200" i="0" b="0" u="none">
+                        <a:solidFill>
+                          <a:srgbClr val="000000">
+                            <a:alpha val="100000"/>
+                          </a:srgbClr>
+                        </a:solidFill>
+                        <a:latin typeface="arial"/>
+                        <a:cs typeface="arial"/>
+                        <a:ea typeface="arial"/>
+                        <a:sym typeface="arial"/>
+                      </a:endParaRPr>
                       <a:r>
                         <a:rPr cap="none" sz="1200" i="0" b="0" u="none">
                           <a:solidFill>
@@ -8226,7 +8994,7 @@
                           <a:ea typeface="arial"/>
                           <a:sym typeface="arial"/>
                         </a:rPr>
-                        <a:t>dcd D.2.1.5.3</a:t>
+                        <a:t/>
                       </a:r>
                     </a:p>
                   </a:txBody>
@@ -8248,7 +9016,7 @@
                       <a:prstDash val="solid"/>
                     </a:lnB>
                     <a:solidFill>
-                      <a:srgbClr val="FF7D29">
+                      <a:srgbClr val="FFBD69">
                         <a:alpha val="100000"/>
                       </a:srgbClr>
                     </a:solidFill>
@@ -8271,6 +9039,17 @@
                         </a:spcAft>
                         <a:buNone/>
                       </a:pPr>
+                      <a:endParaRPr cap="none" sz="1200" i="0" b="0" u="none">
+                        <a:solidFill>
+                          <a:srgbClr val="000000">
+                            <a:alpha val="100000"/>
+                          </a:srgbClr>
+                        </a:solidFill>
+                        <a:latin typeface="arial"/>
+                        <a:cs typeface="arial"/>
+                        <a:ea typeface="arial"/>
+                        <a:sym typeface="arial"/>
+                      </a:endParaRPr>
                       <a:r>
                         <a:rPr cap="none" sz="1200" i="0" b="0" u="none">
                           <a:solidFill>
@@ -8283,7 +9062,7 @@
                           <a:ea typeface="arial"/>
                           <a:sym typeface="arial"/>
                         </a:rPr>
-                        <a:t>37 (27.6%)</a:t>
+                        <a:t/>
                       </a:r>
                     </a:p>
                   </a:txBody>
@@ -8305,7 +9084,7 @@
                       <a:prstDash val="solid"/>
                     </a:lnB>
                     <a:solidFill>
-                      <a:srgbClr val="FF7D29">
+                      <a:srgbClr val="FFBD69">
                         <a:alpha val="100000"/>
                       </a:srgbClr>
                     </a:solidFill>
@@ -8328,6 +9107,17 @@
                         </a:spcAft>
                         <a:buNone/>
                       </a:pPr>
+                      <a:endParaRPr cap="none" sz="1200" i="0" b="0" u="none">
+                        <a:solidFill>
+                          <a:srgbClr val="000000">
+                            <a:alpha val="100000"/>
+                          </a:srgbClr>
+                        </a:solidFill>
+                        <a:latin typeface="arial"/>
+                        <a:cs typeface="arial"/>
+                        <a:ea typeface="arial"/>
+                        <a:sym typeface="arial"/>
+                      </a:endParaRPr>
                       <a:r>
                         <a:rPr cap="none" sz="1200" i="0" b="0" u="none">
                           <a:solidFill>
@@ -8340,7 +9130,7 @@
                           <a:ea typeface="arial"/>
                           <a:sym typeface="arial"/>
                         </a:rPr>
-                        <a:t>46 (34.3%)</a:t>
+                        <a:t/>
                       </a:r>
                     </a:p>
                   </a:txBody>
@@ -8362,18 +9152,20 @@
                       <a:prstDash val="solid"/>
                     </a:lnB>
                     <a:solidFill>
-                      <a:srgbClr val="FF7D29">
+                      <a:srgbClr val="FFBD69">
                         <a:alpha val="100000"/>
                       </a:srgbClr>
                     </a:solidFill>
                   </a:tcPr>
                 </a:tc>
+              </a:tr>
+              <a:tr h="243582">
                 <a:tc>
                   <a:txBody>
                     <a:bodyPr/>
                     <a:lstStyle/>
                     <a:p>
-                      <a:pPr algn="ctr" marL="63500" marR="63500">
+                      <a:pPr algn="l" marL="127000" marR="63500">
                         <a:lnSpc>
                           <a:spcPct val="100000"/>
                         </a:lnSpc>
@@ -8397,7 +9189,7 @@
                           <a:ea typeface="arial"/>
                           <a:sym typeface="arial"/>
                         </a:rPr>
-                        <a:t>83 (31.0%)</a:t>
+                        <a:t>dcd D.1.1.1.1</a:t>
                       </a:r>
                     </a:p>
                   </a:txBody>
@@ -8425,9 +9217,1142 @@
                     </a:solidFill>
                   </a:tcPr>
                 </a:tc>
+                <a:tc>
+                  <a:txBody>
+                    <a:bodyPr/>
+                    <a:lstStyle/>
+                    <a:p>
+                      <a:pPr algn="ctr" marL="63500" marR="63500">
+                        <a:lnSpc>
+                          <a:spcPct val="100000"/>
+                        </a:lnSpc>
+                        <a:spcBef>
+                          <a:spcPts val="300"/>
+                        </a:spcBef>
+                        <a:spcAft>
+                          <a:spcPts val="300"/>
+                        </a:spcAft>
+                        <a:buNone/>
+                      </a:pPr>
+                      <a:r>
+                        <a:rPr cap="none" sz="1200" i="0" b="0" u="none">
+                          <a:solidFill>
+                            <a:srgbClr val="000000">
+                              <a:alpha val="100000"/>
+                            </a:srgbClr>
+                          </a:solidFill>
+                          <a:latin typeface="arial"/>
+                          <a:cs typeface="arial"/>
+                          <a:ea typeface="arial"/>
+                          <a:sym typeface="arial"/>
+                        </a:rPr>
+                        <a:t>42 (31.3%)</a:t>
+                      </a:r>
+                    </a:p>
+                  </a:txBody>
+                  <a:tcPr anchor="ctr" marB="38100" marT="38100" marR="0" marL="0">
+                    <a:lnL algn="ctr" cmpd="sng" cap="flat" w="0">
+                      <a:noFill/>
+                      <a:prstDash val="solid"/>
+                    </a:lnL>
+                    <a:lnR algn="ctr" cmpd="sng" cap="flat" w="0">
+                      <a:noFill/>
+                      <a:prstDash val="solid"/>
+                    </a:lnR>
+                    <a:lnT algn="ctr" cmpd="sng" cap="flat" w="0">
+                      <a:noFill/>
+                      <a:prstDash val="solid"/>
+                    </a:lnT>
+                    <a:lnB algn="ctr" cmpd="sng" cap="flat" w="0">
+                      <a:noFill/>
+                      <a:prstDash val="solid"/>
+                    </a:lnB>
+                    <a:solidFill>
+                      <a:srgbClr val="FF7D29">
+                        <a:alpha val="100000"/>
+                      </a:srgbClr>
+                    </a:solidFill>
+                  </a:tcPr>
+                </a:tc>
+                <a:tc>
+                  <a:txBody>
+                    <a:bodyPr/>
+                    <a:lstStyle/>
+                    <a:p>
+                      <a:pPr algn="ctr" marL="63500" marR="63500">
+                        <a:lnSpc>
+                          <a:spcPct val="100000"/>
+                        </a:lnSpc>
+                        <a:spcBef>
+                          <a:spcPts val="300"/>
+                        </a:spcBef>
+                        <a:spcAft>
+                          <a:spcPts val="300"/>
+                        </a:spcAft>
+                        <a:buNone/>
+                      </a:pPr>
+                      <a:r>
+                        <a:rPr cap="none" sz="1200" i="0" b="0" u="none">
+                          <a:solidFill>
+                            <a:srgbClr val="000000">
+                              <a:alpha val="100000"/>
+                            </a:srgbClr>
+                          </a:solidFill>
+                          <a:latin typeface="arial"/>
+                          <a:cs typeface="arial"/>
+                          <a:ea typeface="arial"/>
+                          <a:sym typeface="arial"/>
+                        </a:rPr>
+                        <a:t>32 (23.9%)</a:t>
+                      </a:r>
+                    </a:p>
+                  </a:txBody>
+                  <a:tcPr anchor="ctr" marB="38100" marT="38100" marR="0" marL="0">
+                    <a:lnL algn="ctr" cmpd="sng" cap="flat" w="0">
+                      <a:noFill/>
+                      <a:prstDash val="solid"/>
+                    </a:lnL>
+                    <a:lnR algn="ctr" cmpd="sng" cap="flat" w="0">
+                      <a:noFill/>
+                      <a:prstDash val="solid"/>
+                    </a:lnR>
+                    <a:lnT algn="ctr" cmpd="sng" cap="flat" w="0">
+                      <a:noFill/>
+                      <a:prstDash val="solid"/>
+                    </a:lnT>
+                    <a:lnB algn="ctr" cmpd="sng" cap="flat" w="0">
+                      <a:noFill/>
+                      <a:prstDash val="solid"/>
+                    </a:lnB>
+                    <a:solidFill>
+                      <a:srgbClr val="FF7D29">
+                        <a:alpha val="100000"/>
+                      </a:srgbClr>
+                    </a:solidFill>
+                  </a:tcPr>
+                </a:tc>
+                <a:tc>
+                  <a:txBody>
+                    <a:bodyPr/>
+                    <a:lstStyle/>
+                    <a:p>
+                      <a:pPr algn="ctr" marL="63500" marR="63500">
+                        <a:lnSpc>
+                          <a:spcPct val="100000"/>
+                        </a:lnSpc>
+                        <a:spcBef>
+                          <a:spcPts val="300"/>
+                        </a:spcBef>
+                        <a:spcAft>
+                          <a:spcPts val="300"/>
+                        </a:spcAft>
+                        <a:buNone/>
+                      </a:pPr>
+                      <a:r>
+                        <a:rPr cap="none" sz="1200" i="0" b="0" u="none">
+                          <a:solidFill>
+                            <a:srgbClr val="000000">
+                              <a:alpha val="100000"/>
+                            </a:srgbClr>
+                          </a:solidFill>
+                          <a:latin typeface="arial"/>
+                          <a:cs typeface="arial"/>
+                          <a:ea typeface="arial"/>
+                          <a:sym typeface="arial"/>
+                        </a:rPr>
+                        <a:t>74 (27.6%)</a:t>
+                      </a:r>
+                    </a:p>
+                  </a:txBody>
+                  <a:tcPr anchor="ctr" marB="38100" marT="38100" marR="0" marL="0">
+                    <a:lnL algn="ctr" cmpd="sng" cap="flat" w="0">
+                      <a:noFill/>
+                      <a:prstDash val="solid"/>
+                    </a:lnL>
+                    <a:lnR algn="ctr" cmpd="sng" cap="flat" w="0">
+                      <a:noFill/>
+                      <a:prstDash val="solid"/>
+                    </a:lnR>
+                    <a:lnT algn="ctr" cmpd="sng" cap="flat" w="0">
+                      <a:noFill/>
+                      <a:prstDash val="solid"/>
+                    </a:lnT>
+                    <a:lnB algn="ctr" cmpd="sng" cap="flat" w="0">
+                      <a:noFill/>
+                      <a:prstDash val="solid"/>
+                    </a:lnB>
+                    <a:solidFill>
+                      <a:srgbClr val="FF7D29">
+                        <a:alpha val="100000"/>
+                      </a:srgbClr>
+                    </a:solidFill>
+                  </a:tcPr>
+                </a:tc>
+                <a:tc>
+                  <a:txBody>
+                    <a:bodyPr/>
+                    <a:lstStyle/>
+                    <a:p>
+                      <a:pPr algn="ctr" marL="63500" marR="63500">
+                        <a:lnSpc>
+                          <a:spcPct val="100000"/>
+                        </a:lnSpc>
+                        <a:spcBef>
+                          <a:spcPts val="300"/>
+                        </a:spcBef>
+                        <a:spcAft>
+                          <a:spcPts val="300"/>
+                        </a:spcAft>
+                        <a:buNone/>
+                      </a:pPr>
+                      <a:r>
+                        <a:rPr cap="none" sz="1200" i="0" b="0" u="none">
+                          <a:solidFill>
+                            <a:srgbClr val="000000">
+                              <a:alpha val="100000"/>
+                            </a:srgbClr>
+                          </a:solidFill>
+                          <a:latin typeface="arial"/>
+                          <a:cs typeface="arial"/>
+                          <a:ea typeface="arial"/>
+                          <a:sym typeface="arial"/>
+                        </a:rPr>
+                        <a:t>120 (30.0%)</a:t>
+                      </a:r>
+                    </a:p>
+                  </a:txBody>
+                  <a:tcPr anchor="ctr" marB="38100" marT="38100" marR="0" marL="0">
+                    <a:lnL algn="ctr" cmpd="sng" cap="flat" w="0">
+                      <a:noFill/>
+                      <a:prstDash val="solid"/>
+                    </a:lnL>
+                    <a:lnR algn="ctr" cmpd="sng" cap="flat" w="0">
+                      <a:noFill/>
+                      <a:prstDash val="solid"/>
+                    </a:lnR>
+                    <a:lnT algn="ctr" cmpd="sng" cap="flat" w="0">
+                      <a:noFill/>
+                      <a:prstDash val="solid"/>
+                    </a:lnT>
+                    <a:lnB algn="ctr" cmpd="sng" cap="flat" w="0">
+                      <a:noFill/>
+                      <a:prstDash val="solid"/>
+                    </a:lnB>
+                    <a:solidFill>
+                      <a:srgbClr val="FF7D29">
+                        <a:alpha val="100000"/>
+                      </a:srgbClr>
+                    </a:solidFill>
+                  </a:tcPr>
+                </a:tc>
+              </a:tr>
+              <a:tr h="243582">
+                <a:tc>
+                  <a:txBody>
+                    <a:bodyPr/>
+                    <a:lstStyle/>
+                    <a:p>
+                      <a:pPr algn="l" marL="127000" marR="63500">
+                        <a:lnSpc>
+                          <a:spcPct val="100000"/>
+                        </a:lnSpc>
+                        <a:spcBef>
+                          <a:spcPts val="300"/>
+                        </a:spcBef>
+                        <a:spcAft>
+                          <a:spcPts val="300"/>
+                        </a:spcAft>
+                        <a:buNone/>
+                      </a:pPr>
+                      <a:r>
+                        <a:rPr cap="none" sz="1200" i="0" b="0" u="none">
+                          <a:solidFill>
+                            <a:srgbClr val="000000">
+                              <a:alpha val="100000"/>
+                            </a:srgbClr>
+                          </a:solidFill>
+                          <a:latin typeface="arial"/>
+                          <a:cs typeface="arial"/>
+                          <a:ea typeface="arial"/>
+                          <a:sym typeface="arial"/>
+                        </a:rPr>
+                        <a:t>dcd D.1.1.4.2</a:t>
+                      </a:r>
+                    </a:p>
+                  </a:txBody>
+                  <a:tcPr anchor="ctr" marB="38100" marT="38100" marR="0" marL="0">
+                    <a:lnL algn="ctr" cmpd="sng" cap="flat" w="0">
+                      <a:noFill/>
+                      <a:prstDash val="solid"/>
+                    </a:lnL>
+                    <a:lnR algn="ctr" cmpd="sng" cap="flat" w="0">
+                      <a:noFill/>
+                      <a:prstDash val="solid"/>
+                    </a:lnR>
+                    <a:lnT algn="ctr" cmpd="sng" cap="flat" w="0">
+                      <a:noFill/>
+                      <a:prstDash val="solid"/>
+                    </a:lnT>
+                    <a:lnB algn="ctr" cmpd="sng" cap="flat" w="0">
+                      <a:noFill/>
+                      <a:prstDash val="solid"/>
+                    </a:lnB>
+                    <a:solidFill>
+                      <a:srgbClr val="FFBD69">
+                        <a:alpha val="100000"/>
+                      </a:srgbClr>
+                    </a:solidFill>
+                  </a:tcPr>
+                </a:tc>
+                <a:tc>
+                  <a:txBody>
+                    <a:bodyPr/>
+                    <a:lstStyle/>
+                    <a:p>
+                      <a:pPr algn="ctr" marL="63500" marR="63500">
+                        <a:lnSpc>
+                          <a:spcPct val="100000"/>
+                        </a:lnSpc>
+                        <a:spcBef>
+                          <a:spcPts val="300"/>
+                        </a:spcBef>
+                        <a:spcAft>
+                          <a:spcPts val="300"/>
+                        </a:spcAft>
+                        <a:buNone/>
+                      </a:pPr>
+                      <a:r>
+                        <a:rPr cap="none" sz="1200" i="0" b="0" u="none">
+                          <a:solidFill>
+                            <a:srgbClr val="000000">
+                              <a:alpha val="100000"/>
+                            </a:srgbClr>
+                          </a:solidFill>
+                          <a:latin typeface="arial"/>
+                          <a:cs typeface="arial"/>
+                          <a:ea typeface="arial"/>
+                          <a:sym typeface="arial"/>
+                        </a:rPr>
+                        <a:t>38 (28.4%)</a:t>
+                      </a:r>
+                    </a:p>
+                  </a:txBody>
+                  <a:tcPr anchor="ctr" marB="38100" marT="38100" marR="0" marL="0">
+                    <a:lnL algn="ctr" cmpd="sng" cap="flat" w="0">
+                      <a:noFill/>
+                      <a:prstDash val="solid"/>
+                    </a:lnL>
+                    <a:lnR algn="ctr" cmpd="sng" cap="flat" w="0">
+                      <a:noFill/>
+                      <a:prstDash val="solid"/>
+                    </a:lnR>
+                    <a:lnT algn="ctr" cmpd="sng" cap="flat" w="0">
+                      <a:noFill/>
+                      <a:prstDash val="solid"/>
+                    </a:lnT>
+                    <a:lnB algn="ctr" cmpd="sng" cap="flat" w="0">
+                      <a:noFill/>
+                      <a:prstDash val="solid"/>
+                    </a:lnB>
+                    <a:solidFill>
+                      <a:srgbClr val="FFBD69">
+                        <a:alpha val="100000"/>
+                      </a:srgbClr>
+                    </a:solidFill>
+                  </a:tcPr>
+                </a:tc>
+                <a:tc>
+                  <a:txBody>
+                    <a:bodyPr/>
+                    <a:lstStyle/>
+                    <a:p>
+                      <a:pPr algn="ctr" marL="63500" marR="63500">
+                        <a:lnSpc>
+                          <a:spcPct val="100000"/>
+                        </a:lnSpc>
+                        <a:spcBef>
+                          <a:spcPts val="300"/>
+                        </a:spcBef>
+                        <a:spcAft>
+                          <a:spcPts val="300"/>
+                        </a:spcAft>
+                        <a:buNone/>
+                      </a:pPr>
+                      <a:r>
+                        <a:rPr cap="none" sz="1200" i="0" b="0" u="none">
+                          <a:solidFill>
+                            <a:srgbClr val="000000">
+                              <a:alpha val="100000"/>
+                            </a:srgbClr>
+                          </a:solidFill>
+                          <a:latin typeface="arial"/>
+                          <a:cs typeface="arial"/>
+                          <a:ea typeface="arial"/>
+                          <a:sym typeface="arial"/>
+                        </a:rPr>
+                        <a:t>34 (25.4%)</a:t>
+                      </a:r>
+                    </a:p>
+                  </a:txBody>
+                  <a:tcPr anchor="ctr" marB="38100" marT="38100" marR="0" marL="0">
+                    <a:lnL algn="ctr" cmpd="sng" cap="flat" w="0">
+                      <a:noFill/>
+                      <a:prstDash val="solid"/>
+                    </a:lnL>
+                    <a:lnR algn="ctr" cmpd="sng" cap="flat" w="0">
+                      <a:noFill/>
+                      <a:prstDash val="solid"/>
+                    </a:lnR>
+                    <a:lnT algn="ctr" cmpd="sng" cap="flat" w="0">
+                      <a:noFill/>
+                      <a:prstDash val="solid"/>
+                    </a:lnT>
+                    <a:lnB algn="ctr" cmpd="sng" cap="flat" w="0">
+                      <a:noFill/>
+                      <a:prstDash val="solid"/>
+                    </a:lnB>
+                    <a:solidFill>
+                      <a:srgbClr val="FFBD69">
+                        <a:alpha val="100000"/>
+                      </a:srgbClr>
+                    </a:solidFill>
+                  </a:tcPr>
+                </a:tc>
+                <a:tc>
+                  <a:txBody>
+                    <a:bodyPr/>
+                    <a:lstStyle/>
+                    <a:p>
+                      <a:pPr algn="ctr" marL="63500" marR="63500">
+                        <a:lnSpc>
+                          <a:spcPct val="100000"/>
+                        </a:lnSpc>
+                        <a:spcBef>
+                          <a:spcPts val="300"/>
+                        </a:spcBef>
+                        <a:spcAft>
+                          <a:spcPts val="300"/>
+                        </a:spcAft>
+                        <a:buNone/>
+                      </a:pPr>
+                      <a:r>
+                        <a:rPr cap="none" sz="1200" i="0" b="0" u="none">
+                          <a:solidFill>
+                            <a:srgbClr val="000000">
+                              <a:alpha val="100000"/>
+                            </a:srgbClr>
+                          </a:solidFill>
+                          <a:latin typeface="arial"/>
+                          <a:cs typeface="arial"/>
+                          <a:ea typeface="arial"/>
+                          <a:sym typeface="arial"/>
+                        </a:rPr>
+                        <a:t>72 (26.9%)</a:t>
+                      </a:r>
+                    </a:p>
+                  </a:txBody>
+                  <a:tcPr anchor="ctr" marB="38100" marT="38100" marR="0" marL="0">
+                    <a:lnL algn="ctr" cmpd="sng" cap="flat" w="0">
+                      <a:noFill/>
+                      <a:prstDash val="solid"/>
+                    </a:lnL>
+                    <a:lnR algn="ctr" cmpd="sng" cap="flat" w="0">
+                      <a:noFill/>
+                      <a:prstDash val="solid"/>
+                    </a:lnR>
+                    <a:lnT algn="ctr" cmpd="sng" cap="flat" w="0">
+                      <a:noFill/>
+                      <a:prstDash val="solid"/>
+                    </a:lnT>
+                    <a:lnB algn="ctr" cmpd="sng" cap="flat" w="0">
+                      <a:noFill/>
+                      <a:prstDash val="solid"/>
+                    </a:lnB>
+                    <a:solidFill>
+                      <a:srgbClr val="FFBD69">
+                        <a:alpha val="100000"/>
+                      </a:srgbClr>
+                    </a:solidFill>
+                  </a:tcPr>
+                </a:tc>
+                <a:tc>
+                  <a:txBody>
+                    <a:bodyPr/>
+                    <a:lstStyle/>
+                    <a:p>
+                      <a:pPr algn="ctr" marL="63500" marR="63500">
+                        <a:lnSpc>
+                          <a:spcPct val="100000"/>
+                        </a:lnSpc>
+                        <a:spcBef>
+                          <a:spcPts val="300"/>
+                        </a:spcBef>
+                        <a:spcAft>
+                          <a:spcPts val="300"/>
+                        </a:spcAft>
+                        <a:buNone/>
+                      </a:pPr>
+                      <a:r>
+                        <a:rPr cap="none" sz="1200" i="0" b="0" u="none">
+                          <a:solidFill>
+                            <a:srgbClr val="000000">
+                              <a:alpha val="100000"/>
+                            </a:srgbClr>
+                          </a:solidFill>
+                          <a:latin typeface="arial"/>
+                          <a:cs typeface="arial"/>
+                          <a:ea typeface="arial"/>
+                          <a:sym typeface="arial"/>
+                        </a:rPr>
+                        <a:t>112 (28.0%)</a:t>
+                      </a:r>
+                    </a:p>
+                  </a:txBody>
+                  <a:tcPr anchor="ctr" marB="38100" marT="38100" marR="0" marL="0">
+                    <a:lnL algn="ctr" cmpd="sng" cap="flat" w="0">
+                      <a:noFill/>
+                      <a:prstDash val="solid"/>
+                    </a:lnL>
+                    <a:lnR algn="ctr" cmpd="sng" cap="flat" w="0">
+                      <a:noFill/>
+                      <a:prstDash val="solid"/>
+                    </a:lnR>
+                    <a:lnT algn="ctr" cmpd="sng" cap="flat" w="0">
+                      <a:noFill/>
+                      <a:prstDash val="solid"/>
+                    </a:lnT>
+                    <a:lnB algn="ctr" cmpd="sng" cap="flat" w="0">
+                      <a:noFill/>
+                      <a:prstDash val="solid"/>
+                    </a:lnB>
+                    <a:solidFill>
+                      <a:srgbClr val="FFBD69">
+                        <a:alpha val="100000"/>
+                      </a:srgbClr>
+                    </a:solidFill>
+                  </a:tcPr>
+                </a:tc>
+              </a:tr>
+              <a:tr h="213519">
+                <a:tc>
+                  <a:txBody>
+                    <a:bodyPr/>
+                    <a:lstStyle/>
+                    <a:p>
+                      <a:pPr algn="l" marL="127000" marR="63500">
+                        <a:lnSpc>
+                          <a:spcPct val="100000"/>
+                        </a:lnSpc>
+                        <a:spcBef>
+                          <a:spcPts val="300"/>
+                        </a:spcBef>
+                        <a:spcAft>
+                          <a:spcPts val="300"/>
+                        </a:spcAft>
+                        <a:buNone/>
+                      </a:pPr>
+                      <a:r>
+                        <a:rPr cap="none" sz="1200" i="0" b="0" u="none">
+                          <a:solidFill>
+                            <a:srgbClr val="000000">
+                              <a:alpha val="100000"/>
+                            </a:srgbClr>
+                          </a:solidFill>
+                          <a:latin typeface="arial"/>
+                          <a:cs typeface="arial"/>
+                          <a:ea typeface="arial"/>
+                          <a:sym typeface="arial"/>
+                        </a:rPr>
+                        <a:t>cl D.2</a:t>
+                      </a:r>
+                    </a:p>
+                  </a:txBody>
+                  <a:tcPr anchor="ctr" marB="38100" marT="38100" marR="0" marL="0">
+                    <a:lnL algn="ctr" cmpd="sng" cap="flat" w="0">
+                      <a:noFill/>
+                      <a:prstDash val="solid"/>
+                    </a:lnL>
+                    <a:lnR algn="ctr" cmpd="sng" cap="flat" w="0">
+                      <a:noFill/>
+                      <a:prstDash val="solid"/>
+                    </a:lnR>
+                    <a:lnT algn="ctr" cmpd="sng" cap="flat" w="0">
+                      <a:noFill/>
+                      <a:prstDash val="solid"/>
+                    </a:lnT>
+                    <a:lnB algn="ctr" cmpd="sng" cap="flat" w="0">
+                      <a:noFill/>
+                      <a:prstDash val="solid"/>
+                    </a:lnB>
+                    <a:solidFill>
+                      <a:srgbClr val="FF7D29">
+                        <a:alpha val="100000"/>
+                      </a:srgbClr>
+                    </a:solidFill>
+                  </a:tcPr>
+                </a:tc>
+                <a:tc>
+                  <a:txBody>
+                    <a:bodyPr/>
+                    <a:lstStyle/>
+                    <a:p>
+                      <a:pPr algn="ctr" marL="63500" marR="63500">
+                        <a:lnSpc>
+                          <a:spcPct val="100000"/>
+                        </a:lnSpc>
+                        <a:spcBef>
+                          <a:spcPts val="300"/>
+                        </a:spcBef>
+                        <a:spcAft>
+                          <a:spcPts val="300"/>
+                        </a:spcAft>
+                        <a:buNone/>
+                      </a:pPr>
+                      <a:endParaRPr cap="none" sz="1200" i="0" b="0" u="none">
+                        <a:solidFill>
+                          <a:srgbClr val="000000">
+                            <a:alpha val="100000"/>
+                          </a:srgbClr>
+                        </a:solidFill>
+                        <a:latin typeface="arial"/>
+                        <a:cs typeface="arial"/>
+                        <a:ea typeface="arial"/>
+                        <a:sym typeface="arial"/>
+                      </a:endParaRPr>
+                      <a:r>
+                        <a:rPr cap="none" sz="1200" i="0" b="0" u="none">
+                          <a:solidFill>
+                            <a:srgbClr val="000000">
+                              <a:alpha val="100000"/>
+                            </a:srgbClr>
+                          </a:solidFill>
+                          <a:latin typeface="arial"/>
+                          <a:cs typeface="arial"/>
+                          <a:ea typeface="arial"/>
+                          <a:sym typeface="arial"/>
+                        </a:rPr>
+                        <a:t/>
+                      </a:r>
+                    </a:p>
+                  </a:txBody>
+                  <a:tcPr anchor="ctr" marB="38100" marT="38100" marR="0" marL="0">
+                    <a:lnL algn="ctr" cmpd="sng" cap="flat" w="0">
+                      <a:noFill/>
+                      <a:prstDash val="solid"/>
+                    </a:lnL>
+                    <a:lnR algn="ctr" cmpd="sng" cap="flat" w="0">
+                      <a:noFill/>
+                      <a:prstDash val="solid"/>
+                    </a:lnR>
+                    <a:lnT algn="ctr" cmpd="sng" cap="flat" w="0">
+                      <a:noFill/>
+                      <a:prstDash val="solid"/>
+                    </a:lnT>
+                    <a:lnB algn="ctr" cmpd="sng" cap="flat" w="0">
+                      <a:noFill/>
+                      <a:prstDash val="solid"/>
+                    </a:lnB>
+                    <a:solidFill>
+                      <a:srgbClr val="FF7D29">
+                        <a:alpha val="100000"/>
+                      </a:srgbClr>
+                    </a:solidFill>
+                  </a:tcPr>
+                </a:tc>
+                <a:tc>
+                  <a:txBody>
+                    <a:bodyPr/>
+                    <a:lstStyle/>
+                    <a:p>
+                      <a:pPr algn="ctr" marL="63500" marR="63500">
+                        <a:lnSpc>
+                          <a:spcPct val="100000"/>
+                        </a:lnSpc>
+                        <a:spcBef>
+                          <a:spcPts val="300"/>
+                        </a:spcBef>
+                        <a:spcAft>
+                          <a:spcPts val="300"/>
+                        </a:spcAft>
+                        <a:buNone/>
+                      </a:pPr>
+                      <a:endParaRPr cap="none" sz="1200" i="0" b="0" u="none">
+                        <a:solidFill>
+                          <a:srgbClr val="000000">
+                            <a:alpha val="100000"/>
+                          </a:srgbClr>
+                        </a:solidFill>
+                        <a:latin typeface="arial"/>
+                        <a:cs typeface="arial"/>
+                        <a:ea typeface="arial"/>
+                        <a:sym typeface="arial"/>
+                      </a:endParaRPr>
+                      <a:r>
+                        <a:rPr cap="none" sz="1200" i="0" b="0" u="none">
+                          <a:solidFill>
+                            <a:srgbClr val="000000">
+                              <a:alpha val="100000"/>
+                            </a:srgbClr>
+                          </a:solidFill>
+                          <a:latin typeface="arial"/>
+                          <a:cs typeface="arial"/>
+                          <a:ea typeface="arial"/>
+                          <a:sym typeface="arial"/>
+                        </a:rPr>
+                        <a:t/>
+                      </a:r>
+                    </a:p>
+                  </a:txBody>
+                  <a:tcPr anchor="ctr" marB="38100" marT="38100" marR="0" marL="0">
+                    <a:lnL algn="ctr" cmpd="sng" cap="flat" w="0">
+                      <a:noFill/>
+                      <a:prstDash val="solid"/>
+                    </a:lnL>
+                    <a:lnR algn="ctr" cmpd="sng" cap="flat" w="0">
+                      <a:noFill/>
+                      <a:prstDash val="solid"/>
+                    </a:lnR>
+                    <a:lnT algn="ctr" cmpd="sng" cap="flat" w="0">
+                      <a:noFill/>
+                      <a:prstDash val="solid"/>
+                    </a:lnT>
+                    <a:lnB algn="ctr" cmpd="sng" cap="flat" w="0">
+                      <a:noFill/>
+                      <a:prstDash val="solid"/>
+                    </a:lnB>
+                    <a:solidFill>
+                      <a:srgbClr val="FF7D29">
+                        <a:alpha val="100000"/>
+                      </a:srgbClr>
+                    </a:solidFill>
+                  </a:tcPr>
+                </a:tc>
+                <a:tc>
+                  <a:txBody>
+                    <a:bodyPr/>
+                    <a:lstStyle/>
+                    <a:p>
+                      <a:pPr algn="ctr" marL="63500" marR="63500">
+                        <a:lnSpc>
+                          <a:spcPct val="100000"/>
+                        </a:lnSpc>
+                        <a:spcBef>
+                          <a:spcPts val="300"/>
+                        </a:spcBef>
+                        <a:spcAft>
+                          <a:spcPts val="300"/>
+                        </a:spcAft>
+                        <a:buNone/>
+                      </a:pPr>
+                      <a:endParaRPr cap="none" sz="1200" i="0" b="0" u="none">
+                        <a:solidFill>
+                          <a:srgbClr val="000000">
+                            <a:alpha val="100000"/>
+                          </a:srgbClr>
+                        </a:solidFill>
+                        <a:latin typeface="arial"/>
+                        <a:cs typeface="arial"/>
+                        <a:ea typeface="arial"/>
+                        <a:sym typeface="arial"/>
+                      </a:endParaRPr>
+                      <a:r>
+                        <a:rPr cap="none" sz="1200" i="0" b="0" u="none">
+                          <a:solidFill>
+                            <a:srgbClr val="000000">
+                              <a:alpha val="100000"/>
+                            </a:srgbClr>
+                          </a:solidFill>
+                          <a:latin typeface="arial"/>
+                          <a:cs typeface="arial"/>
+                          <a:ea typeface="arial"/>
+                          <a:sym typeface="arial"/>
+                        </a:rPr>
+                        <a:t/>
+                      </a:r>
+                    </a:p>
+                  </a:txBody>
+                  <a:tcPr anchor="ctr" marB="38100" marT="38100" marR="0" marL="0">
+                    <a:lnL algn="ctr" cmpd="sng" cap="flat" w="0">
+                      <a:noFill/>
+                      <a:prstDash val="solid"/>
+                    </a:lnL>
+                    <a:lnR algn="ctr" cmpd="sng" cap="flat" w="0">
+                      <a:noFill/>
+                      <a:prstDash val="solid"/>
+                    </a:lnR>
+                    <a:lnT algn="ctr" cmpd="sng" cap="flat" w="0">
+                      <a:noFill/>
+                      <a:prstDash val="solid"/>
+                    </a:lnT>
+                    <a:lnB algn="ctr" cmpd="sng" cap="flat" w="0">
+                      <a:noFill/>
+                      <a:prstDash val="solid"/>
+                    </a:lnB>
+                    <a:solidFill>
+                      <a:srgbClr val="FF7D29">
+                        <a:alpha val="100000"/>
+                      </a:srgbClr>
+                    </a:solidFill>
+                  </a:tcPr>
+                </a:tc>
+                <a:tc>
+                  <a:txBody>
+                    <a:bodyPr/>
+                    <a:lstStyle/>
+                    <a:p>
+                      <a:pPr algn="ctr" marL="63500" marR="63500">
+                        <a:lnSpc>
+                          <a:spcPct val="100000"/>
+                        </a:lnSpc>
+                        <a:spcBef>
+                          <a:spcPts val="300"/>
+                        </a:spcBef>
+                        <a:spcAft>
+                          <a:spcPts val="300"/>
+                        </a:spcAft>
+                        <a:buNone/>
+                      </a:pPr>
+                      <a:endParaRPr cap="none" sz="1200" i="0" b="0" u="none">
+                        <a:solidFill>
+                          <a:srgbClr val="000000">
+                            <a:alpha val="100000"/>
+                          </a:srgbClr>
+                        </a:solidFill>
+                        <a:latin typeface="arial"/>
+                        <a:cs typeface="arial"/>
+                        <a:ea typeface="arial"/>
+                        <a:sym typeface="arial"/>
+                      </a:endParaRPr>
+                      <a:r>
+                        <a:rPr cap="none" sz="1200" i="0" b="0" u="none">
+                          <a:solidFill>
+                            <a:srgbClr val="000000">
+                              <a:alpha val="100000"/>
+                            </a:srgbClr>
+                          </a:solidFill>
+                          <a:latin typeface="arial"/>
+                          <a:cs typeface="arial"/>
+                          <a:ea typeface="arial"/>
+                          <a:sym typeface="arial"/>
+                        </a:rPr>
+                        <a:t/>
+                      </a:r>
+                    </a:p>
+                  </a:txBody>
+                  <a:tcPr anchor="ctr" marB="38100" marT="38100" marR="0" marL="0">
+                    <a:lnL algn="ctr" cmpd="sng" cap="flat" w="0">
+                      <a:noFill/>
+                      <a:prstDash val="solid"/>
+                    </a:lnL>
+                    <a:lnR algn="ctr" cmpd="sng" cap="flat" w="0">
+                      <a:noFill/>
+                      <a:prstDash val="solid"/>
+                    </a:lnR>
+                    <a:lnT algn="ctr" cmpd="sng" cap="flat" w="0">
+                      <a:noFill/>
+                      <a:prstDash val="solid"/>
+                    </a:lnT>
+                    <a:lnB algn="ctr" cmpd="sng" cap="flat" w="0">
+                      <a:noFill/>
+                      <a:prstDash val="solid"/>
+                    </a:lnB>
+                    <a:solidFill>
+                      <a:srgbClr val="FF7D29">
+                        <a:alpha val="100000"/>
+                      </a:srgbClr>
+                    </a:solidFill>
+                  </a:tcPr>
+                </a:tc>
+              </a:tr>
+              <a:tr h="243582">
+                <a:tc>
+                  <a:txBody>
+                    <a:bodyPr/>
+                    <a:lstStyle/>
+                    <a:p>
+                      <a:pPr algn="ctr" marL="63500" marR="63500">
+                        <a:lnSpc>
+                          <a:spcPct val="100000"/>
+                        </a:lnSpc>
+                        <a:spcBef>
+                          <a:spcPts val="300"/>
+                        </a:spcBef>
+                        <a:spcAft>
+                          <a:spcPts val="300"/>
+                        </a:spcAft>
+                        <a:buNone/>
+                      </a:pPr>
+                      <a:r>
+                        <a:rPr cap="none" sz="1200" i="0" b="0" u="none">
+                          <a:solidFill>
+                            <a:srgbClr val="000000">
+                              <a:alpha val="100000"/>
+                            </a:srgbClr>
+                          </a:solidFill>
+                          <a:latin typeface="arial"/>
+                          <a:cs typeface="arial"/>
+                          <a:ea typeface="arial"/>
+                          <a:sym typeface="arial"/>
+                        </a:rPr>
+                        <a:t>dcd D.2.1.5.3</a:t>
+                      </a:r>
+                    </a:p>
+                  </a:txBody>
+                  <a:tcPr anchor="ctr" marB="38100" marT="38100" marR="0" marL="0">
+                    <a:lnL algn="ctr" cmpd="sng" cap="flat" w="0">
+                      <a:noFill/>
+                      <a:prstDash val="solid"/>
+                    </a:lnL>
+                    <a:lnR algn="ctr" cmpd="sng" cap="flat" w="0">
+                      <a:noFill/>
+                      <a:prstDash val="solid"/>
+                    </a:lnR>
+                    <a:lnT algn="ctr" cmpd="sng" cap="flat" w="0">
+                      <a:noFill/>
+                      <a:prstDash val="solid"/>
+                    </a:lnT>
+                    <a:lnB algn="ctr" cmpd="sng" cap="flat" w="0">
+                      <a:noFill/>
+                      <a:prstDash val="solid"/>
+                    </a:lnB>
+                    <a:solidFill>
+                      <a:srgbClr val="FFBD69">
+                        <a:alpha val="100000"/>
+                      </a:srgbClr>
+                    </a:solidFill>
+                  </a:tcPr>
+                </a:tc>
+                <a:tc>
+                  <a:txBody>
+                    <a:bodyPr/>
+                    <a:lstStyle/>
+                    <a:p>
+                      <a:pPr algn="ctr" marL="63500" marR="63500">
+                        <a:lnSpc>
+                          <a:spcPct val="100000"/>
+                        </a:lnSpc>
+                        <a:spcBef>
+                          <a:spcPts val="300"/>
+                        </a:spcBef>
+                        <a:spcAft>
+                          <a:spcPts val="300"/>
+                        </a:spcAft>
+                        <a:buNone/>
+                      </a:pPr>
+                      <a:r>
+                        <a:rPr cap="none" sz="1200" i="0" b="0" u="none">
+                          <a:solidFill>
+                            <a:srgbClr val="000000">
+                              <a:alpha val="100000"/>
+                            </a:srgbClr>
+                          </a:solidFill>
+                          <a:latin typeface="arial"/>
+                          <a:cs typeface="arial"/>
+                          <a:ea typeface="arial"/>
+                          <a:sym typeface="arial"/>
+                        </a:rPr>
+                        <a:t>37 (27.6%)</a:t>
+                      </a:r>
+                    </a:p>
+                  </a:txBody>
+                  <a:tcPr anchor="ctr" marB="38100" marT="38100" marR="0" marL="0">
+                    <a:lnL algn="ctr" cmpd="sng" cap="flat" w="0">
+                      <a:noFill/>
+                      <a:prstDash val="solid"/>
+                    </a:lnL>
+                    <a:lnR algn="ctr" cmpd="sng" cap="flat" w="0">
+                      <a:noFill/>
+                      <a:prstDash val="solid"/>
+                    </a:lnR>
+                    <a:lnT algn="ctr" cmpd="sng" cap="flat" w="0">
+                      <a:noFill/>
+                      <a:prstDash val="solid"/>
+                    </a:lnT>
+                    <a:lnB algn="ctr" cmpd="sng" cap="flat" w="0">
+                      <a:noFill/>
+                      <a:prstDash val="solid"/>
+                    </a:lnB>
+                    <a:solidFill>
+                      <a:srgbClr val="FFBD69">
+                        <a:alpha val="100000"/>
+                      </a:srgbClr>
+                    </a:solidFill>
+                  </a:tcPr>
+                </a:tc>
+                <a:tc>
+                  <a:txBody>
+                    <a:bodyPr/>
+                    <a:lstStyle/>
+                    <a:p>
+                      <a:pPr algn="ctr" marL="63500" marR="63500">
+                        <a:lnSpc>
+                          <a:spcPct val="100000"/>
+                        </a:lnSpc>
+                        <a:spcBef>
+                          <a:spcPts val="300"/>
+                        </a:spcBef>
+                        <a:spcAft>
+                          <a:spcPts val="300"/>
+                        </a:spcAft>
+                        <a:buNone/>
+                      </a:pPr>
+                      <a:r>
+                        <a:rPr cap="none" sz="1200" i="0" b="0" u="none">
+                          <a:solidFill>
+                            <a:srgbClr val="000000">
+                              <a:alpha val="100000"/>
+                            </a:srgbClr>
+                          </a:solidFill>
+                          <a:latin typeface="arial"/>
+                          <a:cs typeface="arial"/>
+                          <a:ea typeface="arial"/>
+                          <a:sym typeface="arial"/>
+                        </a:rPr>
+                        <a:t>46 (34.3%)</a:t>
+                      </a:r>
+                    </a:p>
+                  </a:txBody>
+                  <a:tcPr anchor="ctr" marB="38100" marT="38100" marR="0" marL="0">
+                    <a:lnL algn="ctr" cmpd="sng" cap="flat" w="0">
+                      <a:noFill/>
+                      <a:prstDash val="solid"/>
+                    </a:lnL>
+                    <a:lnR algn="ctr" cmpd="sng" cap="flat" w="0">
+                      <a:noFill/>
+                      <a:prstDash val="solid"/>
+                    </a:lnR>
+                    <a:lnT algn="ctr" cmpd="sng" cap="flat" w="0">
+                      <a:noFill/>
+                      <a:prstDash val="solid"/>
+                    </a:lnT>
+                    <a:lnB algn="ctr" cmpd="sng" cap="flat" w="0">
+                      <a:noFill/>
+                      <a:prstDash val="solid"/>
+                    </a:lnB>
+                    <a:solidFill>
+                      <a:srgbClr val="FFBD69">
+                        <a:alpha val="100000"/>
+                      </a:srgbClr>
+                    </a:solidFill>
+                  </a:tcPr>
+                </a:tc>
+                <a:tc>
+                  <a:txBody>
+                    <a:bodyPr/>
+                    <a:lstStyle/>
+                    <a:p>
+                      <a:pPr algn="ctr" marL="63500" marR="63500">
+                        <a:lnSpc>
+                          <a:spcPct val="100000"/>
+                        </a:lnSpc>
+                        <a:spcBef>
+                          <a:spcPts val="300"/>
+                        </a:spcBef>
+                        <a:spcAft>
+                          <a:spcPts val="300"/>
+                        </a:spcAft>
+                        <a:buNone/>
+                      </a:pPr>
+                      <a:r>
+                        <a:rPr cap="none" sz="1200" i="0" b="0" u="none">
+                          <a:solidFill>
+                            <a:srgbClr val="000000">
+                              <a:alpha val="100000"/>
+                            </a:srgbClr>
+                          </a:solidFill>
+                          <a:latin typeface="arial"/>
+                          <a:cs typeface="arial"/>
+                          <a:ea typeface="arial"/>
+                          <a:sym typeface="arial"/>
+                        </a:rPr>
+                        <a:t>83 (31.0%)</a:t>
+                      </a:r>
+                    </a:p>
+                  </a:txBody>
+                  <a:tcPr anchor="ctr" marB="38100" marT="38100" marR="0" marL="0">
+                    <a:lnL algn="ctr" cmpd="sng" cap="flat" w="0">
+                      <a:noFill/>
+                      <a:prstDash val="solid"/>
+                    </a:lnL>
+                    <a:lnR algn="ctr" cmpd="sng" cap="flat" w="0">
+                      <a:noFill/>
+                      <a:prstDash val="solid"/>
+                    </a:lnR>
+                    <a:lnT algn="ctr" cmpd="sng" cap="flat" w="0">
+                      <a:noFill/>
+                      <a:prstDash val="solid"/>
+                    </a:lnT>
+                    <a:lnB algn="ctr" cmpd="sng" cap="flat" w="0">
+                      <a:noFill/>
+                      <a:prstDash val="solid"/>
+                    </a:lnB>
+                    <a:solidFill>
+                      <a:srgbClr val="FFBD69">
+                        <a:alpha val="100000"/>
+                      </a:srgbClr>
+                    </a:solidFill>
+                  </a:tcPr>
+                </a:tc>
+                <a:tc>
+                  <a:txBody>
+                    <a:bodyPr/>
+                    <a:lstStyle/>
+                    <a:p>
+                      <a:pPr algn="ctr" marL="63500" marR="63500">
+                        <a:lnSpc>
+                          <a:spcPct val="100000"/>
+                        </a:lnSpc>
+                        <a:spcBef>
+                          <a:spcPts val="300"/>
+                        </a:spcBef>
+                        <a:spcAft>
+                          <a:spcPts val="300"/>
+                        </a:spcAft>
+                        <a:buNone/>
+                      </a:pPr>
+                      <a:r>
+                        <a:rPr cap="none" sz="1200" i="0" b="0" u="none">
+                          <a:solidFill>
+                            <a:srgbClr val="000000">
+                              <a:alpha val="100000"/>
+                            </a:srgbClr>
+                          </a:solidFill>
+                          <a:latin typeface="arial"/>
+                          <a:cs typeface="arial"/>
+                          <a:ea typeface="arial"/>
+                          <a:sym typeface="arial"/>
+                        </a:rPr>
+                        <a:t>133 (33.2%)</a:t>
+                      </a:r>
+                    </a:p>
+                  </a:txBody>
+                  <a:tcPr anchor="ctr" marB="38100" marT="38100" marR="0" marL="0">
+                    <a:lnL algn="ctr" cmpd="sng" cap="flat" w="0">
+                      <a:noFill/>
+                      <a:prstDash val="solid"/>
+                    </a:lnL>
+                    <a:lnR algn="ctr" cmpd="sng" cap="flat" w="0">
+                      <a:noFill/>
+                      <a:prstDash val="solid"/>
+                    </a:lnR>
+                    <a:lnT algn="ctr" cmpd="sng" cap="flat" w="0">
+                      <a:noFill/>
+                      <a:prstDash val="solid"/>
+                    </a:lnT>
+                    <a:lnB algn="ctr" cmpd="sng" cap="flat" w="0">
+                      <a:noFill/>
+                      <a:prstDash val="solid"/>
+                    </a:lnB>
+                    <a:solidFill>
+                      <a:srgbClr val="FFBD69">
+                        <a:alpha val="100000"/>
+                      </a:srgbClr>
+                    </a:solidFill>
+                  </a:tcPr>
+                </a:tc>
               </a:tr>
               <a:tr h="228600">
-                <a:tc gridSpan="4">
+                <a:tc gridSpan="5">
                   <a:txBody>
                     <a:bodyPr/>
                     <a:lstStyle/>
@@ -8499,6 +10424,74 @@
                           <a:sym typeface="DejaVu Sans"/>
                         </a:rPr>
                         <a:t>; </a:t>
+                      </a:r>
+                    </a:p>
+                  </a:txBody>
+                  <a:tcPr anchor="ctr" marB="63500" marT="63500" marR="0" marL="0">
+                    <a:lnL algn="ctr" cmpd="sng" cap="flat" w="0">
+                      <a:noFill/>
+                      <a:prstDash val="solid"/>
+                    </a:lnL>
+                    <a:lnR algn="ctr" cmpd="sng" cap="flat" w="0">
+                      <a:noFill/>
+                      <a:prstDash val="solid"/>
+                    </a:lnR>
+                    <a:lnT algn="ctr" cmpd="sng" cap="flat" w="0">
+                      <a:noFill/>
+                      <a:prstDash val="solid"/>
+                    </a:lnT>
+                    <a:lnB algn="ctr" cmpd="sng" cap="flat" w="0">
+                      <a:noFill/>
+                      <a:prstDash val="solid"/>
+                    </a:lnB>
+                    <a:solidFill>
+                      <a:srgbClr val="FFFFFF">
+                        <a:alpha val="0"/>
+                      </a:srgbClr>
+                    </a:solidFill>
+                  </a:tcPr>
+                </a:tc>
+                <a:tc hMerge="true">
+                  <a:txBody>
+                    <a:bodyPr/>
+                    <a:lstStyle/>
+                    <a:p>
+                      <a:pPr algn="l" marL="63500" marR="63500">
+                        <a:lnSpc>
+                          <a:spcPct val="100000"/>
+                        </a:lnSpc>
+                        <a:spcBef>
+                          <a:spcPts val="500"/>
+                        </a:spcBef>
+                        <a:spcAft>
+                          <a:spcPts val="500"/>
+                        </a:spcAft>
+                        <a:buNone/>
+                      </a:pPr>
+                      <a:endParaRPr cap="none" sz="1100" i="0" b="0" u="none">
+                        <a:solidFill>
+                          <a:srgbClr val="000000">
+                            <a:alpha val="100000"/>
+                          </a:srgbClr>
+                        </a:solidFill>
+                        <a:latin typeface="DejaVu Sans"/>
+                        <a:cs typeface="DejaVu Sans"/>
+                        <a:ea typeface="DejaVu Sans"/>
+                        <a:sym typeface="DejaVu Sans"/>
+                      </a:endParaRPr>
+                      <a:r>
+                        <a:rPr cap="none" sz="1100" i="0" b="0" u="none">
+                          <a:solidFill>
+                            <a:srgbClr val="000000">
+                              <a:alpha val="100000"/>
+                            </a:srgbClr>
+                          </a:solidFill>
+                          <a:latin typeface="DejaVu Sans"/>
+                          <a:cs typeface="DejaVu Sans"/>
+                          <a:ea typeface="DejaVu Sans"/>
+                          <a:sym typeface="DejaVu Sans"/>
+                        </a:rPr>
+                        <a:t/>
                       </a:r>
                     </a:p>
                   </a:txBody>
